--- a/chapter02/Chapter02.pptx
+++ b/chapter02/Chapter02.pptx
@@ -7,8 +7,10 @@
   <p:sldIdLst>
     <p:sldId id="256" r:id="rId2"/>
     <p:sldId id="257" r:id="rId3"/>
-    <p:sldId id="258" r:id="rId4"/>
-    <p:sldId id="259" r:id="rId5"/>
+    <p:sldId id="261" r:id="rId4"/>
+    <p:sldId id="258" r:id="rId5"/>
+    <p:sldId id="259" r:id="rId6"/>
+    <p:sldId id="260" r:id="rId7"/>
   </p:sldIdLst>
   <p:sldSz cx="12192000" cy="6858000"/>
   <p:notesSz cx="6858000" cy="9144000"/>
@@ -107,6 +109,11 @@
       </a:defRPr>
     </a:lvl9pPr>
   </p:defaultTextStyle>
+  <p:extLst>
+    <p:ext uri="{EFAFB233-063F-42B5-8137-9DF3F51BA10A}">
+      <p15:sldGuideLst xmlns:p15="http://schemas.microsoft.com/office/powerpoint/2012/main"/>
+    </p:ext>
+  </p:extLst>
 </p:presentation>
 </file>
 
@@ -259,7 +266,7 @@
           <a:p>
             <a:fld id="{4AF91599-4151-9247-9908-DA7180E1B6D4}" type="datetimeFigureOut">
               <a:rPr lang="en-CH" smtClean="0"/>
-              <a:t>01.04.20</a:t>
+              <a:t>02.04.20</a:t>
             </a:fld>
             <a:endParaRPr lang="en-CH"/>
           </a:p>
@@ -459,7 +466,7 @@
           <a:p>
             <a:fld id="{4AF91599-4151-9247-9908-DA7180E1B6D4}" type="datetimeFigureOut">
               <a:rPr lang="en-CH" smtClean="0"/>
-              <a:t>01.04.20</a:t>
+              <a:t>02.04.20</a:t>
             </a:fld>
             <a:endParaRPr lang="en-CH"/>
           </a:p>
@@ -669,7 +676,7 @@
           <a:p>
             <a:fld id="{4AF91599-4151-9247-9908-DA7180E1B6D4}" type="datetimeFigureOut">
               <a:rPr lang="en-CH" smtClean="0"/>
-              <a:t>01.04.20</a:t>
+              <a:t>02.04.20</a:t>
             </a:fld>
             <a:endParaRPr lang="en-CH"/>
           </a:p>
@@ -869,7 +876,7 @@
           <a:p>
             <a:fld id="{4AF91599-4151-9247-9908-DA7180E1B6D4}" type="datetimeFigureOut">
               <a:rPr lang="en-CH" smtClean="0"/>
-              <a:t>01.04.20</a:t>
+              <a:t>02.04.20</a:t>
             </a:fld>
             <a:endParaRPr lang="en-CH"/>
           </a:p>
@@ -1145,7 +1152,7 @@
           <a:p>
             <a:fld id="{4AF91599-4151-9247-9908-DA7180E1B6D4}" type="datetimeFigureOut">
               <a:rPr lang="en-CH" smtClean="0"/>
-              <a:t>01.04.20</a:t>
+              <a:t>02.04.20</a:t>
             </a:fld>
             <a:endParaRPr lang="en-CH"/>
           </a:p>
@@ -1413,7 +1420,7 @@
           <a:p>
             <a:fld id="{4AF91599-4151-9247-9908-DA7180E1B6D4}" type="datetimeFigureOut">
               <a:rPr lang="en-CH" smtClean="0"/>
-              <a:t>01.04.20</a:t>
+              <a:t>02.04.20</a:t>
             </a:fld>
             <a:endParaRPr lang="en-CH"/>
           </a:p>
@@ -1828,7 +1835,7 @@
           <a:p>
             <a:fld id="{4AF91599-4151-9247-9908-DA7180E1B6D4}" type="datetimeFigureOut">
               <a:rPr lang="en-CH" smtClean="0"/>
-              <a:t>01.04.20</a:t>
+              <a:t>02.04.20</a:t>
             </a:fld>
             <a:endParaRPr lang="en-CH"/>
           </a:p>
@@ -1970,7 +1977,7 @@
           <a:p>
             <a:fld id="{4AF91599-4151-9247-9908-DA7180E1B6D4}" type="datetimeFigureOut">
               <a:rPr lang="en-CH" smtClean="0"/>
-              <a:t>01.04.20</a:t>
+              <a:t>02.04.20</a:t>
             </a:fld>
             <a:endParaRPr lang="en-CH"/>
           </a:p>
@@ -2083,7 +2090,7 @@
           <a:p>
             <a:fld id="{4AF91599-4151-9247-9908-DA7180E1B6D4}" type="datetimeFigureOut">
               <a:rPr lang="en-CH" smtClean="0"/>
-              <a:t>01.04.20</a:t>
+              <a:t>02.04.20</a:t>
             </a:fld>
             <a:endParaRPr lang="en-CH"/>
           </a:p>
@@ -2396,7 +2403,7 @@
           <a:p>
             <a:fld id="{4AF91599-4151-9247-9908-DA7180E1B6D4}" type="datetimeFigureOut">
               <a:rPr lang="en-CH" smtClean="0"/>
-              <a:t>01.04.20</a:t>
+              <a:t>02.04.20</a:t>
             </a:fld>
             <a:endParaRPr lang="en-CH"/>
           </a:p>
@@ -2685,7 +2692,7 @@
           <a:p>
             <a:fld id="{4AF91599-4151-9247-9908-DA7180E1B6D4}" type="datetimeFigureOut">
               <a:rPr lang="en-CH" smtClean="0"/>
-              <a:t>01.04.20</a:t>
+              <a:t>02.04.20</a:t>
             </a:fld>
             <a:endParaRPr lang="en-CH"/>
           </a:p>
@@ -2928,7 +2935,7 @@
           <a:p>
             <a:fld id="{4AF91599-4151-9247-9908-DA7180E1B6D4}" type="datetimeFigureOut">
               <a:rPr lang="en-CH" smtClean="0"/>
-              <a:t>01.04.20</a:t>
+              <a:t>02.04.20</a:t>
             </a:fld>
             <a:endParaRPr lang="en-CH"/>
           </a:p>
@@ -3444,7 +3451,7 @@
         <p:spPr>
           <a:xfrm>
             <a:off x="2435087" y="1172817"/>
-            <a:ext cx="2330574" cy="2585323"/>
+            <a:ext cx="13782427" cy="3970318"/>
           </a:xfrm>
           <a:prstGeom prst="rect">
             <a:avLst/>
@@ -3526,6 +3533,46 @@
             <a:r>
               <a:rPr lang="en-CH" dirty="0"/>
               <a:t>ifferentiation rules</a:t>
+            </a:r>
+          </a:p>
+          <a:p>
+            <a:endParaRPr lang="en-CH" dirty="0"/>
+          </a:p>
+          <a:p>
+            <a:r>
+              <a:rPr lang="en-GB" dirty="0"/>
+              <a:t>R</a:t>
+            </a:r>
+            <a:r>
+              <a:rPr lang="en-CH" dirty="0"/>
+              <a:t>egression</a:t>
+            </a:r>
+          </a:p>
+          <a:p>
+            <a:r>
+              <a:rPr lang="en-GB" dirty="0"/>
+              <a:t>R</a:t>
+            </a:r>
+            <a:r>
+              <a:rPr lang="en-CH" dirty="0"/>
+              <a:t>esiduals</a:t>
+            </a:r>
+          </a:p>
+          <a:p>
+            <a:r>
+              <a:rPr lang="en-CH" dirty="0"/>
+              <a:t> phat    </a:t>
+            </a:r>
+            <a:r>
+              <a:rPr lang="en-GB" dirty="0"/>
+              <a:t>We put a hat over the letter to remind us that this is not (necessarily) the underlying true value, but an estimate we make from the data</a:t>
+            </a:r>
+            <a:endParaRPr lang="en-CH" dirty="0"/>
+          </a:p>
+          <a:p>
+            <a:r>
+              <a:rPr lang="en-CH" dirty="0"/>
+              <a:t>poverline</a:t>
             </a:r>
           </a:p>
         </p:txBody>
@@ -3562,10 +3609,10 @@
       </p:grpSpPr>
       <p:pic>
         <p:nvPicPr>
-          <p:cNvPr id="4" name="Picture 3">
-            <a:extLst>
-              <a:ext uri="{FF2B5EF4-FFF2-40B4-BE49-F238E27FC236}">
-                <a16:creationId xmlns:a16="http://schemas.microsoft.com/office/drawing/2014/main" id="{5AEFBD1C-2E37-604C-A66C-C33713025C9C}"/>
+          <p:cNvPr id="5" name="Picture 4">
+            <a:extLst>
+              <a:ext uri="{FF2B5EF4-FFF2-40B4-BE49-F238E27FC236}">
+                <a16:creationId xmlns:a16="http://schemas.microsoft.com/office/drawing/2014/main" id="{98279FEB-1179-3E47-9D7B-8906CCAF519C}"/>
               </a:ext>
             </a:extLst>
           </p:cNvPr>
@@ -3582,92 +3629,48 @@
         </p:blipFill>
         <p:spPr>
           <a:xfrm>
-            <a:off x="2538888" y="928377"/>
-            <a:ext cx="6827534" cy="4458601"/>
+            <a:off x="658813" y="1333499"/>
+            <a:ext cx="4691626" cy="3895725"/>
           </a:xfrm>
           <a:prstGeom prst="rect">
             <a:avLst/>
           </a:prstGeom>
         </p:spPr>
       </p:pic>
-      <p:sp>
-        <p:nvSpPr>
-          <p:cNvPr id="9" name="TextBox 8">
-            <a:extLst>
-              <a:ext uri="{FF2B5EF4-FFF2-40B4-BE49-F238E27FC236}">
-                <a16:creationId xmlns:a16="http://schemas.microsoft.com/office/drawing/2014/main" id="{606741E3-A0B4-7A43-9871-C658108E4F04}"/>
-              </a:ext>
-            </a:extLst>
-          </p:cNvPr>
-          <p:cNvSpPr txBox="1"/>
+      <p:pic>
+        <p:nvPicPr>
+          <p:cNvPr id="7" name="Picture 6">
+            <a:extLst>
+              <a:ext uri="{FF2B5EF4-FFF2-40B4-BE49-F238E27FC236}">
+                <a16:creationId xmlns:a16="http://schemas.microsoft.com/office/drawing/2014/main" id="{6CD4AC86-B8F3-2545-88EA-EF7FCAC9A4FB}"/>
+              </a:ext>
+            </a:extLst>
+          </p:cNvPr>
+          <p:cNvPicPr>
+            <a:picLocks noChangeAspect="1"/>
+          </p:cNvPicPr>
           <p:nvPr/>
-        </p:nvSpPr>
+        </p:nvPicPr>
+        <p:blipFill>
+          <a:blip r:embed="rId3"/>
+          <a:stretch>
+            <a:fillRect/>
+          </a:stretch>
+        </p:blipFill>
         <p:spPr>
           <a:xfrm>
-            <a:off x="827903" y="345989"/>
-            <a:ext cx="7176580" cy="369332"/>
+            <a:off x="5016499" y="1333499"/>
+            <a:ext cx="5756275" cy="4348265"/>
           </a:xfrm>
           <a:prstGeom prst="rect">
             <a:avLst/>
           </a:prstGeom>
-          <a:noFill/>
         </p:spPr>
-        <p:txBody>
-          <a:bodyPr wrap="none" rtlCol="0">
-            <a:spAutoFit/>
-          </a:bodyPr>
-          <a:lstStyle/>
-          <a:p>
-            <a:r>
-              <a:rPr lang="en-CH" b="1" dirty="0"/>
-              <a:t>Proof that the mean of the Poisson distribution maximises the likelihood:</a:t>
-            </a:r>
-          </a:p>
-        </p:txBody>
-      </p:sp>
-      <p:sp>
-        <p:nvSpPr>
-          <p:cNvPr id="10" name="TextBox 9">
-            <a:extLst>
-              <a:ext uri="{FF2B5EF4-FFF2-40B4-BE49-F238E27FC236}">
-                <a16:creationId xmlns:a16="http://schemas.microsoft.com/office/drawing/2014/main" id="{D921AA62-A811-0F47-922A-0A6292E0C9AE}"/>
-              </a:ext>
-            </a:extLst>
-          </p:cNvPr>
-          <p:cNvSpPr txBox="1"/>
-          <p:nvPr/>
-        </p:nvSpPr>
-        <p:spPr>
-          <a:xfrm>
-            <a:off x="3954162" y="6153665"/>
-            <a:ext cx="5159682" cy="369332"/>
-          </a:xfrm>
-          <a:prstGeom prst="rect">
-            <a:avLst/>
-          </a:prstGeom>
-          <a:noFill/>
-        </p:spPr>
-        <p:txBody>
-          <a:bodyPr wrap="none" rtlCol="0">
-            <a:spAutoFit/>
-          </a:bodyPr>
-          <a:lstStyle/>
-          <a:p>
-            <a:r>
-              <a:rPr lang="en-GB" dirty="0"/>
-              <a:t>…. A</a:t>
-            </a:r>
-            <a:r>
-              <a:rPr lang="en-CH" dirty="0"/>
-              <a:t> more detailed working out is on the next slide….</a:t>
-            </a:r>
-          </a:p>
-        </p:txBody>
-      </p:sp>
+      </p:pic>
     </p:spTree>
     <p:extLst>
       <p:ext uri="{BB962C8B-B14F-4D97-AF65-F5344CB8AC3E}">
-        <p14:creationId xmlns:p14="http://schemas.microsoft.com/office/powerpoint/2010/main" val="3922666418"/>
+        <p14:creationId xmlns:p14="http://schemas.microsoft.com/office/powerpoint/2010/main" val="3322812182"/>
       </p:ext>
     </p:extLst>
   </p:cSld>
@@ -3694,6 +3697,140 @@
           <a:chExt cx="0" cy="0"/>
         </a:xfrm>
       </p:grpSpPr>
+      <p:pic>
+        <p:nvPicPr>
+          <p:cNvPr id="4" name="Picture 3">
+            <a:extLst>
+              <a:ext uri="{FF2B5EF4-FFF2-40B4-BE49-F238E27FC236}">
+                <a16:creationId xmlns:a16="http://schemas.microsoft.com/office/drawing/2014/main" id="{5AEFBD1C-2E37-604C-A66C-C33713025C9C}"/>
+              </a:ext>
+            </a:extLst>
+          </p:cNvPr>
+          <p:cNvPicPr>
+            <a:picLocks noChangeAspect="1"/>
+          </p:cNvPicPr>
+          <p:nvPr/>
+        </p:nvPicPr>
+        <p:blipFill>
+          <a:blip r:embed="rId2"/>
+          <a:stretch>
+            <a:fillRect/>
+          </a:stretch>
+        </p:blipFill>
+        <p:spPr>
+          <a:xfrm>
+            <a:off x="2538888" y="928377"/>
+            <a:ext cx="6827534" cy="4458601"/>
+          </a:xfrm>
+          <a:prstGeom prst="rect">
+            <a:avLst/>
+          </a:prstGeom>
+        </p:spPr>
+      </p:pic>
+      <p:sp>
+        <p:nvSpPr>
+          <p:cNvPr id="9" name="TextBox 8">
+            <a:extLst>
+              <a:ext uri="{FF2B5EF4-FFF2-40B4-BE49-F238E27FC236}">
+                <a16:creationId xmlns:a16="http://schemas.microsoft.com/office/drawing/2014/main" id="{606741E3-A0B4-7A43-9871-C658108E4F04}"/>
+              </a:ext>
+            </a:extLst>
+          </p:cNvPr>
+          <p:cNvSpPr txBox="1"/>
+          <p:nvPr/>
+        </p:nvSpPr>
+        <p:spPr>
+          <a:xfrm>
+            <a:off x="827903" y="345989"/>
+            <a:ext cx="7176580" cy="369332"/>
+          </a:xfrm>
+          <a:prstGeom prst="rect">
+            <a:avLst/>
+          </a:prstGeom>
+          <a:noFill/>
+        </p:spPr>
+        <p:txBody>
+          <a:bodyPr wrap="none" rtlCol="0">
+            <a:spAutoFit/>
+          </a:bodyPr>
+          <a:lstStyle/>
+          <a:p>
+            <a:r>
+              <a:rPr lang="en-CH" b="1" dirty="0"/>
+              <a:t>Proof that the mean of the Poisson distribution maximises the likelihood:</a:t>
+            </a:r>
+          </a:p>
+        </p:txBody>
+      </p:sp>
+      <p:sp>
+        <p:nvSpPr>
+          <p:cNvPr id="10" name="TextBox 9">
+            <a:extLst>
+              <a:ext uri="{FF2B5EF4-FFF2-40B4-BE49-F238E27FC236}">
+                <a16:creationId xmlns:a16="http://schemas.microsoft.com/office/drawing/2014/main" id="{D921AA62-A811-0F47-922A-0A6292E0C9AE}"/>
+              </a:ext>
+            </a:extLst>
+          </p:cNvPr>
+          <p:cNvSpPr txBox="1"/>
+          <p:nvPr/>
+        </p:nvSpPr>
+        <p:spPr>
+          <a:xfrm>
+            <a:off x="3954162" y="6153665"/>
+            <a:ext cx="5159682" cy="369332"/>
+          </a:xfrm>
+          <a:prstGeom prst="rect">
+            <a:avLst/>
+          </a:prstGeom>
+          <a:noFill/>
+        </p:spPr>
+        <p:txBody>
+          <a:bodyPr wrap="none" rtlCol="0">
+            <a:spAutoFit/>
+          </a:bodyPr>
+          <a:lstStyle/>
+          <a:p>
+            <a:r>
+              <a:rPr lang="en-GB" dirty="0"/>
+              <a:t>…. A</a:t>
+            </a:r>
+            <a:r>
+              <a:rPr lang="en-CH" dirty="0"/>
+              <a:t> more detailed working out is on the next slide….</a:t>
+            </a:r>
+          </a:p>
+        </p:txBody>
+      </p:sp>
+    </p:spTree>
+    <p:extLst>
+      <p:ext uri="{BB962C8B-B14F-4D97-AF65-F5344CB8AC3E}">
+        <p14:creationId xmlns:p14="http://schemas.microsoft.com/office/powerpoint/2010/main" val="3922666418"/>
+      </p:ext>
+    </p:extLst>
+  </p:cSld>
+  <p:clrMapOvr>
+    <a:masterClrMapping/>
+  </p:clrMapOvr>
+</p:sld>
+</file>
+
+<file path=ppt/slides/slide5.xml><?xml version="1.0" encoding="utf-8"?>
+<p:sld xmlns:a="http://schemas.openxmlformats.org/drawingml/2006/main" xmlns:r="http://schemas.openxmlformats.org/officeDocument/2006/relationships" xmlns:p="http://schemas.openxmlformats.org/presentationml/2006/main">
+  <p:cSld>
+    <p:spTree>
+      <p:nvGrpSpPr>
+        <p:cNvPr id="1" name=""/>
+        <p:cNvGrpSpPr/>
+        <p:nvPr/>
+      </p:nvGrpSpPr>
+      <p:grpSpPr>
+        <a:xfrm>
+          <a:off x="0" y="0"/>
+          <a:ext cx="0" cy="0"/>
+          <a:chOff x="0" y="0"/>
+          <a:chExt cx="0" cy="0"/>
+        </a:xfrm>
+      </p:grpSpPr>
       <p:sp>
         <p:nvSpPr>
           <p:cNvPr id="9" name="TextBox 8">
@@ -3793,6 +3930,130 @@
     <p:extLst>
       <p:ext uri="{BB962C8B-B14F-4D97-AF65-F5344CB8AC3E}">
         <p14:creationId xmlns:p14="http://schemas.microsoft.com/office/powerpoint/2010/main" val="1134133447"/>
+      </p:ext>
+    </p:extLst>
+  </p:cSld>
+  <p:clrMapOvr>
+    <a:masterClrMapping/>
+  </p:clrMapOvr>
+</p:sld>
+</file>
+
+<file path=ppt/slides/slide6.xml><?xml version="1.0" encoding="utf-8"?>
+<p:sld xmlns:a="http://schemas.openxmlformats.org/drawingml/2006/main" xmlns:r="http://schemas.openxmlformats.org/officeDocument/2006/relationships" xmlns:p="http://schemas.openxmlformats.org/presentationml/2006/main">
+  <p:cSld>
+    <p:spTree>
+      <p:nvGrpSpPr>
+        <p:cNvPr id="1" name=""/>
+        <p:cNvGrpSpPr/>
+        <p:nvPr/>
+      </p:nvGrpSpPr>
+      <p:grpSpPr>
+        <a:xfrm>
+          <a:off x="0" y="0"/>
+          <a:ext cx="0" cy="0"/>
+          <a:chOff x="0" y="0"/>
+          <a:chExt cx="0" cy="0"/>
+        </a:xfrm>
+      </p:grpSpPr>
+      <p:sp>
+        <p:nvSpPr>
+          <p:cNvPr id="4" name="TextBox 3">
+            <a:extLst>
+              <a:ext uri="{FF2B5EF4-FFF2-40B4-BE49-F238E27FC236}">
+                <a16:creationId xmlns:a16="http://schemas.microsoft.com/office/drawing/2014/main" id="{3FD9908E-4E6B-AF4F-98B4-02B686F412D8}"/>
+              </a:ext>
+            </a:extLst>
+          </p:cNvPr>
+          <p:cNvSpPr txBox="1"/>
+          <p:nvPr/>
+        </p:nvSpPr>
+        <p:spPr>
+          <a:xfrm>
+            <a:off x="228600" y="503896"/>
+            <a:ext cx="5185522" cy="461665"/>
+          </a:xfrm>
+          <a:prstGeom prst="rect">
+            <a:avLst/>
+          </a:prstGeom>
+          <a:noFill/>
+        </p:spPr>
+        <p:txBody>
+          <a:bodyPr wrap="none" rtlCol="0">
+            <a:spAutoFit/>
+          </a:bodyPr>
+          <a:lstStyle/>
+          <a:p>
+            <a:r>
+              <a:rPr lang="en-GB" sz="2400" b="1" dirty="0"/>
+              <a:t>Likelihood for the binomial distribution</a:t>
+            </a:r>
+          </a:p>
+        </p:txBody>
+      </p:sp>
+      <p:pic>
+        <p:nvPicPr>
+          <p:cNvPr id="5" name="Picture 4">
+            <a:extLst>
+              <a:ext uri="{FF2B5EF4-FFF2-40B4-BE49-F238E27FC236}">
+                <a16:creationId xmlns:a16="http://schemas.microsoft.com/office/drawing/2014/main" id="{D49DC3DA-D876-CD47-9D1C-FEFD3010B10D}"/>
+              </a:ext>
+            </a:extLst>
+          </p:cNvPr>
+          <p:cNvPicPr>
+            <a:picLocks noChangeAspect="1"/>
+          </p:cNvPicPr>
+          <p:nvPr/>
+        </p:nvPicPr>
+        <p:blipFill rotWithShape="1">
+          <a:blip r:embed="rId2"/>
+          <a:srcRect b="6923"/>
+          <a:stretch/>
+        </p:blipFill>
+        <p:spPr>
+          <a:xfrm>
+            <a:off x="228600" y="1337139"/>
+            <a:ext cx="5575991" cy="2977686"/>
+          </a:xfrm>
+          <a:prstGeom prst="rect">
+            <a:avLst/>
+          </a:prstGeom>
+        </p:spPr>
+      </p:pic>
+      <p:pic>
+        <p:nvPicPr>
+          <p:cNvPr id="8" name="Picture 7">
+            <a:extLst>
+              <a:ext uri="{FF2B5EF4-FFF2-40B4-BE49-F238E27FC236}">
+                <a16:creationId xmlns:a16="http://schemas.microsoft.com/office/drawing/2014/main" id="{6AF61FBF-9221-5741-ACBA-AF0C71159486}"/>
+              </a:ext>
+            </a:extLst>
+          </p:cNvPr>
+          <p:cNvPicPr>
+            <a:picLocks noChangeAspect="1"/>
+          </p:cNvPicPr>
+          <p:nvPr/>
+        </p:nvPicPr>
+        <p:blipFill>
+          <a:blip r:embed="rId3"/>
+          <a:stretch>
+            <a:fillRect/>
+          </a:stretch>
+        </p:blipFill>
+        <p:spPr>
+          <a:xfrm>
+            <a:off x="5918200" y="1225550"/>
+            <a:ext cx="6273800" cy="4406900"/>
+          </a:xfrm>
+          <a:prstGeom prst="rect">
+            <a:avLst/>
+          </a:prstGeom>
+        </p:spPr>
+      </p:pic>
+    </p:spTree>
+    <p:extLst>
+      <p:ext uri="{BB962C8B-B14F-4D97-AF65-F5344CB8AC3E}">
+        <p14:creationId xmlns:p14="http://schemas.microsoft.com/office/powerpoint/2010/main" val="1208430400"/>
       </p:ext>
     </p:extLst>
   </p:cSld>

--- a/chapter02/Chapter02.pptx
+++ b/chapter02/Chapter02.pptx
@@ -7,10 +7,11 @@
   <p:sldIdLst>
     <p:sldId id="256" r:id="rId2"/>
     <p:sldId id="257" r:id="rId3"/>
-    <p:sldId id="261" r:id="rId4"/>
-    <p:sldId id="258" r:id="rId5"/>
-    <p:sldId id="259" r:id="rId6"/>
-    <p:sldId id="260" r:id="rId7"/>
+    <p:sldId id="262" r:id="rId4"/>
+    <p:sldId id="261" r:id="rId5"/>
+    <p:sldId id="258" r:id="rId6"/>
+    <p:sldId id="259" r:id="rId7"/>
+    <p:sldId id="260" r:id="rId8"/>
   </p:sldIdLst>
   <p:sldSz cx="12192000" cy="6858000"/>
   <p:notesSz cx="6858000" cy="9144000"/>
@@ -3451,7 +3452,7 @@
         <p:spPr>
           <a:xfrm>
             <a:off x="2435087" y="1172817"/>
-            <a:ext cx="13782427" cy="3970318"/>
+            <a:ext cx="13595645" cy="4524315"/>
           </a:xfrm>
           <a:prstGeom prst="rect">
             <a:avLst/>
@@ -3571,8 +3572,25 @@
           </a:p>
           <a:p>
             <a:r>
+              <a:rPr lang="en-GB" dirty="0"/>
+              <a:t>P</a:t>
+            </a:r>
+            <a:r>
               <a:rPr lang="en-CH" dirty="0"/>
-              <a:t>poverline</a:t>
+              <a:t>overline</a:t>
+            </a:r>
+          </a:p>
+          <a:p>
+            <a:endParaRPr lang="en-CH" dirty="0"/>
+          </a:p>
+          <a:p>
+            <a:r>
+              <a:rPr lang="en-GB" dirty="0"/>
+              <a:t>M</a:t>
+            </a:r>
+            <a:r>
+              <a:rPr lang="en-CH" dirty="0"/>
+              <a:t>atrix multiplication</a:t>
             </a:r>
           </a:p>
         </p:txBody>
@@ -3591,6 +3609,455 @@
 </file>
 
 <file path=ppt/slides/slide3.xml><?xml version="1.0" encoding="utf-8"?>
+<p:sld xmlns:a="http://schemas.openxmlformats.org/drawingml/2006/main" xmlns:r="http://schemas.openxmlformats.org/officeDocument/2006/relationships" xmlns:p="http://schemas.openxmlformats.org/presentationml/2006/main">
+  <p:cSld>
+    <p:spTree>
+      <p:nvGrpSpPr>
+        <p:cNvPr id="1" name=""/>
+        <p:cNvGrpSpPr/>
+        <p:nvPr/>
+      </p:nvGrpSpPr>
+      <p:grpSpPr>
+        <a:xfrm>
+          <a:off x="0" y="0"/>
+          <a:ext cx="0" cy="0"/>
+          <a:chOff x="0" y="0"/>
+          <a:chExt cx="0" cy="0"/>
+        </a:xfrm>
+      </p:grpSpPr>
+      <p:sp>
+        <p:nvSpPr>
+          <p:cNvPr id="6" name="TextBox 5">
+            <a:extLst>
+              <a:ext uri="{FF2B5EF4-FFF2-40B4-BE49-F238E27FC236}">
+                <a16:creationId xmlns:a16="http://schemas.microsoft.com/office/drawing/2014/main" id="{6EC71508-728E-0046-B337-511DE7ACA9D3}"/>
+              </a:ext>
+            </a:extLst>
+          </p:cNvPr>
+          <p:cNvSpPr txBox="1"/>
+          <p:nvPr/>
+        </p:nvSpPr>
+        <p:spPr>
+          <a:xfrm>
+            <a:off x="175783" y="3796584"/>
+            <a:ext cx="1539973" cy="369332"/>
+          </a:xfrm>
+          <a:prstGeom prst="rect">
+            <a:avLst/>
+          </a:prstGeom>
+          <a:noFill/>
+        </p:spPr>
+        <p:txBody>
+          <a:bodyPr wrap="none" rtlCol="0">
+            <a:spAutoFit/>
+          </a:bodyPr>
+          <a:lstStyle/>
+          <a:p>
+            <a:r>
+              <a:rPr lang="en-GB" b="1" dirty="0"/>
+              <a:t>O</a:t>
+            </a:r>
+            <a:r>
+              <a:rPr lang="de-CH" b="1" dirty="0" err="1"/>
+              <a:t>uter</a:t>
+            </a:r>
+            <a:r>
+              <a:rPr lang="de-CH" b="1" dirty="0"/>
+              <a:t> </a:t>
+            </a:r>
+            <a:r>
+              <a:rPr lang="de-CH" b="1" dirty="0" err="1"/>
+              <a:t>product</a:t>
+            </a:r>
+            <a:endParaRPr lang="en-CH" b="1" dirty="0"/>
+          </a:p>
+        </p:txBody>
+      </p:sp>
+      <p:grpSp>
+        <p:nvGrpSpPr>
+          <p:cNvPr id="9" name="Group 8">
+            <a:extLst>
+              <a:ext uri="{FF2B5EF4-FFF2-40B4-BE49-F238E27FC236}">
+                <a16:creationId xmlns:a16="http://schemas.microsoft.com/office/drawing/2014/main" id="{A35807A6-C8B9-E644-8C1A-6A4CE28C3D15}"/>
+              </a:ext>
+            </a:extLst>
+          </p:cNvPr>
+          <p:cNvGrpSpPr/>
+          <p:nvPr/>
+        </p:nvGrpSpPr>
+        <p:grpSpPr>
+          <a:xfrm>
+            <a:off x="212778" y="1443528"/>
+            <a:ext cx="5373636" cy="1646285"/>
+            <a:chOff x="1104031" y="771524"/>
+            <a:chExt cx="8190153" cy="2300289"/>
+          </a:xfrm>
+        </p:grpSpPr>
+        <p:pic>
+          <p:nvPicPr>
+            <p:cNvPr id="4" name="Picture 3">
+              <a:extLst>
+                <a:ext uri="{FF2B5EF4-FFF2-40B4-BE49-F238E27FC236}">
+                  <a16:creationId xmlns:a16="http://schemas.microsoft.com/office/drawing/2014/main" id="{382AD92F-2581-7B4A-AEB7-12BEE8BCF30F}"/>
+                </a:ext>
+              </a:extLst>
+            </p:cNvPr>
+            <p:cNvPicPr>
+              <a:picLocks noChangeAspect="1"/>
+            </p:cNvPicPr>
+            <p:nvPr/>
+          </p:nvPicPr>
+          <p:blipFill rotWithShape="1">
+            <a:blip r:embed="rId2"/>
+            <a:srcRect t="8838" b="53029"/>
+            <a:stretch/>
+          </p:blipFill>
+          <p:spPr>
+            <a:xfrm>
+              <a:off x="1104031" y="771524"/>
+              <a:ext cx="8190153" cy="1828802"/>
+            </a:xfrm>
+            <a:prstGeom prst="rect">
+              <a:avLst/>
+            </a:prstGeom>
+          </p:spPr>
+        </p:pic>
+        <p:sp>
+          <p:nvSpPr>
+            <p:cNvPr id="8" name="Rectangle 7">
+              <a:extLst>
+                <a:ext uri="{FF2B5EF4-FFF2-40B4-BE49-F238E27FC236}">
+                  <a16:creationId xmlns:a16="http://schemas.microsoft.com/office/drawing/2014/main" id="{3A149142-C26B-4345-ABE6-5E87C524DD2A}"/>
+                </a:ext>
+              </a:extLst>
+            </p:cNvPr>
+            <p:cNvSpPr/>
+            <p:nvPr/>
+          </p:nvSpPr>
+          <p:spPr>
+            <a:xfrm>
+              <a:off x="1243013" y="2600325"/>
+              <a:ext cx="1385887" cy="471488"/>
+            </a:xfrm>
+            <a:prstGeom prst="rect">
+              <a:avLst/>
+            </a:prstGeom>
+            <a:solidFill>
+              <a:schemeClr val="bg1"/>
+            </a:solidFill>
+            <a:ln>
+              <a:solidFill>
+                <a:schemeClr val="bg1"/>
+              </a:solidFill>
+            </a:ln>
+          </p:spPr>
+          <p:style>
+            <a:lnRef idx="2">
+              <a:schemeClr val="accent1">
+                <a:shade val="50000"/>
+              </a:schemeClr>
+            </a:lnRef>
+            <a:fillRef idx="1">
+              <a:schemeClr val="accent1"/>
+            </a:fillRef>
+            <a:effectRef idx="0">
+              <a:schemeClr val="accent1"/>
+            </a:effectRef>
+            <a:fontRef idx="minor">
+              <a:schemeClr val="lt1"/>
+            </a:fontRef>
+          </p:style>
+          <p:txBody>
+            <a:bodyPr rtlCol="0" anchor="ctr"/>
+            <a:lstStyle/>
+            <a:p>
+              <a:pPr algn="ctr"/>
+              <a:endParaRPr lang="en-CH"/>
+            </a:p>
+          </p:txBody>
+        </p:sp>
+      </p:grpSp>
+      <p:sp>
+        <p:nvSpPr>
+          <p:cNvPr id="10" name="TextBox 9">
+            <a:extLst>
+              <a:ext uri="{FF2B5EF4-FFF2-40B4-BE49-F238E27FC236}">
+                <a16:creationId xmlns:a16="http://schemas.microsoft.com/office/drawing/2014/main" id="{4A529CC2-5AB3-C248-8569-F58792A9F6A9}"/>
+              </a:ext>
+            </a:extLst>
+          </p:cNvPr>
+          <p:cNvSpPr txBox="1"/>
+          <p:nvPr/>
+        </p:nvSpPr>
+        <p:spPr>
+          <a:xfrm>
+            <a:off x="349622" y="1445221"/>
+            <a:ext cx="705642" cy="369332"/>
+          </a:xfrm>
+          <a:prstGeom prst="rect">
+            <a:avLst/>
+          </a:prstGeom>
+          <a:noFill/>
+        </p:spPr>
+        <p:txBody>
+          <a:bodyPr wrap="none" rtlCol="0">
+            <a:spAutoFit/>
+          </a:bodyPr>
+          <a:lstStyle/>
+          <a:p>
+            <a:r>
+              <a:rPr lang="en-GB" dirty="0"/>
+              <a:t>c</a:t>
+            </a:r>
+            <a:r>
+              <a:rPr lang="en-CH" dirty="0"/>
+              <a:t>=a</a:t>
+            </a:r>
+            <a:r>
+              <a:rPr lang="en-CH" baseline="30000" dirty="0"/>
+              <a:t>T</a:t>
+            </a:r>
+            <a:r>
+              <a:rPr lang="en-CH" dirty="0"/>
+              <a:t>b</a:t>
+            </a:r>
+          </a:p>
+        </p:txBody>
+      </p:sp>
+      <p:sp>
+        <p:nvSpPr>
+          <p:cNvPr id="11" name="TextBox 10">
+            <a:extLst>
+              <a:ext uri="{FF2B5EF4-FFF2-40B4-BE49-F238E27FC236}">
+                <a16:creationId xmlns:a16="http://schemas.microsoft.com/office/drawing/2014/main" id="{75C14673-B279-3648-A74F-6BD79A30A02C}"/>
+              </a:ext>
+            </a:extLst>
+          </p:cNvPr>
+          <p:cNvSpPr txBox="1"/>
+          <p:nvPr/>
+        </p:nvSpPr>
+        <p:spPr>
+          <a:xfrm>
+            <a:off x="216083" y="4365074"/>
+            <a:ext cx="729687" cy="369332"/>
+          </a:xfrm>
+          <a:prstGeom prst="rect">
+            <a:avLst/>
+          </a:prstGeom>
+          <a:noFill/>
+        </p:spPr>
+        <p:txBody>
+          <a:bodyPr wrap="none" rtlCol="0">
+            <a:spAutoFit/>
+          </a:bodyPr>
+          <a:lstStyle/>
+          <a:p>
+            <a:r>
+              <a:rPr lang="en-GB" dirty="0"/>
+              <a:t>d</a:t>
+            </a:r>
+            <a:r>
+              <a:rPr lang="en-CH" dirty="0"/>
+              <a:t>=ab</a:t>
+            </a:r>
+            <a:r>
+              <a:rPr lang="en-CH" baseline="30000" dirty="0"/>
+              <a:t>T</a:t>
+            </a:r>
+            <a:endParaRPr lang="en-CH" dirty="0"/>
+          </a:p>
+        </p:txBody>
+      </p:sp>
+      <p:pic>
+        <p:nvPicPr>
+          <p:cNvPr id="12" name="Picture 11">
+            <a:extLst>
+              <a:ext uri="{FF2B5EF4-FFF2-40B4-BE49-F238E27FC236}">
+                <a16:creationId xmlns:a16="http://schemas.microsoft.com/office/drawing/2014/main" id="{CBA9798D-8AEF-924C-B38A-D0426E36C12B}"/>
+              </a:ext>
+            </a:extLst>
+          </p:cNvPr>
+          <p:cNvPicPr>
+            <a:picLocks noChangeAspect="1"/>
+          </p:cNvPicPr>
+          <p:nvPr/>
+        </p:nvPicPr>
+        <p:blipFill>
+          <a:blip r:embed="rId3"/>
+          <a:stretch>
+            <a:fillRect/>
+          </a:stretch>
+        </p:blipFill>
+        <p:spPr>
+          <a:xfrm>
+            <a:off x="5199226" y="1036168"/>
+            <a:ext cx="6892811" cy="3104694"/>
+          </a:xfrm>
+          <a:prstGeom prst="rect">
+            <a:avLst/>
+          </a:prstGeom>
+        </p:spPr>
+      </p:pic>
+      <p:sp>
+        <p:nvSpPr>
+          <p:cNvPr id="5" name="TextBox 4">
+            <a:extLst>
+              <a:ext uri="{FF2B5EF4-FFF2-40B4-BE49-F238E27FC236}">
+                <a16:creationId xmlns:a16="http://schemas.microsoft.com/office/drawing/2014/main" id="{ED0FC6F2-CF16-1445-BD54-22709C75AA51}"/>
+              </a:ext>
+            </a:extLst>
+          </p:cNvPr>
+          <p:cNvSpPr txBox="1"/>
+          <p:nvPr/>
+        </p:nvSpPr>
+        <p:spPr>
+          <a:xfrm>
+            <a:off x="232883" y="345302"/>
+            <a:ext cx="1491499" cy="646331"/>
+          </a:xfrm>
+          <a:prstGeom prst="rect">
+            <a:avLst/>
+          </a:prstGeom>
+          <a:noFill/>
+        </p:spPr>
+        <p:txBody>
+          <a:bodyPr wrap="none" rtlCol="0">
+            <a:spAutoFit/>
+          </a:bodyPr>
+          <a:lstStyle/>
+          <a:p>
+            <a:r>
+              <a:rPr lang="en-GB" b="1" dirty="0"/>
+              <a:t>Inner</a:t>
+            </a:r>
+            <a:r>
+              <a:rPr lang="en-CH" b="1" dirty="0"/>
+              <a:t> product</a:t>
+            </a:r>
+          </a:p>
+          <a:p>
+            <a:r>
+              <a:rPr lang="en-GB" b="1" dirty="0"/>
+              <a:t>D</a:t>
+            </a:r>
+            <a:r>
+              <a:rPr lang="en-CH" b="1" dirty="0"/>
+              <a:t>ot product</a:t>
+            </a:r>
+          </a:p>
+        </p:txBody>
+      </p:sp>
+      <p:pic>
+        <p:nvPicPr>
+          <p:cNvPr id="14" name="Picture 13">
+            <a:extLst>
+              <a:ext uri="{FF2B5EF4-FFF2-40B4-BE49-F238E27FC236}">
+                <a16:creationId xmlns:a16="http://schemas.microsoft.com/office/drawing/2014/main" id="{E92A59D1-A854-034B-BB6B-A0044EB28A17}"/>
+              </a:ext>
+            </a:extLst>
+          </p:cNvPr>
+          <p:cNvPicPr>
+            <a:picLocks noChangeAspect="1"/>
+          </p:cNvPicPr>
+          <p:nvPr/>
+        </p:nvPicPr>
+        <p:blipFill rotWithShape="1">
+          <a:blip r:embed="rId2"/>
+          <a:srcRect t="57540"/>
+          <a:stretch/>
+        </p:blipFill>
+        <p:spPr>
+          <a:xfrm>
+            <a:off x="212778" y="5071844"/>
+            <a:ext cx="5373636" cy="1457364"/>
+          </a:xfrm>
+          <a:prstGeom prst="rect">
+            <a:avLst/>
+          </a:prstGeom>
+        </p:spPr>
+      </p:pic>
+      <p:sp>
+        <p:nvSpPr>
+          <p:cNvPr id="18" name="TextBox 17">
+            <a:extLst>
+              <a:ext uri="{FF2B5EF4-FFF2-40B4-BE49-F238E27FC236}">
+                <a16:creationId xmlns:a16="http://schemas.microsoft.com/office/drawing/2014/main" id="{A22C5232-FA14-014C-B1E5-EBEA15CED910}"/>
+              </a:ext>
+            </a:extLst>
+          </p:cNvPr>
+          <p:cNvSpPr txBox="1"/>
+          <p:nvPr/>
+        </p:nvSpPr>
+        <p:spPr>
+          <a:xfrm>
+            <a:off x="6499978" y="483801"/>
+            <a:ext cx="2885277" cy="369332"/>
+          </a:xfrm>
+          <a:prstGeom prst="rect">
+            <a:avLst/>
+          </a:prstGeom>
+          <a:noFill/>
+        </p:spPr>
+        <p:txBody>
+          <a:bodyPr wrap="none" rtlCol="0">
+            <a:spAutoFit/>
+          </a:bodyPr>
+          <a:lstStyle/>
+          <a:p>
+            <a:r>
+              <a:rPr lang="de-CH" b="1" dirty="0" err="1"/>
+              <a:t>Dot</a:t>
+            </a:r>
+            <a:r>
+              <a:rPr lang="de-CH" b="1" dirty="0"/>
+              <a:t> </a:t>
+            </a:r>
+            <a:r>
+              <a:rPr lang="de-CH" b="1" dirty="0" err="1"/>
+              <a:t>product</a:t>
+            </a:r>
+            <a:r>
+              <a:rPr lang="de-CH" b="1" dirty="0"/>
+              <a:t> </a:t>
+            </a:r>
+            <a:r>
+              <a:rPr lang="de-CH" b="1" dirty="0" err="1"/>
+              <a:t>of</a:t>
+            </a:r>
+            <a:r>
+              <a:rPr lang="de-CH" b="1" dirty="0"/>
+              <a:t> </a:t>
+            </a:r>
+            <a:r>
+              <a:rPr lang="de-CH" b="1" dirty="0" err="1"/>
+              <a:t>two</a:t>
+            </a:r>
+            <a:r>
+              <a:rPr lang="de-CH" b="1" dirty="0"/>
+              <a:t> </a:t>
+            </a:r>
+            <a:r>
+              <a:rPr lang="de-CH" b="1" dirty="0" err="1"/>
+              <a:t>matrices</a:t>
+            </a:r>
+            <a:endParaRPr lang="en-CH" b="1" dirty="0"/>
+          </a:p>
+        </p:txBody>
+      </p:sp>
+    </p:spTree>
+    <p:extLst>
+      <p:ext uri="{BB962C8B-B14F-4D97-AF65-F5344CB8AC3E}">
+        <p14:creationId xmlns:p14="http://schemas.microsoft.com/office/powerpoint/2010/main" val="3999356612"/>
+      </p:ext>
+    </p:extLst>
+  </p:cSld>
+  <p:clrMapOvr>
+    <a:masterClrMapping/>
+  </p:clrMapOvr>
+</p:sld>
+</file>
+
+<file path=ppt/slides/slide4.xml><?xml version="1.0" encoding="utf-8"?>
 <p:sld xmlns:a="http://schemas.openxmlformats.org/drawingml/2006/main" xmlns:r="http://schemas.openxmlformats.org/officeDocument/2006/relationships" xmlns:p="http://schemas.openxmlformats.org/presentationml/2006/main">
   <p:cSld>
     <p:spTree>
@@ -3680,7 +4147,7 @@
 </p:sld>
 </file>
 
-<file path=ppt/slides/slide4.xml><?xml version="1.0" encoding="utf-8"?>
+<file path=ppt/slides/slide5.xml><?xml version="1.0" encoding="utf-8"?>
 <p:sld xmlns:a="http://schemas.openxmlformats.org/drawingml/2006/main" xmlns:r="http://schemas.openxmlformats.org/officeDocument/2006/relationships" xmlns:p="http://schemas.openxmlformats.org/presentationml/2006/main">
   <p:cSld>
     <p:spTree>
@@ -3814,7 +4281,7 @@
 </p:sld>
 </file>
 
-<file path=ppt/slides/slide5.xml><?xml version="1.0" encoding="utf-8"?>
+<file path=ppt/slides/slide6.xml><?xml version="1.0" encoding="utf-8"?>
 <p:sld xmlns:a="http://schemas.openxmlformats.org/drawingml/2006/main" xmlns:r="http://schemas.openxmlformats.org/officeDocument/2006/relationships" xmlns:p="http://schemas.openxmlformats.org/presentationml/2006/main">
   <p:cSld>
     <p:spTree>
@@ -3939,7 +4406,7 @@
 </p:sld>
 </file>
 
-<file path=ppt/slides/slide6.xml><?xml version="1.0" encoding="utf-8"?>
+<file path=ppt/slides/slide7.xml><?xml version="1.0" encoding="utf-8"?>
 <p:sld xmlns:a="http://schemas.openxmlformats.org/drawingml/2006/main" xmlns:r="http://schemas.openxmlformats.org/officeDocument/2006/relationships" xmlns:p="http://schemas.openxmlformats.org/presentationml/2006/main">
   <p:cSld>
     <p:spTree>

--- a/chapter02/Chapter02.pptx
+++ b/chapter02/Chapter02.pptx
@@ -9,9 +9,10 @@
     <p:sldId id="257" r:id="rId3"/>
     <p:sldId id="262" r:id="rId4"/>
     <p:sldId id="261" r:id="rId5"/>
-    <p:sldId id="258" r:id="rId6"/>
-    <p:sldId id="259" r:id="rId7"/>
-    <p:sldId id="260" r:id="rId8"/>
+    <p:sldId id="263" r:id="rId6"/>
+    <p:sldId id="258" r:id="rId7"/>
+    <p:sldId id="259" r:id="rId8"/>
+    <p:sldId id="260" r:id="rId9"/>
   </p:sldIdLst>
   <p:sldSz cx="12192000" cy="6858000"/>
   <p:notesSz cx="6858000" cy="9144000"/>
@@ -3451,7 +3452,7 @@
         </p:nvSpPr>
         <p:spPr>
           <a:xfrm>
-            <a:off x="2435087" y="1172817"/>
+            <a:off x="620574" y="1029942"/>
             <a:ext cx="13595645" cy="4524315"/>
           </a:xfrm>
           <a:prstGeom prst="rect">
@@ -3571,10 +3572,6 @@
             <a:endParaRPr lang="en-CH" dirty="0"/>
           </a:p>
           <a:p>
-            <a:r>
-              <a:rPr lang="en-GB" dirty="0"/>
-              <a:t>P</a:t>
-            </a:r>
             <a:r>
               <a:rPr lang="en-CH" dirty="0"/>
               <a:t>overline</a:t>
@@ -4166,6 +4163,174 @@
       </p:grpSpPr>
       <p:pic>
         <p:nvPicPr>
+          <p:cNvPr id="3" name="Picture 2">
+            <a:extLst>
+              <a:ext uri="{FF2B5EF4-FFF2-40B4-BE49-F238E27FC236}">
+                <a16:creationId xmlns:a16="http://schemas.microsoft.com/office/drawing/2014/main" id="{6DCAB62B-6B99-AB4D-99A7-BC250CBFEB26}"/>
+              </a:ext>
+            </a:extLst>
+          </p:cNvPr>
+          <p:cNvPicPr>
+            <a:picLocks noChangeAspect="1"/>
+          </p:cNvPicPr>
+          <p:nvPr/>
+        </p:nvPicPr>
+        <p:blipFill>
+          <a:blip r:embed="rId2"/>
+          <a:stretch>
+            <a:fillRect/>
+          </a:stretch>
+        </p:blipFill>
+        <p:spPr>
+          <a:xfrm>
+            <a:off x="142874" y="1084262"/>
+            <a:ext cx="4171951" cy="5736432"/>
+          </a:xfrm>
+          <a:prstGeom prst="rect">
+            <a:avLst/>
+          </a:prstGeom>
+        </p:spPr>
+      </p:pic>
+      <p:pic>
+        <p:nvPicPr>
+          <p:cNvPr id="4" name="Picture 3">
+            <a:extLst>
+              <a:ext uri="{FF2B5EF4-FFF2-40B4-BE49-F238E27FC236}">
+                <a16:creationId xmlns:a16="http://schemas.microsoft.com/office/drawing/2014/main" id="{903A4EFF-7861-1046-B4A4-B529A141E5D9}"/>
+              </a:ext>
+            </a:extLst>
+          </p:cNvPr>
+          <p:cNvPicPr>
+            <a:picLocks noChangeAspect="1"/>
+          </p:cNvPicPr>
+          <p:nvPr/>
+        </p:nvPicPr>
+        <p:blipFill>
+          <a:blip r:embed="rId3"/>
+          <a:stretch>
+            <a:fillRect/>
+          </a:stretch>
+        </p:blipFill>
+        <p:spPr>
+          <a:xfrm>
+            <a:off x="4314825" y="1243012"/>
+            <a:ext cx="2365645" cy="1064540"/>
+          </a:xfrm>
+          <a:prstGeom prst="rect">
+            <a:avLst/>
+          </a:prstGeom>
+        </p:spPr>
+      </p:pic>
+      <p:pic>
+        <p:nvPicPr>
+          <p:cNvPr id="5" name="Picture 4">
+            <a:extLst>
+              <a:ext uri="{FF2B5EF4-FFF2-40B4-BE49-F238E27FC236}">
+                <a16:creationId xmlns:a16="http://schemas.microsoft.com/office/drawing/2014/main" id="{9B8B13D4-887C-FB40-9A6B-339E8B6A5789}"/>
+              </a:ext>
+            </a:extLst>
+          </p:cNvPr>
+          <p:cNvPicPr>
+            <a:picLocks noChangeAspect="1"/>
+          </p:cNvPicPr>
+          <p:nvPr/>
+        </p:nvPicPr>
+        <p:blipFill>
+          <a:blip r:embed="rId4"/>
+          <a:stretch>
+            <a:fillRect/>
+          </a:stretch>
+        </p:blipFill>
+        <p:spPr>
+          <a:xfrm>
+            <a:off x="4419736" y="2767657"/>
+            <a:ext cx="1993901" cy="608309"/>
+          </a:xfrm>
+          <a:prstGeom prst="rect">
+            <a:avLst/>
+          </a:prstGeom>
+        </p:spPr>
+      </p:pic>
+      <p:sp>
+        <p:nvSpPr>
+          <p:cNvPr id="6" name="TextBox 5">
+            <a:extLst>
+              <a:ext uri="{FF2B5EF4-FFF2-40B4-BE49-F238E27FC236}">
+                <a16:creationId xmlns:a16="http://schemas.microsoft.com/office/drawing/2014/main" id="{6449DC27-BB1C-FC4B-A254-60D486D9134B}"/>
+              </a:ext>
+            </a:extLst>
+          </p:cNvPr>
+          <p:cNvSpPr txBox="1"/>
+          <p:nvPr/>
+        </p:nvSpPr>
+        <p:spPr>
+          <a:xfrm>
+            <a:off x="8280224" y="6543695"/>
+            <a:ext cx="3911776" cy="276999"/>
+          </a:xfrm>
+          <a:prstGeom prst="rect">
+            <a:avLst/>
+          </a:prstGeom>
+          <a:noFill/>
+        </p:spPr>
+        <p:txBody>
+          <a:bodyPr wrap="none" rtlCol="0">
+            <a:spAutoFit/>
+          </a:bodyPr>
+          <a:lstStyle/>
+          <a:p>
+            <a:r>
+              <a:rPr lang="en-GB" sz="1200" dirty="0"/>
+              <a:t>https://</a:t>
+            </a:r>
+            <a:r>
+              <a:rPr lang="en-GB" sz="1200" dirty="0" err="1"/>
+              <a:t>www.onlinemathlearning.com</a:t>
+            </a:r>
+            <a:r>
+              <a:rPr lang="en-GB" sz="1200" dirty="0"/>
+              <a:t>/derivative-</a:t>
+            </a:r>
+            <a:r>
+              <a:rPr lang="en-GB" sz="1200" dirty="0" err="1"/>
+              <a:t>rules.html</a:t>
+            </a:r>
+            <a:endParaRPr lang="en-CH" sz="1200" dirty="0"/>
+          </a:p>
+        </p:txBody>
+      </p:sp>
+    </p:spTree>
+    <p:extLst>
+      <p:ext uri="{BB962C8B-B14F-4D97-AF65-F5344CB8AC3E}">
+        <p14:creationId xmlns:p14="http://schemas.microsoft.com/office/powerpoint/2010/main" val="153573501"/>
+      </p:ext>
+    </p:extLst>
+  </p:cSld>
+  <p:clrMapOvr>
+    <a:masterClrMapping/>
+  </p:clrMapOvr>
+</p:sld>
+</file>
+
+<file path=ppt/slides/slide6.xml><?xml version="1.0" encoding="utf-8"?>
+<p:sld xmlns:a="http://schemas.openxmlformats.org/drawingml/2006/main" xmlns:r="http://schemas.openxmlformats.org/officeDocument/2006/relationships" xmlns:p="http://schemas.openxmlformats.org/presentationml/2006/main">
+  <p:cSld>
+    <p:spTree>
+      <p:nvGrpSpPr>
+        <p:cNvPr id="1" name=""/>
+        <p:cNvGrpSpPr/>
+        <p:nvPr/>
+      </p:nvGrpSpPr>
+      <p:grpSpPr>
+        <a:xfrm>
+          <a:off x="0" y="0"/>
+          <a:ext cx="0" cy="0"/>
+          <a:chOff x="0" y="0"/>
+          <a:chExt cx="0" cy="0"/>
+        </a:xfrm>
+      </p:grpSpPr>
+      <p:pic>
+        <p:nvPicPr>
           <p:cNvPr id="4" name="Picture 3">
             <a:extLst>
               <a:ext uri="{FF2B5EF4-FFF2-40B4-BE49-F238E27FC236}">
@@ -4281,7 +4446,7 @@
 </p:sld>
 </file>
 
-<file path=ppt/slides/slide6.xml><?xml version="1.0" encoding="utf-8"?>
+<file path=ppt/slides/slide7.xml><?xml version="1.0" encoding="utf-8"?>
 <p:sld xmlns:a="http://schemas.openxmlformats.org/drawingml/2006/main" xmlns:r="http://schemas.openxmlformats.org/officeDocument/2006/relationships" xmlns:p="http://schemas.openxmlformats.org/presentationml/2006/main">
   <p:cSld>
     <p:spTree>
@@ -4406,7 +4571,7 @@
 </p:sld>
 </file>
 
-<file path=ppt/slides/slide7.xml><?xml version="1.0" encoding="utf-8"?>
+<file path=ppt/slides/slide8.xml><?xml version="1.0" encoding="utf-8"?>
 <p:sld xmlns:a="http://schemas.openxmlformats.org/drawingml/2006/main" xmlns:r="http://schemas.openxmlformats.org/officeDocument/2006/relationships" xmlns:p="http://schemas.openxmlformats.org/presentationml/2006/main">
   <p:cSld>
     <p:spTree>

--- a/chapter02/Chapter02.pptx
+++ b/chapter02/Chapter02.pptx
@@ -13,6 +13,7 @@
     <p:sldId id="258" r:id="rId7"/>
     <p:sldId id="259" r:id="rId8"/>
     <p:sldId id="260" r:id="rId9"/>
+    <p:sldId id="264" r:id="rId10"/>
   </p:sldIdLst>
   <p:sldSz cx="12192000" cy="6858000"/>
   <p:notesSz cx="6858000" cy="9144000"/>
@@ -4695,6 +4696,96 @@
 </p:sld>
 </file>
 
+<file path=ppt/slides/slide9.xml><?xml version="1.0" encoding="utf-8"?>
+<p:sld xmlns:a="http://schemas.openxmlformats.org/drawingml/2006/main" xmlns:r="http://schemas.openxmlformats.org/officeDocument/2006/relationships" xmlns:p="http://schemas.openxmlformats.org/presentationml/2006/main">
+  <p:cSld>
+    <p:spTree>
+      <p:nvGrpSpPr>
+        <p:cNvPr id="1" name=""/>
+        <p:cNvGrpSpPr/>
+        <p:nvPr/>
+      </p:nvGrpSpPr>
+      <p:grpSpPr>
+        <a:xfrm>
+          <a:off x="0" y="0"/>
+          <a:ext cx="0" cy="0"/>
+          <a:chOff x="0" y="0"/>
+          <a:chExt cx="0" cy="0"/>
+        </a:xfrm>
+      </p:grpSpPr>
+      <p:pic>
+        <p:nvPicPr>
+          <p:cNvPr id="2" name="Picture 1">
+            <a:extLst>
+              <a:ext uri="{FF2B5EF4-FFF2-40B4-BE49-F238E27FC236}">
+                <a16:creationId xmlns:a16="http://schemas.microsoft.com/office/drawing/2014/main" id="{55C319F2-034C-7547-BFCA-01E1E053B63B}"/>
+              </a:ext>
+            </a:extLst>
+          </p:cNvPr>
+          <p:cNvPicPr>
+            <a:picLocks noChangeAspect="1"/>
+          </p:cNvPicPr>
+          <p:nvPr/>
+        </p:nvPicPr>
+        <p:blipFill>
+          <a:blip r:embed="rId2"/>
+          <a:stretch>
+            <a:fillRect/>
+          </a:stretch>
+        </p:blipFill>
+        <p:spPr>
+          <a:xfrm>
+            <a:off x="548296" y="0"/>
+            <a:ext cx="4951783" cy="6858000"/>
+          </a:xfrm>
+          <a:prstGeom prst="rect">
+            <a:avLst/>
+          </a:prstGeom>
+        </p:spPr>
+      </p:pic>
+      <p:pic>
+        <p:nvPicPr>
+          <p:cNvPr id="3" name="Picture 2">
+            <a:extLst>
+              <a:ext uri="{FF2B5EF4-FFF2-40B4-BE49-F238E27FC236}">
+                <a16:creationId xmlns:a16="http://schemas.microsoft.com/office/drawing/2014/main" id="{FF8B0A11-690A-8A4A-BA11-C35C18C1B2BC}"/>
+              </a:ext>
+            </a:extLst>
+          </p:cNvPr>
+          <p:cNvPicPr>
+            <a:picLocks noChangeAspect="1"/>
+          </p:cNvPicPr>
+          <p:nvPr/>
+        </p:nvPicPr>
+        <p:blipFill>
+          <a:blip r:embed="rId3"/>
+          <a:stretch>
+            <a:fillRect/>
+          </a:stretch>
+        </p:blipFill>
+        <p:spPr>
+          <a:xfrm>
+            <a:off x="6972300" y="122608"/>
+            <a:ext cx="4576764" cy="6735392"/>
+          </a:xfrm>
+          <a:prstGeom prst="rect">
+            <a:avLst/>
+          </a:prstGeom>
+        </p:spPr>
+      </p:pic>
+    </p:spTree>
+    <p:extLst>
+      <p:ext uri="{BB962C8B-B14F-4D97-AF65-F5344CB8AC3E}">
+        <p14:creationId xmlns:p14="http://schemas.microsoft.com/office/powerpoint/2010/main" val="3586656119"/>
+      </p:ext>
+    </p:extLst>
+  </p:cSld>
+  <p:clrMapOvr>
+    <a:masterClrMapping/>
+  </p:clrMapOvr>
+</p:sld>
+</file>
+
 <file path=ppt/theme/theme1.xml><?xml version="1.0" encoding="utf-8"?>
 <a:theme xmlns:a="http://schemas.openxmlformats.org/drawingml/2006/main" name="Office Theme">
   <a:themeElements>

--- a/chapter02/Chapter02.pptx
+++ b/chapter02/Chapter02.pptx
@@ -14,6 +14,8 @@
     <p:sldId id="259" r:id="rId8"/>
     <p:sldId id="260" r:id="rId9"/>
     <p:sldId id="264" r:id="rId10"/>
+    <p:sldId id="265" r:id="rId11"/>
+    <p:sldId id="266" r:id="rId12"/>
   </p:sldIdLst>
   <p:sldSz cx="12192000" cy="6858000"/>
   <p:notesSz cx="6858000" cy="9144000"/>
@@ -3413,6 +3415,634 @@
     <p:extLst>
       <p:ext uri="{BB962C8B-B14F-4D97-AF65-F5344CB8AC3E}">
         <p14:creationId xmlns:p14="http://schemas.microsoft.com/office/powerpoint/2010/main" val="937828705"/>
+      </p:ext>
+    </p:extLst>
+  </p:cSld>
+  <p:clrMapOvr>
+    <a:masterClrMapping/>
+  </p:clrMapOvr>
+</p:sld>
+</file>
+
+<file path=ppt/slides/slide10.xml><?xml version="1.0" encoding="utf-8"?>
+<p:sld xmlns:a="http://schemas.openxmlformats.org/drawingml/2006/main" xmlns:r="http://schemas.openxmlformats.org/officeDocument/2006/relationships" xmlns:p="http://schemas.openxmlformats.org/presentationml/2006/main">
+  <p:cSld>
+    <p:spTree>
+      <p:nvGrpSpPr>
+        <p:cNvPr id="1" name=""/>
+        <p:cNvGrpSpPr/>
+        <p:nvPr/>
+      </p:nvGrpSpPr>
+      <p:grpSpPr>
+        <a:xfrm>
+          <a:off x="0" y="0"/>
+          <a:ext cx="0" cy="0"/>
+          <a:chOff x="0" y="0"/>
+          <a:chExt cx="0" cy="0"/>
+        </a:xfrm>
+      </p:grpSpPr>
+      <p:pic>
+        <p:nvPicPr>
+          <p:cNvPr id="2" name="Picture 1">
+            <a:extLst>
+              <a:ext uri="{FF2B5EF4-FFF2-40B4-BE49-F238E27FC236}">
+                <a16:creationId xmlns:a16="http://schemas.microsoft.com/office/drawing/2014/main" id="{A0B036E0-6593-2F4A-AED4-E8C2E3683EBB}"/>
+              </a:ext>
+            </a:extLst>
+          </p:cNvPr>
+          <p:cNvPicPr>
+            <a:picLocks noChangeAspect="1"/>
+          </p:cNvPicPr>
+          <p:nvPr/>
+        </p:nvPicPr>
+        <p:blipFill>
+          <a:blip r:embed="rId2"/>
+          <a:stretch>
+            <a:fillRect/>
+          </a:stretch>
+        </p:blipFill>
+        <p:spPr>
+          <a:xfrm>
+            <a:off x="779249" y="1414462"/>
+            <a:ext cx="6185113" cy="2127250"/>
+          </a:xfrm>
+          <a:prstGeom prst="rect">
+            <a:avLst/>
+          </a:prstGeom>
+        </p:spPr>
+      </p:pic>
+      <p:sp>
+        <p:nvSpPr>
+          <p:cNvPr id="3" name="TextBox 2">
+            <a:extLst>
+              <a:ext uri="{FF2B5EF4-FFF2-40B4-BE49-F238E27FC236}">
+                <a16:creationId xmlns:a16="http://schemas.microsoft.com/office/drawing/2014/main" id="{F54B8AB0-34E8-5B43-97ED-B5DC875D5E67}"/>
+              </a:ext>
+            </a:extLst>
+          </p:cNvPr>
+          <p:cNvSpPr txBox="1"/>
+          <p:nvPr/>
+        </p:nvSpPr>
+        <p:spPr>
+          <a:xfrm>
+            <a:off x="1014413" y="671513"/>
+            <a:ext cx="2149756" cy="369332"/>
+          </a:xfrm>
+          <a:prstGeom prst="rect">
+            <a:avLst/>
+          </a:prstGeom>
+          <a:noFill/>
+        </p:spPr>
+        <p:txBody>
+          <a:bodyPr wrap="none" rtlCol="0">
+            <a:spAutoFit/>
+          </a:bodyPr>
+          <a:lstStyle/>
+          <a:p>
+            <a:r>
+              <a:rPr lang="en-CH" dirty="0"/>
+              <a:t>The beta distribution</a:t>
+            </a:r>
+          </a:p>
+        </p:txBody>
+      </p:sp>
+    </p:spTree>
+    <p:extLst>
+      <p:ext uri="{BB962C8B-B14F-4D97-AF65-F5344CB8AC3E}">
+        <p14:creationId xmlns:p14="http://schemas.microsoft.com/office/powerpoint/2010/main" val="3761949348"/>
+      </p:ext>
+    </p:extLst>
+  </p:cSld>
+  <p:clrMapOvr>
+    <a:masterClrMapping/>
+  </p:clrMapOvr>
+</p:sld>
+</file>
+
+<file path=ppt/slides/slide11.xml><?xml version="1.0" encoding="utf-8"?>
+<p:sld xmlns:a="http://schemas.openxmlformats.org/drawingml/2006/main" xmlns:r="http://schemas.openxmlformats.org/officeDocument/2006/relationships" xmlns:p="http://schemas.openxmlformats.org/presentationml/2006/main">
+  <p:cSld>
+    <p:spTree>
+      <p:nvGrpSpPr>
+        <p:cNvPr id="1" name=""/>
+        <p:cNvGrpSpPr/>
+        <p:nvPr/>
+      </p:nvGrpSpPr>
+      <p:grpSpPr>
+        <a:xfrm>
+          <a:off x="0" y="0"/>
+          <a:ext cx="0" cy="0"/>
+          <a:chOff x="0" y="0"/>
+          <a:chExt cx="0" cy="0"/>
+        </a:xfrm>
+      </p:grpSpPr>
+      <p:sp>
+        <p:nvSpPr>
+          <p:cNvPr id="2" name="Rectangle 1">
+            <a:extLst>
+              <a:ext uri="{FF2B5EF4-FFF2-40B4-BE49-F238E27FC236}">
+                <a16:creationId xmlns:a16="http://schemas.microsoft.com/office/drawing/2014/main" id="{1F1DC0C1-E8D0-D54B-8B0A-B197C2871390}"/>
+              </a:ext>
+            </a:extLst>
+          </p:cNvPr>
+          <p:cNvSpPr/>
+          <p:nvPr/>
+        </p:nvSpPr>
+        <p:spPr>
+          <a:xfrm>
+            <a:off x="919161" y="1049327"/>
+            <a:ext cx="10768013" cy="2031325"/>
+          </a:xfrm>
+          <a:prstGeom prst="rect">
+            <a:avLst/>
+          </a:prstGeom>
+        </p:spPr>
+        <p:txBody>
+          <a:bodyPr wrap="square">
+            <a:spAutoFit/>
+          </a:bodyPr>
+          <a:lstStyle/>
+          <a:p>
+            <a:r>
+              <a:rPr lang="en-GB" dirty="0">
+                <a:solidFill>
+                  <a:srgbClr val="222222"/>
+                </a:solidFill>
+                <a:latin typeface="Arial" panose="020B0604020202020204" pitchFamily="34" charset="0"/>
+              </a:rPr>
+              <a:t>In </a:t>
+            </a:r>
+            <a:r>
+              <a:rPr lang="en-GB" dirty="0">
+                <a:solidFill>
+                  <a:srgbClr val="0B0080"/>
+                </a:solidFill>
+                <a:latin typeface="Arial" panose="020B0604020202020204" pitchFamily="34" charset="0"/>
+                <a:hlinkClick r:id="rId2" tooltip="Bayesian statistics"/>
+              </a:rPr>
+              <a:t>Bayesian statistics</a:t>
+            </a:r>
+            <a:r>
+              <a:rPr lang="en-GB" dirty="0">
+                <a:solidFill>
+                  <a:srgbClr val="222222"/>
+                </a:solidFill>
+                <a:latin typeface="Arial" panose="020B0604020202020204" pitchFamily="34" charset="0"/>
+              </a:rPr>
+              <a:t>, a </a:t>
+            </a:r>
+            <a:r>
+              <a:rPr lang="en-GB" b="1" dirty="0">
+                <a:solidFill>
+                  <a:srgbClr val="222222"/>
+                </a:solidFill>
+                <a:latin typeface="Arial" panose="020B0604020202020204" pitchFamily="34" charset="0"/>
+              </a:rPr>
+              <a:t>maximum a posterior probability</a:t>
+            </a:r>
+            <a:r>
+              <a:rPr lang="en-GB" dirty="0">
+                <a:solidFill>
+                  <a:srgbClr val="222222"/>
+                </a:solidFill>
+                <a:latin typeface="Arial" panose="020B0604020202020204" pitchFamily="34" charset="0"/>
+              </a:rPr>
+              <a:t> (</a:t>
+            </a:r>
+            <a:r>
+              <a:rPr lang="en-GB" b="1" dirty="0">
+                <a:solidFill>
+                  <a:srgbClr val="222222"/>
+                </a:solidFill>
+                <a:latin typeface="Arial" panose="020B0604020202020204" pitchFamily="34" charset="0"/>
+              </a:rPr>
+              <a:t>MAP</a:t>
+            </a:r>
+            <a:r>
+              <a:rPr lang="en-GB" dirty="0">
+                <a:solidFill>
+                  <a:srgbClr val="222222"/>
+                </a:solidFill>
+                <a:latin typeface="Arial" panose="020B0604020202020204" pitchFamily="34" charset="0"/>
+              </a:rPr>
+              <a:t>) </a:t>
+            </a:r>
+            <a:r>
+              <a:rPr lang="en-GB" b="1" dirty="0">
+                <a:solidFill>
+                  <a:srgbClr val="222222"/>
+                </a:solidFill>
+                <a:latin typeface="Arial" panose="020B0604020202020204" pitchFamily="34" charset="0"/>
+              </a:rPr>
+              <a:t>estimate</a:t>
+            </a:r>
+            <a:r>
+              <a:rPr lang="en-GB" dirty="0">
+                <a:solidFill>
+                  <a:srgbClr val="222222"/>
+                </a:solidFill>
+                <a:latin typeface="Arial" panose="020B0604020202020204" pitchFamily="34" charset="0"/>
+              </a:rPr>
+              <a:t> is an estimate of an unknown quantity, that equals the </a:t>
+            </a:r>
+            <a:r>
+              <a:rPr lang="en-GB" dirty="0">
+                <a:solidFill>
+                  <a:srgbClr val="0B0080"/>
+                </a:solidFill>
+                <a:latin typeface="Arial" panose="020B0604020202020204" pitchFamily="34" charset="0"/>
+                <a:hlinkClick r:id="rId3" tooltip="Mode (statistics)"/>
+              </a:rPr>
+              <a:t>mode</a:t>
+            </a:r>
+            <a:r>
+              <a:rPr lang="en-GB" dirty="0">
+                <a:solidFill>
+                  <a:srgbClr val="222222"/>
+                </a:solidFill>
+                <a:latin typeface="Arial" panose="020B0604020202020204" pitchFamily="34" charset="0"/>
+              </a:rPr>
+              <a:t> of the </a:t>
+            </a:r>
+            <a:r>
+              <a:rPr lang="en-GB" dirty="0">
+                <a:solidFill>
+                  <a:srgbClr val="0B0080"/>
+                </a:solidFill>
+                <a:latin typeface="Arial" panose="020B0604020202020204" pitchFamily="34" charset="0"/>
+                <a:hlinkClick r:id="rId4" tooltip="Posterior distribution"/>
+              </a:rPr>
+              <a:t>posterior distribution</a:t>
+            </a:r>
+            <a:r>
+              <a:rPr lang="en-GB" dirty="0">
+                <a:solidFill>
+                  <a:srgbClr val="222222"/>
+                </a:solidFill>
+                <a:latin typeface="Arial" panose="020B0604020202020204" pitchFamily="34" charset="0"/>
+              </a:rPr>
+              <a:t>. The MAP can be used to obtain a </a:t>
+            </a:r>
+            <a:r>
+              <a:rPr lang="en-GB" dirty="0">
+                <a:solidFill>
+                  <a:srgbClr val="0B0080"/>
+                </a:solidFill>
+                <a:latin typeface="Arial" panose="020B0604020202020204" pitchFamily="34" charset="0"/>
+                <a:hlinkClick r:id="rId5" tooltip="Point estimation"/>
+              </a:rPr>
+              <a:t>point estimate</a:t>
+            </a:r>
+            <a:r>
+              <a:rPr lang="en-GB" dirty="0">
+                <a:solidFill>
+                  <a:srgbClr val="222222"/>
+                </a:solidFill>
+                <a:latin typeface="Arial" panose="020B0604020202020204" pitchFamily="34" charset="0"/>
+              </a:rPr>
+              <a:t> of an unobserved quantity on the basis of empirical data. It is closely related to the method of </a:t>
+            </a:r>
+            <a:r>
+              <a:rPr lang="en-GB" dirty="0">
+                <a:solidFill>
+                  <a:srgbClr val="0B0080"/>
+                </a:solidFill>
+                <a:latin typeface="Arial" panose="020B0604020202020204" pitchFamily="34" charset="0"/>
+                <a:hlinkClick r:id="rId6" tooltip="Maximum likelihood"/>
+              </a:rPr>
+              <a:t>maximum likelihood</a:t>
+            </a:r>
+            <a:r>
+              <a:rPr lang="en-GB" dirty="0">
+                <a:solidFill>
+                  <a:srgbClr val="222222"/>
+                </a:solidFill>
+                <a:latin typeface="Arial" panose="020B0604020202020204" pitchFamily="34" charset="0"/>
+              </a:rPr>
+              <a:t> (ML) estimation, but employs an augmented </a:t>
+            </a:r>
+            <a:r>
+              <a:rPr lang="en-GB" dirty="0">
+                <a:solidFill>
+                  <a:srgbClr val="0B0080"/>
+                </a:solidFill>
+                <a:latin typeface="Arial" panose="020B0604020202020204" pitchFamily="34" charset="0"/>
+                <a:hlinkClick r:id="rId7" tooltip="Optimization (mathematics)"/>
+              </a:rPr>
+              <a:t>optimization objective</a:t>
+            </a:r>
+            <a:r>
+              <a:rPr lang="en-GB" dirty="0">
+                <a:solidFill>
+                  <a:srgbClr val="222222"/>
+                </a:solidFill>
+                <a:latin typeface="Arial" panose="020B0604020202020204" pitchFamily="34" charset="0"/>
+              </a:rPr>
+              <a:t> which incorporates a </a:t>
+            </a:r>
+            <a:r>
+              <a:rPr lang="en-GB" dirty="0">
+                <a:solidFill>
+                  <a:srgbClr val="0B0080"/>
+                </a:solidFill>
+                <a:latin typeface="Arial" panose="020B0604020202020204" pitchFamily="34" charset="0"/>
+                <a:hlinkClick r:id="rId8" tooltip="Prior distribution"/>
+              </a:rPr>
+              <a:t>prior distribution</a:t>
+            </a:r>
+            <a:r>
+              <a:rPr lang="en-GB" dirty="0">
+                <a:solidFill>
+                  <a:srgbClr val="222222"/>
+                </a:solidFill>
+                <a:latin typeface="Arial" panose="020B0604020202020204" pitchFamily="34" charset="0"/>
+              </a:rPr>
+              <a:t> (that quantifies the additional information available through prior knowledge of a related event) over the quantity one wants to estimate. MAP estimation can therefore be seen as a </a:t>
+            </a:r>
+            <a:r>
+              <a:rPr lang="en-GB" dirty="0">
+                <a:solidFill>
+                  <a:srgbClr val="0B0080"/>
+                </a:solidFill>
+                <a:latin typeface="Arial" panose="020B0604020202020204" pitchFamily="34" charset="0"/>
+                <a:hlinkClick r:id="rId9" tooltip="Regularization (mathematics)"/>
+              </a:rPr>
+              <a:t>regularization</a:t>
+            </a:r>
+            <a:r>
+              <a:rPr lang="en-GB" dirty="0">
+                <a:solidFill>
+                  <a:srgbClr val="222222"/>
+                </a:solidFill>
+                <a:latin typeface="Arial" panose="020B0604020202020204" pitchFamily="34" charset="0"/>
+              </a:rPr>
+              <a:t> of ML estimation. (Wikipedia)</a:t>
+            </a:r>
+            <a:endParaRPr lang="en-CH" dirty="0"/>
+          </a:p>
+        </p:txBody>
+      </p:sp>
+      <p:sp>
+        <p:nvSpPr>
+          <p:cNvPr id="3" name="Rectangle 2">
+            <a:extLst>
+              <a:ext uri="{FF2B5EF4-FFF2-40B4-BE49-F238E27FC236}">
+                <a16:creationId xmlns:a16="http://schemas.microsoft.com/office/drawing/2014/main" id="{69FAC462-794B-DD44-987D-12C5080448DA}"/>
+              </a:ext>
+            </a:extLst>
+          </p:cNvPr>
+          <p:cNvSpPr/>
+          <p:nvPr/>
+        </p:nvSpPr>
+        <p:spPr>
+          <a:xfrm>
+            <a:off x="919160" y="3777349"/>
+            <a:ext cx="10768013" cy="1200329"/>
+          </a:xfrm>
+          <a:prstGeom prst="rect">
+            <a:avLst/>
+          </a:prstGeom>
+        </p:spPr>
+        <p:txBody>
+          <a:bodyPr wrap="square">
+            <a:spAutoFit/>
+          </a:bodyPr>
+          <a:lstStyle/>
+          <a:p>
+            <a:r>
+              <a:rPr lang="en-GB" dirty="0">
+                <a:solidFill>
+                  <a:srgbClr val="222222"/>
+                </a:solidFill>
+                <a:latin typeface="Arial" panose="020B0604020202020204" pitchFamily="34" charset="0"/>
+              </a:rPr>
+              <a:t>In </a:t>
+            </a:r>
+            <a:r>
+              <a:rPr lang="en-GB" dirty="0">
+                <a:solidFill>
+                  <a:srgbClr val="0B0080"/>
+                </a:solidFill>
+                <a:latin typeface="Arial" panose="020B0604020202020204" pitchFamily="34" charset="0"/>
+                <a:hlinkClick r:id="rId2" tooltip="Bayesian statistics"/>
+              </a:rPr>
+              <a:t>Bayesian statistics</a:t>
+            </a:r>
+            <a:r>
+              <a:rPr lang="en-GB" dirty="0">
+                <a:solidFill>
+                  <a:srgbClr val="222222"/>
+                </a:solidFill>
+                <a:latin typeface="Arial" panose="020B0604020202020204" pitchFamily="34" charset="0"/>
+              </a:rPr>
+              <a:t>, a </a:t>
+            </a:r>
+            <a:r>
+              <a:rPr lang="en-GB" b="1" dirty="0">
+                <a:solidFill>
+                  <a:srgbClr val="222222"/>
+                </a:solidFill>
+                <a:latin typeface="Arial" panose="020B0604020202020204" pitchFamily="34" charset="0"/>
+              </a:rPr>
+              <a:t>credible interval</a:t>
+            </a:r>
+            <a:r>
+              <a:rPr lang="en-GB" dirty="0">
+                <a:solidFill>
+                  <a:srgbClr val="222222"/>
+                </a:solidFill>
+                <a:latin typeface="Arial" panose="020B0604020202020204" pitchFamily="34" charset="0"/>
+              </a:rPr>
+              <a:t> is an </a:t>
+            </a:r>
+            <a:r>
+              <a:rPr lang="en-GB" dirty="0">
+                <a:solidFill>
+                  <a:srgbClr val="0B0080"/>
+                </a:solidFill>
+                <a:latin typeface="Arial" panose="020B0604020202020204" pitchFamily="34" charset="0"/>
+                <a:hlinkClick r:id="rId10" tooltip="Interval (statistics)"/>
+              </a:rPr>
+              <a:t>interval</a:t>
+            </a:r>
+            <a:r>
+              <a:rPr lang="en-GB" dirty="0">
+                <a:solidFill>
+                  <a:srgbClr val="222222"/>
+                </a:solidFill>
+                <a:latin typeface="Arial" panose="020B0604020202020204" pitchFamily="34" charset="0"/>
+              </a:rPr>
+              <a:t> within which an unobserved </a:t>
+            </a:r>
+            <a:r>
+              <a:rPr lang="en-GB" dirty="0">
+                <a:solidFill>
+                  <a:srgbClr val="0B0080"/>
+                </a:solidFill>
+                <a:latin typeface="Arial" panose="020B0604020202020204" pitchFamily="34" charset="0"/>
+                <a:hlinkClick r:id="rId11" tooltip="Parameter"/>
+              </a:rPr>
+              <a:t>parameter</a:t>
+            </a:r>
+            <a:r>
+              <a:rPr lang="en-GB" dirty="0">
+                <a:solidFill>
+                  <a:srgbClr val="222222"/>
+                </a:solidFill>
+                <a:latin typeface="Arial" panose="020B0604020202020204" pitchFamily="34" charset="0"/>
+              </a:rPr>
+              <a:t> value falls with a particular </a:t>
+            </a:r>
+            <a:r>
+              <a:rPr lang="en-GB" dirty="0">
+                <a:solidFill>
+                  <a:srgbClr val="0B0080"/>
+                </a:solidFill>
+                <a:latin typeface="Arial" panose="020B0604020202020204" pitchFamily="34" charset="0"/>
+                <a:hlinkClick r:id="rId12" tooltip="Probability"/>
+              </a:rPr>
+              <a:t>probability</a:t>
+            </a:r>
+            <a:r>
+              <a:rPr lang="en-GB" dirty="0">
+                <a:solidFill>
+                  <a:srgbClr val="222222"/>
+                </a:solidFill>
+                <a:latin typeface="Arial" panose="020B0604020202020204" pitchFamily="34" charset="0"/>
+              </a:rPr>
+              <a:t>. It is an interval in the domain of a </a:t>
+            </a:r>
+            <a:r>
+              <a:rPr lang="en-GB" dirty="0">
+                <a:solidFill>
+                  <a:srgbClr val="0B0080"/>
+                </a:solidFill>
+                <a:latin typeface="Arial" panose="020B0604020202020204" pitchFamily="34" charset="0"/>
+                <a:hlinkClick r:id="rId4" tooltip="Posterior distribution"/>
+              </a:rPr>
+              <a:t>posterior probability distribution</a:t>
+            </a:r>
+            <a:r>
+              <a:rPr lang="en-GB" dirty="0">
+                <a:solidFill>
+                  <a:srgbClr val="222222"/>
+                </a:solidFill>
+                <a:latin typeface="Arial" panose="020B0604020202020204" pitchFamily="34" charset="0"/>
+              </a:rPr>
+              <a:t> or a </a:t>
+            </a:r>
+            <a:r>
+              <a:rPr lang="en-GB" dirty="0">
+                <a:solidFill>
+                  <a:srgbClr val="0B0080"/>
+                </a:solidFill>
+                <a:latin typeface="Arial" panose="020B0604020202020204" pitchFamily="34" charset="0"/>
+                <a:hlinkClick r:id="rId13" tooltip="Predictive probability of success"/>
+              </a:rPr>
+              <a:t>predictive distribution</a:t>
+            </a:r>
+            <a:r>
+              <a:rPr lang="en-GB" dirty="0">
+                <a:solidFill>
+                  <a:srgbClr val="222222"/>
+                </a:solidFill>
+                <a:latin typeface="Arial" panose="020B0604020202020204" pitchFamily="34" charset="0"/>
+              </a:rPr>
+              <a:t>.</a:t>
+            </a:r>
+            <a:r>
+              <a:rPr lang="en-GB" baseline="30000" dirty="0">
+                <a:solidFill>
+                  <a:srgbClr val="0B0080"/>
+                </a:solidFill>
+                <a:latin typeface="Arial" panose="020B0604020202020204" pitchFamily="34" charset="0"/>
+                <a:hlinkClick r:id="rId14"/>
+              </a:rPr>
+              <a:t>[1]</a:t>
+            </a:r>
+            <a:r>
+              <a:rPr lang="en-GB" dirty="0">
+                <a:solidFill>
+                  <a:srgbClr val="222222"/>
+                </a:solidFill>
+                <a:latin typeface="Arial" panose="020B0604020202020204" pitchFamily="34" charset="0"/>
+              </a:rPr>
+              <a:t> The generalisation to multivariate problems is the </a:t>
+            </a:r>
+            <a:r>
+              <a:rPr lang="en-GB" b="1" dirty="0">
+                <a:solidFill>
+                  <a:srgbClr val="222222"/>
+                </a:solidFill>
+                <a:latin typeface="Arial" panose="020B0604020202020204" pitchFamily="34" charset="0"/>
+              </a:rPr>
+              <a:t>credible region</a:t>
+            </a:r>
+            <a:r>
+              <a:rPr lang="en-GB" dirty="0">
+                <a:solidFill>
+                  <a:srgbClr val="222222"/>
+                </a:solidFill>
+                <a:latin typeface="Arial" panose="020B0604020202020204" pitchFamily="34" charset="0"/>
+              </a:rPr>
+              <a:t>. Credible intervals are analogous to </a:t>
+            </a:r>
+            <a:r>
+              <a:rPr lang="en-GB" dirty="0">
+                <a:solidFill>
+                  <a:srgbClr val="0B0080"/>
+                </a:solidFill>
+                <a:latin typeface="Arial" panose="020B0604020202020204" pitchFamily="34" charset="0"/>
+                <a:hlinkClick r:id="rId15" tooltip="Confidence interval"/>
+              </a:rPr>
+              <a:t>confidence intervals</a:t>
+            </a:r>
+            <a:r>
+              <a:rPr lang="en-GB" dirty="0">
+                <a:solidFill>
+                  <a:srgbClr val="222222"/>
+                </a:solidFill>
+                <a:latin typeface="Arial" panose="020B0604020202020204" pitchFamily="34" charset="0"/>
+              </a:rPr>
+              <a:t> in </a:t>
+            </a:r>
+            <a:r>
+              <a:rPr lang="en-GB" dirty="0">
+                <a:solidFill>
+                  <a:srgbClr val="0B0080"/>
+                </a:solidFill>
+                <a:latin typeface="Arial" panose="020B0604020202020204" pitchFamily="34" charset="0"/>
+                <a:hlinkClick r:id="rId16" tooltip="Frequentist statistics"/>
+              </a:rPr>
+              <a:t>frequentist </a:t>
+            </a:r>
+            <a:r>
+              <a:rPr lang="en-GB" dirty="0" err="1">
+                <a:solidFill>
+                  <a:srgbClr val="0B0080"/>
+                </a:solidFill>
+                <a:latin typeface="Arial" panose="020B0604020202020204" pitchFamily="34" charset="0"/>
+                <a:hlinkClick r:id="rId16" tooltip="Frequentist statistics"/>
+              </a:rPr>
+              <a:t>statistics</a:t>
+            </a:r>
+            <a:r>
+              <a:rPr lang="en-GB" dirty="0" err="1">
+                <a:solidFill>
+                  <a:srgbClr val="0B0080"/>
+                </a:solidFill>
+                <a:latin typeface="Arial" panose="020B0604020202020204" pitchFamily="34" charset="0"/>
+              </a:rPr>
+              <a:t>ß</a:t>
+            </a:r>
+            <a:endParaRPr lang="en-CH" dirty="0"/>
+          </a:p>
+        </p:txBody>
+      </p:sp>
+    </p:spTree>
+    <p:extLst>
+      <p:ext uri="{BB962C8B-B14F-4D97-AF65-F5344CB8AC3E}">
+        <p14:creationId xmlns:p14="http://schemas.microsoft.com/office/powerpoint/2010/main" val="2551299971"/>
       </p:ext>
     </p:extLst>
   </p:cSld>

--- a/chapter02/Chapter02.pptx
+++ b/chapter02/Chapter02.pptx
@@ -6,16 +6,26 @@
   </p:sldMasterIdLst>
   <p:sldIdLst>
     <p:sldId id="256" r:id="rId2"/>
-    <p:sldId id="257" r:id="rId3"/>
-    <p:sldId id="262" r:id="rId4"/>
-    <p:sldId id="261" r:id="rId5"/>
-    <p:sldId id="263" r:id="rId6"/>
-    <p:sldId id="258" r:id="rId7"/>
-    <p:sldId id="259" r:id="rId8"/>
-    <p:sldId id="260" r:id="rId9"/>
-    <p:sldId id="264" r:id="rId10"/>
-    <p:sldId id="265" r:id="rId11"/>
-    <p:sldId id="266" r:id="rId12"/>
+    <p:sldId id="269" r:id="rId3"/>
+    <p:sldId id="270" r:id="rId4"/>
+    <p:sldId id="271" r:id="rId5"/>
+    <p:sldId id="267" r:id="rId6"/>
+    <p:sldId id="272" r:id="rId7"/>
+    <p:sldId id="273" r:id="rId8"/>
+    <p:sldId id="274" r:id="rId9"/>
+    <p:sldId id="276" r:id="rId10"/>
+    <p:sldId id="266" r:id="rId11"/>
+    <p:sldId id="275" r:id="rId12"/>
+    <p:sldId id="277" r:id="rId13"/>
+    <p:sldId id="262" r:id="rId14"/>
+    <p:sldId id="261" r:id="rId15"/>
+    <p:sldId id="263" r:id="rId16"/>
+    <p:sldId id="258" r:id="rId17"/>
+    <p:sldId id="259" r:id="rId18"/>
+    <p:sldId id="260" r:id="rId19"/>
+    <p:sldId id="264" r:id="rId20"/>
+    <p:sldId id="265" r:id="rId21"/>
+    <p:sldId id="257" r:id="rId22"/>
   </p:sldIdLst>
   <p:sldSz cx="12192000" cy="6858000"/>
   <p:notesSz cx="6858000" cy="9144000"/>
@@ -3441,75 +3451,513 @@
           <a:chExt cx="0" cy="0"/>
         </a:xfrm>
       </p:grpSpPr>
-      <p:pic>
-        <p:nvPicPr>
-          <p:cNvPr id="2" name="Picture 1">
-            <a:extLst>
-              <a:ext uri="{FF2B5EF4-FFF2-40B4-BE49-F238E27FC236}">
-                <a16:creationId xmlns:a16="http://schemas.microsoft.com/office/drawing/2014/main" id="{A0B036E0-6593-2F4A-AED4-E8C2E3683EBB}"/>
-              </a:ext>
-            </a:extLst>
-          </p:cNvPr>
-          <p:cNvPicPr>
-            <a:picLocks noChangeAspect="1"/>
-          </p:cNvPicPr>
+      <p:sp>
+        <p:nvSpPr>
+          <p:cNvPr id="2" name="Rectangle 1">
+            <a:extLst>
+              <a:ext uri="{FF2B5EF4-FFF2-40B4-BE49-F238E27FC236}">
+                <a16:creationId xmlns:a16="http://schemas.microsoft.com/office/drawing/2014/main" id="{1F1DC0C1-E8D0-D54B-8B0A-B197C2871390}"/>
+              </a:ext>
+            </a:extLst>
+          </p:cNvPr>
+          <p:cNvSpPr/>
           <p:nvPr/>
-        </p:nvPicPr>
-        <p:blipFill>
-          <a:blip r:embed="rId2"/>
-          <a:stretch>
-            <a:fillRect/>
-          </a:stretch>
-        </p:blipFill>
+        </p:nvSpPr>
         <p:spPr>
           <a:xfrm>
-            <a:off x="779249" y="1414462"/>
-            <a:ext cx="6185113" cy="2127250"/>
+            <a:off x="919161" y="1049327"/>
+            <a:ext cx="10768013" cy="2031325"/>
           </a:xfrm>
           <a:prstGeom prst="rect">
             <a:avLst/>
           </a:prstGeom>
         </p:spPr>
-      </p:pic>
-      <p:sp>
-        <p:nvSpPr>
-          <p:cNvPr id="3" name="TextBox 2">
-            <a:extLst>
-              <a:ext uri="{FF2B5EF4-FFF2-40B4-BE49-F238E27FC236}">
-                <a16:creationId xmlns:a16="http://schemas.microsoft.com/office/drawing/2014/main" id="{F54B8AB0-34E8-5B43-97ED-B5DC875D5E67}"/>
-              </a:ext>
-            </a:extLst>
-          </p:cNvPr>
-          <p:cNvSpPr txBox="1"/>
+        <p:txBody>
+          <a:bodyPr wrap="square">
+            <a:spAutoFit/>
+          </a:bodyPr>
+          <a:lstStyle/>
+          <a:p>
+            <a:r>
+              <a:rPr lang="en-GB" dirty="0">
+                <a:solidFill>
+                  <a:srgbClr val="222222"/>
+                </a:solidFill>
+                <a:latin typeface="Arial" panose="020B0604020202020204" pitchFamily="34" charset="0"/>
+              </a:rPr>
+              <a:t>In </a:t>
+            </a:r>
+            <a:r>
+              <a:rPr lang="en-GB" dirty="0">
+                <a:solidFill>
+                  <a:srgbClr val="0B0080"/>
+                </a:solidFill>
+                <a:latin typeface="Arial" panose="020B0604020202020204" pitchFamily="34" charset="0"/>
+                <a:hlinkClick r:id="rId2" tooltip="Bayesian statistics"/>
+              </a:rPr>
+              <a:t>Bayesian statistics</a:t>
+            </a:r>
+            <a:r>
+              <a:rPr lang="en-GB" dirty="0">
+                <a:solidFill>
+                  <a:srgbClr val="222222"/>
+                </a:solidFill>
+                <a:latin typeface="Arial" panose="020B0604020202020204" pitchFamily="34" charset="0"/>
+              </a:rPr>
+              <a:t>, a </a:t>
+            </a:r>
+            <a:r>
+              <a:rPr lang="en-GB" b="1" dirty="0">
+                <a:solidFill>
+                  <a:srgbClr val="222222"/>
+                </a:solidFill>
+                <a:latin typeface="Arial" panose="020B0604020202020204" pitchFamily="34" charset="0"/>
+              </a:rPr>
+              <a:t>maximum a posterior probability</a:t>
+            </a:r>
+            <a:r>
+              <a:rPr lang="en-GB" dirty="0">
+                <a:solidFill>
+                  <a:srgbClr val="222222"/>
+                </a:solidFill>
+                <a:latin typeface="Arial" panose="020B0604020202020204" pitchFamily="34" charset="0"/>
+              </a:rPr>
+              <a:t> (</a:t>
+            </a:r>
+            <a:r>
+              <a:rPr lang="en-GB" b="1" dirty="0">
+                <a:solidFill>
+                  <a:srgbClr val="222222"/>
+                </a:solidFill>
+                <a:latin typeface="Arial" panose="020B0604020202020204" pitchFamily="34" charset="0"/>
+              </a:rPr>
+              <a:t>MAP</a:t>
+            </a:r>
+            <a:r>
+              <a:rPr lang="en-GB" dirty="0">
+                <a:solidFill>
+                  <a:srgbClr val="222222"/>
+                </a:solidFill>
+                <a:latin typeface="Arial" panose="020B0604020202020204" pitchFamily="34" charset="0"/>
+              </a:rPr>
+              <a:t>) </a:t>
+            </a:r>
+            <a:r>
+              <a:rPr lang="en-GB" b="1" dirty="0">
+                <a:solidFill>
+                  <a:srgbClr val="222222"/>
+                </a:solidFill>
+                <a:latin typeface="Arial" panose="020B0604020202020204" pitchFamily="34" charset="0"/>
+              </a:rPr>
+              <a:t>estimate</a:t>
+            </a:r>
+            <a:r>
+              <a:rPr lang="en-GB" dirty="0">
+                <a:solidFill>
+                  <a:srgbClr val="222222"/>
+                </a:solidFill>
+                <a:latin typeface="Arial" panose="020B0604020202020204" pitchFamily="34" charset="0"/>
+              </a:rPr>
+              <a:t> is an estimate of an unknown quantity, that equals the </a:t>
+            </a:r>
+            <a:r>
+              <a:rPr lang="en-GB" dirty="0">
+                <a:solidFill>
+                  <a:srgbClr val="0B0080"/>
+                </a:solidFill>
+                <a:latin typeface="Arial" panose="020B0604020202020204" pitchFamily="34" charset="0"/>
+                <a:hlinkClick r:id="rId3" tooltip="Mode (statistics)"/>
+              </a:rPr>
+              <a:t>mode</a:t>
+            </a:r>
+            <a:r>
+              <a:rPr lang="en-GB" dirty="0">
+                <a:solidFill>
+                  <a:srgbClr val="222222"/>
+                </a:solidFill>
+                <a:latin typeface="Arial" panose="020B0604020202020204" pitchFamily="34" charset="0"/>
+              </a:rPr>
+              <a:t> of the </a:t>
+            </a:r>
+            <a:r>
+              <a:rPr lang="en-GB" dirty="0">
+                <a:solidFill>
+                  <a:srgbClr val="0B0080"/>
+                </a:solidFill>
+                <a:latin typeface="Arial" panose="020B0604020202020204" pitchFamily="34" charset="0"/>
+                <a:hlinkClick r:id="rId4" tooltip="Posterior distribution"/>
+              </a:rPr>
+              <a:t>posterior distribution</a:t>
+            </a:r>
+            <a:r>
+              <a:rPr lang="en-GB" dirty="0">
+                <a:solidFill>
+                  <a:srgbClr val="222222"/>
+                </a:solidFill>
+                <a:latin typeface="Arial" panose="020B0604020202020204" pitchFamily="34" charset="0"/>
+              </a:rPr>
+              <a:t>. The MAP can be used to obtain a </a:t>
+            </a:r>
+            <a:r>
+              <a:rPr lang="en-GB" dirty="0">
+                <a:solidFill>
+                  <a:srgbClr val="0B0080"/>
+                </a:solidFill>
+                <a:latin typeface="Arial" panose="020B0604020202020204" pitchFamily="34" charset="0"/>
+                <a:hlinkClick r:id="rId5" tooltip="Point estimation"/>
+              </a:rPr>
+              <a:t>point estimate</a:t>
+            </a:r>
+            <a:r>
+              <a:rPr lang="en-GB" dirty="0">
+                <a:solidFill>
+                  <a:srgbClr val="222222"/>
+                </a:solidFill>
+                <a:latin typeface="Arial" panose="020B0604020202020204" pitchFamily="34" charset="0"/>
+              </a:rPr>
+              <a:t> of an unobserved quantity on the basis of empirical data. It is closely related to the method of </a:t>
+            </a:r>
+            <a:r>
+              <a:rPr lang="en-GB" dirty="0">
+                <a:solidFill>
+                  <a:srgbClr val="0B0080"/>
+                </a:solidFill>
+                <a:latin typeface="Arial" panose="020B0604020202020204" pitchFamily="34" charset="0"/>
+                <a:hlinkClick r:id="rId6" tooltip="Maximum likelihood"/>
+              </a:rPr>
+              <a:t>maximum likelihood</a:t>
+            </a:r>
+            <a:r>
+              <a:rPr lang="en-GB" dirty="0">
+                <a:solidFill>
+                  <a:srgbClr val="222222"/>
+                </a:solidFill>
+                <a:latin typeface="Arial" panose="020B0604020202020204" pitchFamily="34" charset="0"/>
+              </a:rPr>
+              <a:t> (ML) estimation, but employs an augmented </a:t>
+            </a:r>
+            <a:r>
+              <a:rPr lang="en-GB" dirty="0">
+                <a:solidFill>
+                  <a:srgbClr val="0B0080"/>
+                </a:solidFill>
+                <a:latin typeface="Arial" panose="020B0604020202020204" pitchFamily="34" charset="0"/>
+                <a:hlinkClick r:id="rId7" tooltip="Optimization (mathematics)"/>
+              </a:rPr>
+              <a:t>optimization objective</a:t>
+            </a:r>
+            <a:r>
+              <a:rPr lang="en-GB" dirty="0">
+                <a:solidFill>
+                  <a:srgbClr val="222222"/>
+                </a:solidFill>
+                <a:latin typeface="Arial" panose="020B0604020202020204" pitchFamily="34" charset="0"/>
+              </a:rPr>
+              <a:t> which incorporates a </a:t>
+            </a:r>
+            <a:r>
+              <a:rPr lang="en-GB" dirty="0">
+                <a:solidFill>
+                  <a:srgbClr val="0B0080"/>
+                </a:solidFill>
+                <a:latin typeface="Arial" panose="020B0604020202020204" pitchFamily="34" charset="0"/>
+                <a:hlinkClick r:id="rId8" tooltip="Prior distribution"/>
+              </a:rPr>
+              <a:t>prior distribution</a:t>
+            </a:r>
+            <a:r>
+              <a:rPr lang="en-GB" dirty="0">
+                <a:solidFill>
+                  <a:srgbClr val="222222"/>
+                </a:solidFill>
+                <a:latin typeface="Arial" panose="020B0604020202020204" pitchFamily="34" charset="0"/>
+              </a:rPr>
+              <a:t> (that quantifies the additional information available through prior knowledge of a related event) over the quantity one wants to estimate. MAP estimation can therefore be seen as a </a:t>
+            </a:r>
+            <a:r>
+              <a:rPr lang="en-GB" dirty="0">
+                <a:solidFill>
+                  <a:srgbClr val="0B0080"/>
+                </a:solidFill>
+                <a:latin typeface="Arial" panose="020B0604020202020204" pitchFamily="34" charset="0"/>
+                <a:hlinkClick r:id="rId9" tooltip="Regularization (mathematics)"/>
+              </a:rPr>
+              <a:t>regularization</a:t>
+            </a:r>
+            <a:r>
+              <a:rPr lang="en-GB" dirty="0">
+                <a:solidFill>
+                  <a:srgbClr val="222222"/>
+                </a:solidFill>
+                <a:latin typeface="Arial" panose="020B0604020202020204" pitchFamily="34" charset="0"/>
+              </a:rPr>
+              <a:t> of ML estimation. (Wikipedia)</a:t>
+            </a:r>
+            <a:endParaRPr lang="en-CH" dirty="0"/>
+          </a:p>
+        </p:txBody>
+      </p:sp>
+      <p:sp>
+        <p:nvSpPr>
+          <p:cNvPr id="3" name="Rectangle 2">
+            <a:extLst>
+              <a:ext uri="{FF2B5EF4-FFF2-40B4-BE49-F238E27FC236}">
+                <a16:creationId xmlns:a16="http://schemas.microsoft.com/office/drawing/2014/main" id="{69FAC462-794B-DD44-987D-12C5080448DA}"/>
+              </a:ext>
+            </a:extLst>
+          </p:cNvPr>
+          <p:cNvSpPr/>
           <p:nvPr/>
         </p:nvSpPr>
         <p:spPr>
           <a:xfrm>
-            <a:off x="1014413" y="671513"/>
-            <a:ext cx="2149756" cy="369332"/>
+            <a:off x="919160" y="3777349"/>
+            <a:ext cx="10768013" cy="1200329"/>
           </a:xfrm>
           <a:prstGeom prst="rect">
             <a:avLst/>
           </a:prstGeom>
-          <a:noFill/>
         </p:spPr>
         <p:txBody>
-          <a:bodyPr wrap="none" rtlCol="0">
+          <a:bodyPr wrap="square">
             <a:spAutoFit/>
           </a:bodyPr>
           <a:lstStyle/>
           <a:p>
             <a:r>
-              <a:rPr lang="en-CH" dirty="0"/>
-              <a:t>The beta distribution</a:t>
-            </a:r>
+              <a:rPr lang="en-GB" dirty="0">
+                <a:solidFill>
+                  <a:srgbClr val="222222"/>
+                </a:solidFill>
+                <a:latin typeface="Arial" panose="020B0604020202020204" pitchFamily="34" charset="0"/>
+              </a:rPr>
+              <a:t>In </a:t>
+            </a:r>
+            <a:r>
+              <a:rPr lang="en-GB" dirty="0">
+                <a:solidFill>
+                  <a:srgbClr val="0B0080"/>
+                </a:solidFill>
+                <a:latin typeface="Arial" panose="020B0604020202020204" pitchFamily="34" charset="0"/>
+                <a:hlinkClick r:id="rId2" tooltip="Bayesian statistics"/>
+              </a:rPr>
+              <a:t>Bayesian statistics</a:t>
+            </a:r>
+            <a:r>
+              <a:rPr lang="en-GB" dirty="0">
+                <a:solidFill>
+                  <a:srgbClr val="222222"/>
+                </a:solidFill>
+                <a:latin typeface="Arial" panose="020B0604020202020204" pitchFamily="34" charset="0"/>
+              </a:rPr>
+              <a:t>, a </a:t>
+            </a:r>
+            <a:r>
+              <a:rPr lang="en-GB" b="1" dirty="0">
+                <a:solidFill>
+                  <a:srgbClr val="222222"/>
+                </a:solidFill>
+                <a:latin typeface="Arial" panose="020B0604020202020204" pitchFamily="34" charset="0"/>
+              </a:rPr>
+              <a:t>credible interval</a:t>
+            </a:r>
+            <a:r>
+              <a:rPr lang="en-GB" dirty="0">
+                <a:solidFill>
+                  <a:srgbClr val="222222"/>
+                </a:solidFill>
+                <a:latin typeface="Arial" panose="020B0604020202020204" pitchFamily="34" charset="0"/>
+              </a:rPr>
+              <a:t> is an </a:t>
+            </a:r>
+            <a:r>
+              <a:rPr lang="en-GB" dirty="0">
+                <a:solidFill>
+                  <a:srgbClr val="0B0080"/>
+                </a:solidFill>
+                <a:latin typeface="Arial" panose="020B0604020202020204" pitchFamily="34" charset="0"/>
+                <a:hlinkClick r:id="rId10" tooltip="Interval (statistics)"/>
+              </a:rPr>
+              <a:t>interval</a:t>
+            </a:r>
+            <a:r>
+              <a:rPr lang="en-GB" dirty="0">
+                <a:solidFill>
+                  <a:srgbClr val="222222"/>
+                </a:solidFill>
+                <a:latin typeface="Arial" panose="020B0604020202020204" pitchFamily="34" charset="0"/>
+              </a:rPr>
+              <a:t> within which an unobserved </a:t>
+            </a:r>
+            <a:r>
+              <a:rPr lang="en-GB" dirty="0">
+                <a:solidFill>
+                  <a:srgbClr val="0B0080"/>
+                </a:solidFill>
+                <a:latin typeface="Arial" panose="020B0604020202020204" pitchFamily="34" charset="0"/>
+                <a:hlinkClick r:id="rId11" tooltip="Parameter"/>
+              </a:rPr>
+              <a:t>parameter</a:t>
+            </a:r>
+            <a:r>
+              <a:rPr lang="en-GB" dirty="0">
+                <a:solidFill>
+                  <a:srgbClr val="222222"/>
+                </a:solidFill>
+                <a:latin typeface="Arial" panose="020B0604020202020204" pitchFamily="34" charset="0"/>
+              </a:rPr>
+              <a:t> value falls with a particular </a:t>
+            </a:r>
+            <a:r>
+              <a:rPr lang="en-GB" dirty="0">
+                <a:solidFill>
+                  <a:srgbClr val="0B0080"/>
+                </a:solidFill>
+                <a:latin typeface="Arial" panose="020B0604020202020204" pitchFamily="34" charset="0"/>
+                <a:hlinkClick r:id="rId12" tooltip="Probability"/>
+              </a:rPr>
+              <a:t>probability</a:t>
+            </a:r>
+            <a:r>
+              <a:rPr lang="en-GB" dirty="0">
+                <a:solidFill>
+                  <a:srgbClr val="222222"/>
+                </a:solidFill>
+                <a:latin typeface="Arial" panose="020B0604020202020204" pitchFamily="34" charset="0"/>
+              </a:rPr>
+              <a:t>. It is an interval in the domain of a </a:t>
+            </a:r>
+            <a:r>
+              <a:rPr lang="en-GB" dirty="0">
+                <a:solidFill>
+                  <a:srgbClr val="0B0080"/>
+                </a:solidFill>
+                <a:latin typeface="Arial" panose="020B0604020202020204" pitchFamily="34" charset="0"/>
+                <a:hlinkClick r:id="rId4" tooltip="Posterior distribution"/>
+              </a:rPr>
+              <a:t>posterior probability distribution</a:t>
+            </a:r>
+            <a:r>
+              <a:rPr lang="en-GB" dirty="0">
+                <a:solidFill>
+                  <a:srgbClr val="222222"/>
+                </a:solidFill>
+                <a:latin typeface="Arial" panose="020B0604020202020204" pitchFamily="34" charset="0"/>
+              </a:rPr>
+              <a:t> or a </a:t>
+            </a:r>
+            <a:r>
+              <a:rPr lang="en-GB" dirty="0">
+                <a:solidFill>
+                  <a:srgbClr val="0B0080"/>
+                </a:solidFill>
+                <a:latin typeface="Arial" panose="020B0604020202020204" pitchFamily="34" charset="0"/>
+                <a:hlinkClick r:id="rId13" tooltip="Predictive probability of success"/>
+              </a:rPr>
+              <a:t>predictive distribution</a:t>
+            </a:r>
+            <a:r>
+              <a:rPr lang="en-GB" dirty="0">
+                <a:solidFill>
+                  <a:srgbClr val="222222"/>
+                </a:solidFill>
+                <a:latin typeface="Arial" panose="020B0604020202020204" pitchFamily="34" charset="0"/>
+              </a:rPr>
+              <a:t>.</a:t>
+            </a:r>
+            <a:r>
+              <a:rPr lang="en-GB" baseline="30000" dirty="0">
+                <a:solidFill>
+                  <a:srgbClr val="0B0080"/>
+                </a:solidFill>
+                <a:latin typeface="Arial" panose="020B0604020202020204" pitchFamily="34" charset="0"/>
+                <a:hlinkClick r:id="rId14"/>
+              </a:rPr>
+              <a:t>[1]</a:t>
+            </a:r>
+            <a:r>
+              <a:rPr lang="en-GB" dirty="0">
+                <a:solidFill>
+                  <a:srgbClr val="222222"/>
+                </a:solidFill>
+                <a:latin typeface="Arial" panose="020B0604020202020204" pitchFamily="34" charset="0"/>
+              </a:rPr>
+              <a:t> The generalisation to multivariate problems is the </a:t>
+            </a:r>
+            <a:r>
+              <a:rPr lang="en-GB" b="1" dirty="0">
+                <a:solidFill>
+                  <a:srgbClr val="222222"/>
+                </a:solidFill>
+                <a:latin typeface="Arial" panose="020B0604020202020204" pitchFamily="34" charset="0"/>
+              </a:rPr>
+              <a:t>credible region</a:t>
+            </a:r>
+            <a:r>
+              <a:rPr lang="en-GB" dirty="0">
+                <a:solidFill>
+                  <a:srgbClr val="222222"/>
+                </a:solidFill>
+                <a:latin typeface="Arial" panose="020B0604020202020204" pitchFamily="34" charset="0"/>
+              </a:rPr>
+              <a:t>. Credible intervals are analogous to </a:t>
+            </a:r>
+            <a:r>
+              <a:rPr lang="en-GB" dirty="0">
+                <a:solidFill>
+                  <a:srgbClr val="0B0080"/>
+                </a:solidFill>
+                <a:latin typeface="Arial" panose="020B0604020202020204" pitchFamily="34" charset="0"/>
+                <a:hlinkClick r:id="rId15" tooltip="Confidence interval"/>
+              </a:rPr>
+              <a:t>confidence intervals</a:t>
+            </a:r>
+            <a:r>
+              <a:rPr lang="en-GB" dirty="0">
+                <a:solidFill>
+                  <a:srgbClr val="222222"/>
+                </a:solidFill>
+                <a:latin typeface="Arial" panose="020B0604020202020204" pitchFamily="34" charset="0"/>
+              </a:rPr>
+              <a:t> in </a:t>
+            </a:r>
+            <a:r>
+              <a:rPr lang="en-GB" dirty="0">
+                <a:solidFill>
+                  <a:srgbClr val="0B0080"/>
+                </a:solidFill>
+                <a:latin typeface="Arial" panose="020B0604020202020204" pitchFamily="34" charset="0"/>
+                <a:hlinkClick r:id="rId16" tooltip="Frequentist statistics"/>
+              </a:rPr>
+              <a:t>frequentist </a:t>
+            </a:r>
+            <a:r>
+              <a:rPr lang="en-GB" dirty="0" err="1">
+                <a:solidFill>
+                  <a:srgbClr val="0B0080"/>
+                </a:solidFill>
+                <a:latin typeface="Arial" panose="020B0604020202020204" pitchFamily="34" charset="0"/>
+                <a:hlinkClick r:id="rId16" tooltip="Frequentist statistics"/>
+              </a:rPr>
+              <a:t>statistics</a:t>
+            </a:r>
+            <a:r>
+              <a:rPr lang="en-GB" dirty="0" err="1">
+                <a:solidFill>
+                  <a:srgbClr val="0B0080"/>
+                </a:solidFill>
+                <a:latin typeface="Arial" panose="020B0604020202020204" pitchFamily="34" charset="0"/>
+              </a:rPr>
+              <a:t>ß</a:t>
+            </a:r>
+            <a:endParaRPr lang="en-CH" dirty="0"/>
           </a:p>
         </p:txBody>
       </p:sp>
     </p:spTree>
     <p:extLst>
       <p:ext uri="{BB962C8B-B14F-4D97-AF65-F5344CB8AC3E}">
-        <p14:creationId xmlns:p14="http://schemas.microsoft.com/office/powerpoint/2010/main" val="3761949348"/>
+        <p14:creationId xmlns:p14="http://schemas.microsoft.com/office/powerpoint/2010/main" val="2551299971"/>
       </p:ext>
     </p:extLst>
   </p:cSld>
@@ -3538,511 +3986,43 @@
       </p:grpSpPr>
       <p:sp>
         <p:nvSpPr>
-          <p:cNvPr id="2" name="Rectangle 1">
-            <a:extLst>
-              <a:ext uri="{FF2B5EF4-FFF2-40B4-BE49-F238E27FC236}">
-                <a16:creationId xmlns:a16="http://schemas.microsoft.com/office/drawing/2014/main" id="{1F1DC0C1-E8D0-D54B-8B0A-B197C2871390}"/>
-              </a:ext>
-            </a:extLst>
-          </p:cNvPr>
-          <p:cNvSpPr/>
+          <p:cNvPr id="4" name="TextBox 3">
+            <a:extLst>
+              <a:ext uri="{FF2B5EF4-FFF2-40B4-BE49-F238E27FC236}">
+                <a16:creationId xmlns:a16="http://schemas.microsoft.com/office/drawing/2014/main" id="{793E9D54-93B8-7040-A2E5-7532BF4EBF7E}"/>
+              </a:ext>
+            </a:extLst>
+          </p:cNvPr>
+          <p:cNvSpPr txBox="1"/>
           <p:nvPr/>
         </p:nvSpPr>
         <p:spPr>
           <a:xfrm>
-            <a:off x="919161" y="1049327"/>
-            <a:ext cx="10768013" cy="2031325"/>
+            <a:off x="4561317" y="2721936"/>
+            <a:ext cx="3069366" cy="523220"/>
           </a:xfrm>
           <a:prstGeom prst="rect">
             <a:avLst/>
           </a:prstGeom>
+          <a:noFill/>
         </p:spPr>
         <p:txBody>
-          <a:bodyPr wrap="square">
+          <a:bodyPr wrap="none" rtlCol="0">
             <a:spAutoFit/>
           </a:bodyPr>
           <a:lstStyle/>
           <a:p>
             <a:r>
-              <a:rPr lang="en-GB" dirty="0">
-                <a:solidFill>
-                  <a:srgbClr val="222222"/>
-                </a:solidFill>
-                <a:latin typeface="Arial" panose="020B0604020202020204" pitchFamily="34" charset="0"/>
-              </a:rPr>
-              <a:t>In </a:t>
-            </a:r>
-            <a:r>
-              <a:rPr lang="en-GB" dirty="0">
-                <a:solidFill>
-                  <a:srgbClr val="0B0080"/>
-                </a:solidFill>
-                <a:latin typeface="Arial" panose="020B0604020202020204" pitchFamily="34" charset="0"/>
-                <a:hlinkClick r:id="rId2" tooltip="Bayesian statistics"/>
-              </a:rPr>
-              <a:t>Bayesian statistics</a:t>
-            </a:r>
-            <a:r>
-              <a:rPr lang="en-GB" dirty="0">
-                <a:solidFill>
-                  <a:srgbClr val="222222"/>
-                </a:solidFill>
-                <a:latin typeface="Arial" panose="020B0604020202020204" pitchFamily="34" charset="0"/>
-              </a:rPr>
-              <a:t>, a </a:t>
-            </a:r>
-            <a:r>
-              <a:rPr lang="en-GB" b="1" dirty="0">
-                <a:solidFill>
-                  <a:srgbClr val="222222"/>
-                </a:solidFill>
-                <a:latin typeface="Arial" panose="020B0604020202020204" pitchFamily="34" charset="0"/>
-              </a:rPr>
-              <a:t>maximum a posterior probability</a:t>
-            </a:r>
-            <a:r>
-              <a:rPr lang="en-GB" dirty="0">
-                <a:solidFill>
-                  <a:srgbClr val="222222"/>
-                </a:solidFill>
-                <a:latin typeface="Arial" panose="020B0604020202020204" pitchFamily="34" charset="0"/>
-              </a:rPr>
-              <a:t> (</a:t>
-            </a:r>
-            <a:r>
-              <a:rPr lang="en-GB" b="1" dirty="0">
-                <a:solidFill>
-                  <a:srgbClr val="222222"/>
-                </a:solidFill>
-                <a:latin typeface="Arial" panose="020B0604020202020204" pitchFamily="34" charset="0"/>
-              </a:rPr>
-              <a:t>MAP</a:t>
-            </a:r>
-            <a:r>
-              <a:rPr lang="en-GB" dirty="0">
-                <a:solidFill>
-                  <a:srgbClr val="222222"/>
-                </a:solidFill>
-                <a:latin typeface="Arial" panose="020B0604020202020204" pitchFamily="34" charset="0"/>
-              </a:rPr>
-              <a:t>) </a:t>
-            </a:r>
-            <a:r>
-              <a:rPr lang="en-GB" b="1" dirty="0">
-                <a:solidFill>
-                  <a:srgbClr val="222222"/>
-                </a:solidFill>
-                <a:latin typeface="Arial" panose="020B0604020202020204" pitchFamily="34" charset="0"/>
-              </a:rPr>
-              <a:t>estimate</a:t>
-            </a:r>
-            <a:r>
-              <a:rPr lang="en-GB" dirty="0">
-                <a:solidFill>
-                  <a:srgbClr val="222222"/>
-                </a:solidFill>
-                <a:latin typeface="Arial" panose="020B0604020202020204" pitchFamily="34" charset="0"/>
-              </a:rPr>
-              <a:t> is an estimate of an unknown quantity, that equals the </a:t>
-            </a:r>
-            <a:r>
-              <a:rPr lang="en-GB" dirty="0">
-                <a:solidFill>
-                  <a:srgbClr val="0B0080"/>
-                </a:solidFill>
-                <a:latin typeface="Arial" panose="020B0604020202020204" pitchFamily="34" charset="0"/>
-                <a:hlinkClick r:id="rId3" tooltip="Mode (statistics)"/>
-              </a:rPr>
-              <a:t>mode</a:t>
-            </a:r>
-            <a:r>
-              <a:rPr lang="en-GB" dirty="0">
-                <a:solidFill>
-                  <a:srgbClr val="222222"/>
-                </a:solidFill>
-                <a:latin typeface="Arial" panose="020B0604020202020204" pitchFamily="34" charset="0"/>
-              </a:rPr>
-              <a:t> of the </a:t>
-            </a:r>
-            <a:r>
-              <a:rPr lang="en-GB" dirty="0">
-                <a:solidFill>
-                  <a:srgbClr val="0B0080"/>
-                </a:solidFill>
-                <a:latin typeface="Arial" panose="020B0604020202020204" pitchFamily="34" charset="0"/>
-                <a:hlinkClick r:id="rId4" tooltip="Posterior distribution"/>
-              </a:rPr>
-              <a:t>posterior distribution</a:t>
-            </a:r>
-            <a:r>
-              <a:rPr lang="en-GB" dirty="0">
-                <a:solidFill>
-                  <a:srgbClr val="222222"/>
-                </a:solidFill>
-                <a:latin typeface="Arial" panose="020B0604020202020204" pitchFamily="34" charset="0"/>
-              </a:rPr>
-              <a:t>. The MAP can be used to obtain a </a:t>
-            </a:r>
-            <a:r>
-              <a:rPr lang="en-GB" dirty="0">
-                <a:solidFill>
-                  <a:srgbClr val="0B0080"/>
-                </a:solidFill>
-                <a:latin typeface="Arial" panose="020B0604020202020204" pitchFamily="34" charset="0"/>
-                <a:hlinkClick r:id="rId5" tooltip="Point estimation"/>
-              </a:rPr>
-              <a:t>point estimate</a:t>
-            </a:r>
-            <a:r>
-              <a:rPr lang="en-GB" dirty="0">
-                <a:solidFill>
-                  <a:srgbClr val="222222"/>
-                </a:solidFill>
-                <a:latin typeface="Arial" panose="020B0604020202020204" pitchFamily="34" charset="0"/>
-              </a:rPr>
-              <a:t> of an unobserved quantity on the basis of empirical data. It is closely related to the method of </a:t>
-            </a:r>
-            <a:r>
-              <a:rPr lang="en-GB" dirty="0">
-                <a:solidFill>
-                  <a:srgbClr val="0B0080"/>
-                </a:solidFill>
-                <a:latin typeface="Arial" panose="020B0604020202020204" pitchFamily="34" charset="0"/>
-                <a:hlinkClick r:id="rId6" tooltip="Maximum likelihood"/>
-              </a:rPr>
-              <a:t>maximum likelihood</a:t>
-            </a:r>
-            <a:r>
-              <a:rPr lang="en-GB" dirty="0">
-                <a:solidFill>
-                  <a:srgbClr val="222222"/>
-                </a:solidFill>
-                <a:latin typeface="Arial" panose="020B0604020202020204" pitchFamily="34" charset="0"/>
-              </a:rPr>
-              <a:t> (ML) estimation, but employs an augmented </a:t>
-            </a:r>
-            <a:r>
-              <a:rPr lang="en-GB" dirty="0">
-                <a:solidFill>
-                  <a:srgbClr val="0B0080"/>
-                </a:solidFill>
-                <a:latin typeface="Arial" panose="020B0604020202020204" pitchFamily="34" charset="0"/>
-                <a:hlinkClick r:id="rId7" tooltip="Optimization (mathematics)"/>
-              </a:rPr>
-              <a:t>optimization objective</a:t>
-            </a:r>
-            <a:r>
-              <a:rPr lang="en-GB" dirty="0">
-                <a:solidFill>
-                  <a:srgbClr val="222222"/>
-                </a:solidFill>
-                <a:latin typeface="Arial" panose="020B0604020202020204" pitchFamily="34" charset="0"/>
-              </a:rPr>
-              <a:t> which incorporates a </a:t>
-            </a:r>
-            <a:r>
-              <a:rPr lang="en-GB" dirty="0">
-                <a:solidFill>
-                  <a:srgbClr val="0B0080"/>
-                </a:solidFill>
-                <a:latin typeface="Arial" panose="020B0604020202020204" pitchFamily="34" charset="0"/>
-                <a:hlinkClick r:id="rId8" tooltip="Prior distribution"/>
-              </a:rPr>
-              <a:t>prior distribution</a:t>
-            </a:r>
-            <a:r>
-              <a:rPr lang="en-GB" dirty="0">
-                <a:solidFill>
-                  <a:srgbClr val="222222"/>
-                </a:solidFill>
-                <a:latin typeface="Arial" panose="020B0604020202020204" pitchFamily="34" charset="0"/>
-              </a:rPr>
-              <a:t> (that quantifies the additional information available through prior knowledge of a related event) over the quantity one wants to estimate. MAP estimation can therefore be seen as a </a:t>
-            </a:r>
-            <a:r>
-              <a:rPr lang="en-GB" dirty="0">
-                <a:solidFill>
-                  <a:srgbClr val="0B0080"/>
-                </a:solidFill>
-                <a:latin typeface="Arial" panose="020B0604020202020204" pitchFamily="34" charset="0"/>
-                <a:hlinkClick r:id="rId9" tooltip="Regularization (mathematics)"/>
-              </a:rPr>
-              <a:t>regularization</a:t>
-            </a:r>
-            <a:r>
-              <a:rPr lang="en-GB" dirty="0">
-                <a:solidFill>
-                  <a:srgbClr val="222222"/>
-                </a:solidFill>
-                <a:latin typeface="Arial" panose="020B0604020202020204" pitchFamily="34" charset="0"/>
-              </a:rPr>
-              <a:t> of ML estimation. (Wikipedia)</a:t>
-            </a:r>
-            <a:endParaRPr lang="en-CH" dirty="0"/>
-          </a:p>
-        </p:txBody>
-      </p:sp>
-      <p:sp>
-        <p:nvSpPr>
-          <p:cNvPr id="3" name="Rectangle 2">
-            <a:extLst>
-              <a:ext uri="{FF2B5EF4-FFF2-40B4-BE49-F238E27FC236}">
-                <a16:creationId xmlns:a16="http://schemas.microsoft.com/office/drawing/2014/main" id="{69FAC462-794B-DD44-987D-12C5080448DA}"/>
-              </a:ext>
-            </a:extLst>
-          </p:cNvPr>
-          <p:cNvSpPr/>
-          <p:nvPr/>
-        </p:nvSpPr>
-        <p:spPr>
-          <a:xfrm>
-            <a:off x="919160" y="3777349"/>
-            <a:ext cx="10768013" cy="1200329"/>
-          </a:xfrm>
-          <a:prstGeom prst="rect">
-            <a:avLst/>
-          </a:prstGeom>
-        </p:spPr>
-        <p:txBody>
-          <a:bodyPr wrap="square">
-            <a:spAutoFit/>
-          </a:bodyPr>
-          <a:lstStyle/>
-          <a:p>
-            <a:r>
-              <a:rPr lang="en-GB" dirty="0">
-                <a:solidFill>
-                  <a:srgbClr val="222222"/>
-                </a:solidFill>
-                <a:latin typeface="Arial" panose="020B0604020202020204" pitchFamily="34" charset="0"/>
-              </a:rPr>
-              <a:t>In </a:t>
-            </a:r>
-            <a:r>
-              <a:rPr lang="en-GB" dirty="0">
-                <a:solidFill>
-                  <a:srgbClr val="0B0080"/>
-                </a:solidFill>
-                <a:latin typeface="Arial" panose="020B0604020202020204" pitchFamily="34" charset="0"/>
-                <a:hlinkClick r:id="rId2" tooltip="Bayesian statistics"/>
-              </a:rPr>
-              <a:t>Bayesian statistics</a:t>
-            </a:r>
-            <a:r>
-              <a:rPr lang="en-GB" dirty="0">
-                <a:solidFill>
-                  <a:srgbClr val="222222"/>
-                </a:solidFill>
-                <a:latin typeface="Arial" panose="020B0604020202020204" pitchFamily="34" charset="0"/>
-              </a:rPr>
-              <a:t>, a </a:t>
-            </a:r>
-            <a:r>
-              <a:rPr lang="en-GB" b="1" dirty="0">
-                <a:solidFill>
-                  <a:srgbClr val="222222"/>
-                </a:solidFill>
-                <a:latin typeface="Arial" panose="020B0604020202020204" pitchFamily="34" charset="0"/>
-              </a:rPr>
-              <a:t>credible interval</a:t>
-            </a:r>
-            <a:r>
-              <a:rPr lang="en-GB" dirty="0">
-                <a:solidFill>
-                  <a:srgbClr val="222222"/>
-                </a:solidFill>
-                <a:latin typeface="Arial" panose="020B0604020202020204" pitchFamily="34" charset="0"/>
-              </a:rPr>
-              <a:t> is an </a:t>
-            </a:r>
-            <a:r>
-              <a:rPr lang="en-GB" dirty="0">
-                <a:solidFill>
-                  <a:srgbClr val="0B0080"/>
-                </a:solidFill>
-                <a:latin typeface="Arial" panose="020B0604020202020204" pitchFamily="34" charset="0"/>
-                <a:hlinkClick r:id="rId10" tooltip="Interval (statistics)"/>
-              </a:rPr>
-              <a:t>interval</a:t>
-            </a:r>
-            <a:r>
-              <a:rPr lang="en-GB" dirty="0">
-                <a:solidFill>
-                  <a:srgbClr val="222222"/>
-                </a:solidFill>
-                <a:latin typeface="Arial" panose="020B0604020202020204" pitchFamily="34" charset="0"/>
-              </a:rPr>
-              <a:t> within which an unobserved </a:t>
-            </a:r>
-            <a:r>
-              <a:rPr lang="en-GB" dirty="0">
-                <a:solidFill>
-                  <a:srgbClr val="0B0080"/>
-                </a:solidFill>
-                <a:latin typeface="Arial" panose="020B0604020202020204" pitchFamily="34" charset="0"/>
-                <a:hlinkClick r:id="rId11" tooltip="Parameter"/>
-              </a:rPr>
-              <a:t>parameter</a:t>
-            </a:r>
-            <a:r>
-              <a:rPr lang="en-GB" dirty="0">
-                <a:solidFill>
-                  <a:srgbClr val="222222"/>
-                </a:solidFill>
-                <a:latin typeface="Arial" panose="020B0604020202020204" pitchFamily="34" charset="0"/>
-              </a:rPr>
-              <a:t> value falls with a particular </a:t>
-            </a:r>
-            <a:r>
-              <a:rPr lang="en-GB" dirty="0">
-                <a:solidFill>
-                  <a:srgbClr val="0B0080"/>
-                </a:solidFill>
-                <a:latin typeface="Arial" panose="020B0604020202020204" pitchFamily="34" charset="0"/>
-                <a:hlinkClick r:id="rId12" tooltip="Probability"/>
-              </a:rPr>
-              <a:t>probability</a:t>
-            </a:r>
-            <a:r>
-              <a:rPr lang="en-GB" dirty="0">
-                <a:solidFill>
-                  <a:srgbClr val="222222"/>
-                </a:solidFill>
-                <a:latin typeface="Arial" panose="020B0604020202020204" pitchFamily="34" charset="0"/>
-              </a:rPr>
-              <a:t>. It is an interval in the domain of a </a:t>
-            </a:r>
-            <a:r>
-              <a:rPr lang="en-GB" dirty="0">
-                <a:solidFill>
-                  <a:srgbClr val="0B0080"/>
-                </a:solidFill>
-                <a:latin typeface="Arial" panose="020B0604020202020204" pitchFamily="34" charset="0"/>
-                <a:hlinkClick r:id="rId4" tooltip="Posterior distribution"/>
-              </a:rPr>
-              <a:t>posterior probability distribution</a:t>
-            </a:r>
-            <a:r>
-              <a:rPr lang="en-GB" dirty="0">
-                <a:solidFill>
-                  <a:srgbClr val="222222"/>
-                </a:solidFill>
-                <a:latin typeface="Arial" panose="020B0604020202020204" pitchFamily="34" charset="0"/>
-              </a:rPr>
-              <a:t> or a </a:t>
-            </a:r>
-            <a:r>
-              <a:rPr lang="en-GB" dirty="0">
-                <a:solidFill>
-                  <a:srgbClr val="0B0080"/>
-                </a:solidFill>
-                <a:latin typeface="Arial" panose="020B0604020202020204" pitchFamily="34" charset="0"/>
-                <a:hlinkClick r:id="rId13" tooltip="Predictive probability of success"/>
-              </a:rPr>
-              <a:t>predictive distribution</a:t>
-            </a:r>
-            <a:r>
-              <a:rPr lang="en-GB" dirty="0">
-                <a:solidFill>
-                  <a:srgbClr val="222222"/>
-                </a:solidFill>
-                <a:latin typeface="Arial" panose="020B0604020202020204" pitchFamily="34" charset="0"/>
-              </a:rPr>
-              <a:t>.</a:t>
-            </a:r>
-            <a:r>
-              <a:rPr lang="en-GB" baseline="30000" dirty="0">
-                <a:solidFill>
-                  <a:srgbClr val="0B0080"/>
-                </a:solidFill>
-                <a:latin typeface="Arial" panose="020B0604020202020204" pitchFamily="34" charset="0"/>
-                <a:hlinkClick r:id="rId14"/>
-              </a:rPr>
-              <a:t>[1]</a:t>
-            </a:r>
-            <a:r>
-              <a:rPr lang="en-GB" dirty="0">
-                <a:solidFill>
-                  <a:srgbClr val="222222"/>
-                </a:solidFill>
-                <a:latin typeface="Arial" panose="020B0604020202020204" pitchFamily="34" charset="0"/>
-              </a:rPr>
-              <a:t> The generalisation to multivariate problems is the </a:t>
-            </a:r>
-            <a:r>
-              <a:rPr lang="en-GB" b="1" dirty="0">
-                <a:solidFill>
-                  <a:srgbClr val="222222"/>
-                </a:solidFill>
-                <a:latin typeface="Arial" panose="020B0604020202020204" pitchFamily="34" charset="0"/>
-              </a:rPr>
-              <a:t>credible region</a:t>
-            </a:r>
-            <a:r>
-              <a:rPr lang="en-GB" dirty="0">
-                <a:solidFill>
-                  <a:srgbClr val="222222"/>
-                </a:solidFill>
-                <a:latin typeface="Arial" panose="020B0604020202020204" pitchFamily="34" charset="0"/>
-              </a:rPr>
-              <a:t>. Credible intervals are analogous to </a:t>
-            </a:r>
-            <a:r>
-              <a:rPr lang="en-GB" dirty="0">
-                <a:solidFill>
-                  <a:srgbClr val="0B0080"/>
-                </a:solidFill>
-                <a:latin typeface="Arial" panose="020B0604020202020204" pitchFamily="34" charset="0"/>
-                <a:hlinkClick r:id="rId15" tooltip="Confidence interval"/>
-              </a:rPr>
-              <a:t>confidence intervals</a:t>
-            </a:r>
-            <a:r>
-              <a:rPr lang="en-GB" dirty="0">
-                <a:solidFill>
-                  <a:srgbClr val="222222"/>
-                </a:solidFill>
-                <a:latin typeface="Arial" panose="020B0604020202020204" pitchFamily="34" charset="0"/>
-              </a:rPr>
-              <a:t> in </a:t>
-            </a:r>
-            <a:r>
-              <a:rPr lang="en-GB" dirty="0">
-                <a:solidFill>
-                  <a:srgbClr val="0B0080"/>
-                </a:solidFill>
-                <a:latin typeface="Arial" panose="020B0604020202020204" pitchFamily="34" charset="0"/>
-                <a:hlinkClick r:id="rId16" tooltip="Frequentist statistics"/>
-              </a:rPr>
-              <a:t>frequentist </a:t>
-            </a:r>
-            <a:r>
-              <a:rPr lang="en-GB" dirty="0" err="1">
-                <a:solidFill>
-                  <a:srgbClr val="0B0080"/>
-                </a:solidFill>
-                <a:latin typeface="Arial" panose="020B0604020202020204" pitchFamily="34" charset="0"/>
-                <a:hlinkClick r:id="rId16" tooltip="Frequentist statistics"/>
-              </a:rPr>
-              <a:t>statistics</a:t>
-            </a:r>
-            <a:r>
-              <a:rPr lang="en-GB" dirty="0" err="1">
-                <a:solidFill>
-                  <a:srgbClr val="0B0080"/>
-                </a:solidFill>
-                <a:latin typeface="Arial" panose="020B0604020202020204" pitchFamily="34" charset="0"/>
-              </a:rPr>
-              <a:t>ß</a:t>
-            </a:r>
-            <a:endParaRPr lang="en-CH" dirty="0"/>
+              <a:rPr lang="en-CH" sz="2800" dirty="0"/>
+              <a:t>Some linear algebra</a:t>
+            </a:r>
           </a:p>
         </p:txBody>
       </p:sp>
     </p:spTree>
     <p:extLst>
       <p:ext uri="{BB962C8B-B14F-4D97-AF65-F5344CB8AC3E}">
-        <p14:creationId xmlns:p14="http://schemas.microsoft.com/office/powerpoint/2010/main" val="2551299971"/>
+        <p14:creationId xmlns:p14="http://schemas.microsoft.com/office/powerpoint/2010/main" val="2614469322"/>
       </p:ext>
     </p:extLst>
   </p:cSld>
@@ -4052,7 +4032,7 @@
 </p:sld>
 </file>
 
-<file path=ppt/slides/slide2.xml><?xml version="1.0" encoding="utf-8"?>
+<file path=ppt/slides/slide12.xml><?xml version="1.0" encoding="utf-8"?>
 <p:sld xmlns:a="http://schemas.openxmlformats.org/drawingml/2006/main" xmlns:r="http://schemas.openxmlformats.org/officeDocument/2006/relationships" xmlns:p="http://schemas.openxmlformats.org/presentationml/2006/main">
   <p:cSld>
     <p:spTree>
@@ -4074,7 +4054,7 @@
           <p:cNvPr id="4" name="TextBox 3">
             <a:extLst>
               <a:ext uri="{FF2B5EF4-FFF2-40B4-BE49-F238E27FC236}">
-                <a16:creationId xmlns:a16="http://schemas.microsoft.com/office/drawing/2014/main" id="{AA2F0B63-FAB1-7F44-A83E-D1DE92B30045}"/>
+                <a16:creationId xmlns:a16="http://schemas.microsoft.com/office/drawing/2014/main" id="{B37B1FA7-431A-714B-8296-2D63D710BD25}"/>
               </a:ext>
             </a:extLst>
           </p:cNvPr>
@@ -4083,8 +4063,8 @@
         </p:nvSpPr>
         <p:spPr>
           <a:xfrm>
-            <a:off x="620574" y="1029942"/>
-            <a:ext cx="13595645" cy="4524315"/>
+            <a:off x="434335" y="1020179"/>
+            <a:ext cx="3970639" cy="369332"/>
           </a:xfrm>
           <a:prstGeom prst="rect">
             <a:avLst/>
@@ -4099,126 +4079,679 @@
           <a:p>
             <a:r>
               <a:rPr lang="en-GB" dirty="0"/>
-              <a:t>C</a:t>
+              <a:t>A</a:t>
             </a:r>
             <a:r>
               <a:rPr lang="en-CH" dirty="0"/>
-              <a:t>onditional probability</a:t>
-            </a:r>
-          </a:p>
+              <a:t> vector is essentially  a list of numbers. </a:t>
+            </a:r>
+          </a:p>
+        </p:txBody>
+      </p:sp>
+      <p:pic>
+        <p:nvPicPr>
+          <p:cNvPr id="5" name="Picture 4">
+            <a:extLst>
+              <a:ext uri="{FF2B5EF4-FFF2-40B4-BE49-F238E27FC236}">
+                <a16:creationId xmlns:a16="http://schemas.microsoft.com/office/drawing/2014/main" id="{39378E93-325B-DB4A-B6CD-97224A70BB20}"/>
+              </a:ext>
+            </a:extLst>
+          </p:cNvPr>
+          <p:cNvPicPr>
+            <a:picLocks noChangeAspect="1"/>
+          </p:cNvPicPr>
+          <p:nvPr/>
+        </p:nvPicPr>
+        <p:blipFill>
+          <a:blip r:embed="rId2"/>
+          <a:stretch>
+            <a:fillRect/>
+          </a:stretch>
+        </p:blipFill>
+        <p:spPr>
+          <a:xfrm>
+            <a:off x="1570517" y="1840614"/>
+            <a:ext cx="1107993" cy="1336626"/>
+          </a:xfrm>
+          <a:prstGeom prst="rect">
+            <a:avLst/>
+          </a:prstGeom>
+        </p:spPr>
+      </p:pic>
+      <p:pic>
+        <p:nvPicPr>
+          <p:cNvPr id="6" name="Picture 5">
+            <a:extLst>
+              <a:ext uri="{FF2B5EF4-FFF2-40B4-BE49-F238E27FC236}">
+                <a16:creationId xmlns:a16="http://schemas.microsoft.com/office/drawing/2014/main" id="{4C37F98A-A382-0041-A604-DC587EF921B1}"/>
+              </a:ext>
+            </a:extLst>
+          </p:cNvPr>
+          <p:cNvPicPr>
+            <a:picLocks noChangeAspect="1"/>
+          </p:cNvPicPr>
+          <p:nvPr/>
+        </p:nvPicPr>
+        <p:blipFill>
+          <a:blip r:embed="rId3"/>
+          <a:stretch>
+            <a:fillRect/>
+          </a:stretch>
+        </p:blipFill>
+        <p:spPr>
+          <a:xfrm>
+            <a:off x="6096000" y="1840613"/>
+            <a:ext cx="2075288" cy="369331"/>
+          </a:xfrm>
+          <a:prstGeom prst="rect">
+            <a:avLst/>
+          </a:prstGeom>
+        </p:spPr>
+      </p:pic>
+      <p:sp>
+        <p:nvSpPr>
+          <p:cNvPr id="7" name="Rectangle 6">
+            <a:extLst>
+              <a:ext uri="{FF2B5EF4-FFF2-40B4-BE49-F238E27FC236}">
+                <a16:creationId xmlns:a16="http://schemas.microsoft.com/office/drawing/2014/main" id="{F2DAAD6E-02AA-5648-B70D-1D9D203F11D3}"/>
+              </a:ext>
+            </a:extLst>
+          </p:cNvPr>
+          <p:cNvSpPr/>
+          <p:nvPr/>
+        </p:nvSpPr>
+        <p:spPr>
+          <a:xfrm>
+            <a:off x="434335" y="1852649"/>
+            <a:ext cx="1555554" cy="369332"/>
+          </a:xfrm>
+          <a:prstGeom prst="rect">
+            <a:avLst/>
+          </a:prstGeom>
+        </p:spPr>
+        <p:txBody>
+          <a:bodyPr wrap="none">
+            <a:spAutoFit/>
+          </a:bodyPr>
+          <a:lstStyle/>
+          <a:p>
+            <a:r>
+              <a:rPr lang="en-CH" dirty="0"/>
+              <a:t>Column vector</a:t>
+            </a:r>
+          </a:p>
+        </p:txBody>
+      </p:sp>
+      <p:sp>
+        <p:nvSpPr>
+          <p:cNvPr id="8" name="Rectangle 7">
+            <a:extLst>
+              <a:ext uri="{FF2B5EF4-FFF2-40B4-BE49-F238E27FC236}">
+                <a16:creationId xmlns:a16="http://schemas.microsoft.com/office/drawing/2014/main" id="{5503E9AE-2A8F-7949-82C1-6F6D504EC269}"/>
+              </a:ext>
+            </a:extLst>
+          </p:cNvPr>
+          <p:cNvSpPr/>
+          <p:nvPr/>
+        </p:nvSpPr>
+        <p:spPr>
+          <a:xfrm>
+            <a:off x="4586818" y="1852649"/>
+            <a:ext cx="1191865" cy="369332"/>
+          </a:xfrm>
+          <a:prstGeom prst="rect">
+            <a:avLst/>
+          </a:prstGeom>
+        </p:spPr>
+        <p:txBody>
+          <a:bodyPr wrap="none">
+            <a:spAutoFit/>
+          </a:bodyPr>
+          <a:lstStyle/>
+          <a:p>
+            <a:r>
+              <a:rPr lang="en-CH" dirty="0"/>
+              <a:t>row vector</a:t>
+            </a:r>
+          </a:p>
+        </p:txBody>
+      </p:sp>
+      <p:sp>
+        <p:nvSpPr>
+          <p:cNvPr id="9" name="Rectangle 8">
+            <a:extLst>
+              <a:ext uri="{FF2B5EF4-FFF2-40B4-BE49-F238E27FC236}">
+                <a16:creationId xmlns:a16="http://schemas.microsoft.com/office/drawing/2014/main" id="{57C6F453-F02C-E842-94A0-F0D9F7535409}"/>
+              </a:ext>
+            </a:extLst>
+          </p:cNvPr>
+          <p:cNvSpPr/>
+          <p:nvPr/>
+        </p:nvSpPr>
+        <p:spPr>
+          <a:xfrm>
+            <a:off x="3410789" y="2807908"/>
+            <a:ext cx="5170070" cy="369332"/>
+          </a:xfrm>
+          <a:prstGeom prst="rect">
+            <a:avLst/>
+          </a:prstGeom>
+        </p:spPr>
+        <p:txBody>
+          <a:bodyPr wrap="none">
+            <a:spAutoFit/>
+          </a:bodyPr>
+          <a:lstStyle/>
           <a:p>
             <a:r>
               <a:rPr lang="en-GB" dirty="0"/>
-              <a:t>B</a:t>
+              <a:t>T</a:t>
             </a:r>
             <a:r>
               <a:rPr lang="en-CH" dirty="0"/>
-              <a:t>ayes theorem</a:t>
-            </a:r>
-          </a:p>
-          <a:p>
+              <a:t>o go from one to the other you transpose the vector.</a:t>
+            </a:r>
+          </a:p>
+        </p:txBody>
+      </p:sp>
+      <p:sp>
+        <p:nvSpPr>
+          <p:cNvPr id="10" name="Rectangle 9">
+            <a:extLst>
+              <a:ext uri="{FF2B5EF4-FFF2-40B4-BE49-F238E27FC236}">
+                <a16:creationId xmlns:a16="http://schemas.microsoft.com/office/drawing/2014/main" id="{2CAF17F7-9A66-B841-904E-138147A5A395}"/>
+              </a:ext>
+            </a:extLst>
+          </p:cNvPr>
+          <p:cNvSpPr/>
+          <p:nvPr/>
+        </p:nvSpPr>
+        <p:spPr>
+          <a:xfrm>
+            <a:off x="417952" y="5914431"/>
+            <a:ext cx="7104830" cy="369332"/>
+          </a:xfrm>
+          <a:prstGeom prst="rect">
+            <a:avLst/>
+          </a:prstGeom>
+        </p:spPr>
+        <p:txBody>
+          <a:bodyPr wrap="none">
+            <a:spAutoFit/>
+          </a:bodyPr>
+          <a:lstStyle/>
+          <a:p>
+            <a:r>
+              <a:rPr lang="de-CH" dirty="0"/>
+              <a:t>Matrices </a:t>
+            </a:r>
+            <a:r>
+              <a:rPr lang="de-CH" dirty="0" err="1"/>
+              <a:t>are</a:t>
+            </a:r>
+            <a:r>
+              <a:rPr lang="de-CH" dirty="0"/>
+              <a:t> </a:t>
+            </a:r>
+            <a:r>
+              <a:rPr lang="de-CH" dirty="0" err="1"/>
+              <a:t>simply</a:t>
+            </a:r>
+            <a:r>
+              <a:rPr lang="de-CH" dirty="0"/>
+              <a:t> a </a:t>
+            </a:r>
+            <a:r>
+              <a:rPr lang="de-CH" dirty="0" err="1"/>
+              <a:t>collection</a:t>
+            </a:r>
+            <a:r>
+              <a:rPr lang="de-CH" dirty="0"/>
+              <a:t> </a:t>
+            </a:r>
+            <a:r>
+              <a:rPr lang="de-CH" dirty="0" err="1"/>
+              <a:t>of</a:t>
+            </a:r>
+            <a:r>
+              <a:rPr lang="de-CH" dirty="0"/>
+              <a:t> </a:t>
+            </a:r>
+            <a:r>
+              <a:rPr lang="de-CH" dirty="0" err="1"/>
+              <a:t>row</a:t>
+            </a:r>
+            <a:r>
+              <a:rPr lang="de-CH" dirty="0"/>
+              <a:t> </a:t>
+            </a:r>
+            <a:r>
+              <a:rPr lang="de-CH" dirty="0" err="1"/>
+              <a:t>or</a:t>
+            </a:r>
+            <a:r>
+              <a:rPr lang="de-CH" dirty="0"/>
+              <a:t> </a:t>
+            </a:r>
+            <a:r>
+              <a:rPr lang="de-CH" dirty="0" err="1"/>
+              <a:t>column</a:t>
+            </a:r>
+            <a:r>
+              <a:rPr lang="de-CH" dirty="0"/>
+              <a:t> </a:t>
+            </a:r>
+            <a:r>
+              <a:rPr lang="de-CH" dirty="0" err="1"/>
+              <a:t>vectors</a:t>
+            </a:r>
+            <a:r>
+              <a:rPr lang="de-CH" dirty="0"/>
+              <a:t> </a:t>
+            </a:r>
+            <a:r>
+              <a:rPr lang="de-CH" dirty="0" err="1"/>
+              <a:t>of</a:t>
+            </a:r>
+            <a:r>
+              <a:rPr lang="de-CH" dirty="0"/>
+              <a:t> </a:t>
+            </a:r>
+            <a:r>
+              <a:rPr lang="de-CH" dirty="0" err="1"/>
+              <a:t>the</a:t>
+            </a:r>
+            <a:r>
+              <a:rPr lang="de-CH" dirty="0"/>
+              <a:t> same </a:t>
+            </a:r>
+            <a:r>
+              <a:rPr lang="de-CH" dirty="0" err="1"/>
+              <a:t>size</a:t>
+            </a:r>
+            <a:r>
+              <a:rPr lang="de-CH" dirty="0"/>
+              <a:t>:</a:t>
+            </a:r>
             <a:endParaRPr lang="en-CH" dirty="0"/>
           </a:p>
-          <a:p>
-            <a:r>
-              <a:rPr lang="en-GB" dirty="0"/>
-              <a:t>R</a:t>
-            </a:r>
-            <a:r>
-              <a:rPr lang="en-CH" dirty="0"/>
-              <a:t>esiduals</a:t>
-            </a:r>
-          </a:p>
-          <a:p>
+        </p:txBody>
+      </p:sp>
+      <p:pic>
+        <p:nvPicPr>
+          <p:cNvPr id="11" name="Picture 10">
+            <a:extLst>
+              <a:ext uri="{FF2B5EF4-FFF2-40B4-BE49-F238E27FC236}">
+                <a16:creationId xmlns:a16="http://schemas.microsoft.com/office/drawing/2014/main" id="{F69CCA6B-5A50-4B4D-9EBB-E369BE91E292}"/>
+              </a:ext>
+            </a:extLst>
+          </p:cNvPr>
+          <p:cNvPicPr>
+            <a:picLocks noChangeAspect="1"/>
+          </p:cNvPicPr>
+          <p:nvPr/>
+        </p:nvPicPr>
+        <p:blipFill>
+          <a:blip r:embed="rId4"/>
+          <a:stretch>
+            <a:fillRect/>
+          </a:stretch>
+        </p:blipFill>
+        <p:spPr>
+          <a:xfrm>
+            <a:off x="9225812" y="3443060"/>
+            <a:ext cx="1651000" cy="939800"/>
+          </a:xfrm>
+          <a:prstGeom prst="rect">
+            <a:avLst/>
+          </a:prstGeom>
+        </p:spPr>
+      </p:pic>
+      <p:sp>
+        <p:nvSpPr>
+          <p:cNvPr id="12" name="Rectangle 11">
+            <a:extLst>
+              <a:ext uri="{FF2B5EF4-FFF2-40B4-BE49-F238E27FC236}">
+                <a16:creationId xmlns:a16="http://schemas.microsoft.com/office/drawing/2014/main" id="{7A04C07B-74F1-0F46-A32B-2B7BD6806EB1}"/>
+              </a:ext>
+            </a:extLst>
+          </p:cNvPr>
+          <p:cNvSpPr/>
+          <p:nvPr/>
+        </p:nvSpPr>
+        <p:spPr>
+          <a:xfrm>
+            <a:off x="434335" y="4825480"/>
+            <a:ext cx="11218136" cy="646331"/>
+          </a:xfrm>
+          <a:prstGeom prst="rect">
+            <a:avLst/>
+          </a:prstGeom>
+        </p:spPr>
+        <p:txBody>
+          <a:bodyPr wrap="none">
+            <a:spAutoFit/>
+          </a:bodyPr>
+          <a:lstStyle/>
+          <a:p>
+            <a:r>
+              <a:rPr lang="de-CH" dirty="0"/>
+              <a:t>In R </a:t>
+            </a:r>
+            <a:r>
+              <a:rPr lang="de-CH" dirty="0" err="1"/>
+              <a:t>the</a:t>
+            </a:r>
+            <a:r>
+              <a:rPr lang="de-CH" dirty="0"/>
+              <a:t> </a:t>
+            </a:r>
+            <a:r>
+              <a:rPr lang="de-CH" dirty="0" err="1"/>
+              <a:t>default</a:t>
+            </a:r>
+            <a:r>
+              <a:rPr lang="de-CH" dirty="0"/>
+              <a:t> </a:t>
+            </a:r>
+            <a:r>
+              <a:rPr lang="de-CH" dirty="0" err="1"/>
+              <a:t>vector</a:t>
+            </a:r>
+            <a:r>
+              <a:rPr lang="de-CH" dirty="0"/>
+              <a:t> </a:t>
+            </a:r>
+            <a:r>
+              <a:rPr lang="de-CH" dirty="0" err="1"/>
+              <a:t>is</a:t>
+            </a:r>
+            <a:r>
+              <a:rPr lang="de-CH" dirty="0"/>
+              <a:t> a </a:t>
+            </a:r>
+            <a:r>
+              <a:rPr lang="de-CH" dirty="0" err="1"/>
+              <a:t>row</a:t>
+            </a:r>
+            <a:r>
+              <a:rPr lang="de-CH" dirty="0"/>
+              <a:t> </a:t>
+            </a:r>
+            <a:r>
+              <a:rPr lang="de-CH" dirty="0" err="1"/>
+              <a:t>vector</a:t>
+            </a:r>
+            <a:r>
+              <a:rPr lang="de-CH" dirty="0"/>
+              <a:t>, so x=c(1,2,3) </a:t>
+            </a:r>
+            <a:r>
+              <a:rPr lang="de-CH" dirty="0" err="1"/>
+              <a:t>is</a:t>
+            </a:r>
+            <a:r>
+              <a:rPr lang="de-CH" dirty="0"/>
+              <a:t> a </a:t>
+            </a:r>
+            <a:r>
+              <a:rPr lang="de-CH" dirty="0" err="1"/>
+              <a:t>row</a:t>
+            </a:r>
+            <a:r>
+              <a:rPr lang="de-CH" dirty="0"/>
+              <a:t> </a:t>
+            </a:r>
+            <a:r>
+              <a:rPr lang="de-CH" dirty="0" err="1"/>
+              <a:t>vector</a:t>
+            </a:r>
+            <a:r>
+              <a:rPr lang="de-CH" dirty="0"/>
+              <a:t> </a:t>
+            </a:r>
+            <a:r>
+              <a:rPr lang="de-CH" dirty="0" err="1"/>
+              <a:t>and</a:t>
+            </a:r>
+            <a:r>
+              <a:rPr lang="de-CH" dirty="0"/>
+              <a:t> </a:t>
+            </a:r>
+            <a:r>
+              <a:rPr lang="de-CH" dirty="0" err="1"/>
+              <a:t>to</a:t>
+            </a:r>
+            <a:r>
+              <a:rPr lang="de-CH" dirty="0"/>
+              <a:t> </a:t>
+            </a:r>
+            <a:r>
+              <a:rPr lang="de-CH" dirty="0" err="1"/>
+              <a:t>get</a:t>
+            </a:r>
+            <a:r>
+              <a:rPr lang="de-CH" dirty="0"/>
+              <a:t> a </a:t>
+            </a:r>
+            <a:r>
+              <a:rPr lang="de-CH" dirty="0" err="1"/>
+              <a:t>column</a:t>
+            </a:r>
+            <a:r>
+              <a:rPr lang="de-CH" dirty="0"/>
+              <a:t> </a:t>
+            </a:r>
+            <a:r>
+              <a:rPr lang="de-CH" dirty="0" err="1"/>
+              <a:t>vector</a:t>
+            </a:r>
+            <a:r>
+              <a:rPr lang="de-CH" dirty="0"/>
+              <a:t> </a:t>
+            </a:r>
+            <a:r>
+              <a:rPr lang="de-CH" dirty="0" err="1"/>
+              <a:t>you</a:t>
+            </a:r>
+            <a:r>
+              <a:rPr lang="de-CH" dirty="0"/>
+              <a:t> </a:t>
+            </a:r>
+            <a:r>
+              <a:rPr lang="de-CH" dirty="0" err="1"/>
+              <a:t>need</a:t>
+            </a:r>
+            <a:r>
+              <a:rPr lang="de-CH" dirty="0"/>
+              <a:t> </a:t>
+            </a:r>
+            <a:r>
+              <a:rPr lang="de-CH" dirty="0" err="1"/>
+              <a:t>to</a:t>
+            </a:r>
+            <a:r>
+              <a:rPr lang="de-CH" dirty="0"/>
+              <a:t> </a:t>
+            </a:r>
+            <a:r>
+              <a:rPr lang="de-CH" dirty="0" err="1"/>
+              <a:t>transpose</a:t>
+            </a:r>
+            <a:r>
+              <a:rPr lang="de-CH" dirty="0"/>
+              <a:t>: </a:t>
+            </a:r>
+          </a:p>
+          <a:p>
+            <a:r>
+              <a:rPr lang="de-CH" dirty="0"/>
+              <a:t>t(c(1,2,3))</a:t>
+            </a:r>
             <a:endParaRPr lang="en-CH" dirty="0"/>
           </a:p>
-          <a:p>
-            <a:r>
-              <a:rPr lang="en-GB" dirty="0"/>
-              <a:t>H</a:t>
-            </a:r>
-            <a:r>
-              <a:rPr lang="en-CH" dirty="0"/>
-              <a:t>at</a:t>
-            </a:r>
-          </a:p>
-          <a:p>
-            <a:r>
-              <a:rPr lang="en-CH" dirty="0"/>
-              <a:t>MLE</a:t>
-            </a:r>
-          </a:p>
-          <a:p>
-            <a:r>
-              <a:rPr lang="en-GB" dirty="0"/>
-              <a:t>L</a:t>
-            </a:r>
-            <a:r>
-              <a:rPr lang="en-CH" dirty="0"/>
-              <a:t>og rules</a:t>
-            </a:r>
-          </a:p>
-          <a:p>
-            <a:r>
-              <a:rPr lang="en-GB" dirty="0"/>
-              <a:t>D</a:t>
-            </a:r>
-            <a:r>
-              <a:rPr lang="en-CH" dirty="0"/>
-              <a:t>ifferentiation rules</a:t>
-            </a:r>
-          </a:p>
-          <a:p>
+        </p:txBody>
+      </p:sp>
+      <p:pic>
+        <p:nvPicPr>
+          <p:cNvPr id="13" name="Picture 12">
+            <a:extLst>
+              <a:ext uri="{FF2B5EF4-FFF2-40B4-BE49-F238E27FC236}">
+                <a16:creationId xmlns:a16="http://schemas.microsoft.com/office/drawing/2014/main" id="{0A0940A0-E40B-FF49-9CDA-5015A261A15D}"/>
+              </a:ext>
+            </a:extLst>
+          </p:cNvPr>
+          <p:cNvPicPr>
+            <a:picLocks noChangeAspect="1"/>
+          </p:cNvPicPr>
+          <p:nvPr/>
+        </p:nvPicPr>
+        <p:blipFill>
+          <a:blip r:embed="rId5"/>
+          <a:stretch>
+            <a:fillRect/>
+          </a:stretch>
+        </p:blipFill>
+        <p:spPr>
+          <a:xfrm>
+            <a:off x="7924947" y="5914431"/>
+            <a:ext cx="1537312" cy="698778"/>
+          </a:xfrm>
+          <a:prstGeom prst="rect">
+            <a:avLst/>
+          </a:prstGeom>
+        </p:spPr>
+      </p:pic>
+      <p:sp>
+        <p:nvSpPr>
+          <p:cNvPr id="14" name="Rectangle 13">
+            <a:extLst>
+              <a:ext uri="{FF2B5EF4-FFF2-40B4-BE49-F238E27FC236}">
+                <a16:creationId xmlns:a16="http://schemas.microsoft.com/office/drawing/2014/main" id="{A2D1AE72-ABB8-2B43-B007-02FC5F71DB32}"/>
+              </a:ext>
+            </a:extLst>
+          </p:cNvPr>
+          <p:cNvSpPr/>
+          <p:nvPr/>
+        </p:nvSpPr>
+        <p:spPr>
+          <a:xfrm>
+            <a:off x="9676718" y="5772251"/>
+            <a:ext cx="2018933" cy="923330"/>
+          </a:xfrm>
+          <a:prstGeom prst="rect">
+            <a:avLst/>
+          </a:prstGeom>
+        </p:spPr>
+        <p:txBody>
+          <a:bodyPr wrap="square">
+            <a:spAutoFit/>
+          </a:bodyPr>
+          <a:lstStyle/>
+          <a:p>
+            <a:r>
+              <a:rPr lang="de-CH" dirty="0"/>
+              <a:t>A </a:t>
+            </a:r>
+            <a:r>
+              <a:rPr lang="de-CH" dirty="0" err="1"/>
+              <a:t>matrix</a:t>
+            </a:r>
+            <a:r>
+              <a:rPr lang="de-CH" dirty="0"/>
+              <a:t> </a:t>
+            </a:r>
+            <a:r>
+              <a:rPr lang="de-CH" dirty="0" err="1"/>
+              <a:t>of</a:t>
+            </a:r>
+            <a:r>
+              <a:rPr lang="de-CH" dirty="0"/>
+              <a:t> </a:t>
+            </a:r>
+            <a:r>
+              <a:rPr lang="de-CH" dirty="0" err="1"/>
+              <a:t>size</a:t>
+            </a:r>
+            <a:r>
+              <a:rPr lang="de-CH" dirty="0"/>
+              <a:t> 2x3 (</a:t>
+            </a:r>
+            <a:r>
+              <a:rPr lang="de-CH" dirty="0" err="1"/>
+              <a:t>always</a:t>
+            </a:r>
+            <a:r>
+              <a:rPr lang="de-CH" dirty="0"/>
+              <a:t> </a:t>
+            </a:r>
+            <a:r>
+              <a:rPr lang="de-CH" dirty="0" err="1"/>
+              <a:t>say</a:t>
+            </a:r>
+            <a:r>
+              <a:rPr lang="de-CH" dirty="0"/>
+              <a:t> </a:t>
+            </a:r>
+            <a:r>
+              <a:rPr lang="de-CH" dirty="0" err="1"/>
+              <a:t>row</a:t>
+            </a:r>
+            <a:r>
+              <a:rPr lang="de-CH" dirty="0"/>
+              <a:t> </a:t>
+            </a:r>
+            <a:r>
+              <a:rPr lang="de-CH" dirty="0" err="1"/>
+              <a:t>number</a:t>
+            </a:r>
+            <a:r>
+              <a:rPr lang="de-CH" dirty="0"/>
+              <a:t> </a:t>
+            </a:r>
+            <a:r>
+              <a:rPr lang="de-CH" dirty="0" err="1"/>
+              <a:t>first</a:t>
+            </a:r>
+            <a:r>
+              <a:rPr lang="de-CH" dirty="0"/>
+              <a:t>)</a:t>
+            </a:r>
             <a:endParaRPr lang="en-CH" dirty="0"/>
           </a:p>
-          <a:p>
-            <a:r>
-              <a:rPr lang="en-GB" dirty="0"/>
-              <a:t>R</a:t>
-            </a:r>
-            <a:r>
-              <a:rPr lang="en-CH" dirty="0"/>
-              <a:t>egression</a:t>
-            </a:r>
-          </a:p>
-          <a:p>
-            <a:r>
-              <a:rPr lang="en-GB" dirty="0"/>
-              <a:t>R</a:t>
-            </a:r>
-            <a:r>
-              <a:rPr lang="en-CH" dirty="0"/>
-              <a:t>esiduals</a:t>
-            </a:r>
-          </a:p>
-          <a:p>
-            <a:r>
-              <a:rPr lang="en-CH" dirty="0"/>
-              <a:t> phat    </a:t>
-            </a:r>
-            <a:r>
-              <a:rPr lang="en-GB" dirty="0"/>
-              <a:t>We put a hat over the letter to remind us that this is not (necessarily) the underlying true value, but an estimate we make from the data</a:t>
-            </a:r>
-            <a:endParaRPr lang="en-CH" dirty="0"/>
-          </a:p>
-          <a:p>
-            <a:r>
-              <a:rPr lang="en-CH" dirty="0"/>
-              <a:t>overline</a:t>
-            </a:r>
-          </a:p>
-          <a:p>
-            <a:endParaRPr lang="en-CH" dirty="0"/>
-          </a:p>
-          <a:p>
-            <a:r>
-              <a:rPr lang="en-GB" dirty="0"/>
-              <a:t>M</a:t>
-            </a:r>
-            <a:r>
-              <a:rPr lang="en-CH" dirty="0"/>
-              <a:t>atrix multiplication</a:t>
+        </p:txBody>
+      </p:sp>
+      <p:sp>
+        <p:nvSpPr>
+          <p:cNvPr id="15" name="TextBox 14">
+            <a:extLst>
+              <a:ext uri="{FF2B5EF4-FFF2-40B4-BE49-F238E27FC236}">
+                <a16:creationId xmlns:a16="http://schemas.microsoft.com/office/drawing/2014/main" id="{DE6138F2-9C37-234B-8ED7-84037835F9EF}"/>
+              </a:ext>
+            </a:extLst>
+          </p:cNvPr>
+          <p:cNvSpPr txBox="1"/>
+          <p:nvPr/>
+        </p:nvSpPr>
+        <p:spPr>
+          <a:xfrm>
+            <a:off x="434335" y="276447"/>
+            <a:ext cx="3298532" cy="523220"/>
+          </a:xfrm>
+          <a:prstGeom prst="rect">
+            <a:avLst/>
+          </a:prstGeom>
+          <a:noFill/>
+        </p:spPr>
+        <p:txBody>
+          <a:bodyPr wrap="none" rtlCol="0">
+            <a:spAutoFit/>
+          </a:bodyPr>
+          <a:lstStyle/>
+          <a:p>
+            <a:r>
+              <a:rPr lang="en-CH" sz="2800" b="1" dirty="0"/>
+              <a:t>Vectors and matrices</a:t>
             </a:r>
           </a:p>
         </p:txBody>
@@ -4226,7 +4759,7 @@
     </p:spTree>
     <p:extLst>
       <p:ext uri="{BB962C8B-B14F-4D97-AF65-F5344CB8AC3E}">
-        <p14:creationId xmlns:p14="http://schemas.microsoft.com/office/powerpoint/2010/main" val="508457898"/>
+        <p14:creationId xmlns:p14="http://schemas.microsoft.com/office/powerpoint/2010/main" val="1387637008"/>
       </p:ext>
     </p:extLst>
   </p:cSld>
@@ -4236,7 +4769,7 @@
 </p:sld>
 </file>
 
-<file path=ppt/slides/slide3.xml><?xml version="1.0" encoding="utf-8"?>
+<file path=ppt/slides/slide13.xml><?xml version="1.0" encoding="utf-8"?>
 <p:sld xmlns:a="http://schemas.openxmlformats.org/drawingml/2006/main" xmlns:r="http://schemas.openxmlformats.org/officeDocument/2006/relationships" xmlns:p="http://schemas.openxmlformats.org/presentationml/2006/main">
   <p:cSld>
     <p:spTree>
@@ -4685,7 +5218,7 @@
 </p:sld>
 </file>
 
-<file path=ppt/slides/slide4.xml><?xml version="1.0" encoding="utf-8"?>
+<file path=ppt/slides/slide14.xml><?xml version="1.0" encoding="utf-8"?>
 <p:sld xmlns:a="http://schemas.openxmlformats.org/drawingml/2006/main" xmlns:r="http://schemas.openxmlformats.org/officeDocument/2006/relationships" xmlns:p="http://schemas.openxmlformats.org/presentationml/2006/main">
   <p:cSld>
     <p:spTree>
@@ -4766,6 +5299,1361 @@
     <p:extLst>
       <p:ext uri="{BB962C8B-B14F-4D97-AF65-F5344CB8AC3E}">
         <p14:creationId xmlns:p14="http://schemas.microsoft.com/office/powerpoint/2010/main" val="3322812182"/>
+      </p:ext>
+    </p:extLst>
+  </p:cSld>
+  <p:clrMapOvr>
+    <a:masterClrMapping/>
+  </p:clrMapOvr>
+</p:sld>
+</file>
+
+<file path=ppt/slides/slide15.xml><?xml version="1.0" encoding="utf-8"?>
+<p:sld xmlns:a="http://schemas.openxmlformats.org/drawingml/2006/main" xmlns:r="http://schemas.openxmlformats.org/officeDocument/2006/relationships" xmlns:p="http://schemas.openxmlformats.org/presentationml/2006/main">
+  <p:cSld>
+    <p:spTree>
+      <p:nvGrpSpPr>
+        <p:cNvPr id="1" name=""/>
+        <p:cNvGrpSpPr/>
+        <p:nvPr/>
+      </p:nvGrpSpPr>
+      <p:grpSpPr>
+        <a:xfrm>
+          <a:off x="0" y="0"/>
+          <a:ext cx="0" cy="0"/>
+          <a:chOff x="0" y="0"/>
+          <a:chExt cx="0" cy="0"/>
+        </a:xfrm>
+      </p:grpSpPr>
+      <p:pic>
+        <p:nvPicPr>
+          <p:cNvPr id="3" name="Picture 2">
+            <a:extLst>
+              <a:ext uri="{FF2B5EF4-FFF2-40B4-BE49-F238E27FC236}">
+                <a16:creationId xmlns:a16="http://schemas.microsoft.com/office/drawing/2014/main" id="{6DCAB62B-6B99-AB4D-99A7-BC250CBFEB26}"/>
+              </a:ext>
+            </a:extLst>
+          </p:cNvPr>
+          <p:cNvPicPr>
+            <a:picLocks noChangeAspect="1"/>
+          </p:cNvPicPr>
+          <p:nvPr/>
+        </p:nvPicPr>
+        <p:blipFill>
+          <a:blip r:embed="rId2"/>
+          <a:stretch>
+            <a:fillRect/>
+          </a:stretch>
+        </p:blipFill>
+        <p:spPr>
+          <a:xfrm>
+            <a:off x="142874" y="1084262"/>
+            <a:ext cx="4171951" cy="5736432"/>
+          </a:xfrm>
+          <a:prstGeom prst="rect">
+            <a:avLst/>
+          </a:prstGeom>
+        </p:spPr>
+      </p:pic>
+      <p:pic>
+        <p:nvPicPr>
+          <p:cNvPr id="4" name="Picture 3">
+            <a:extLst>
+              <a:ext uri="{FF2B5EF4-FFF2-40B4-BE49-F238E27FC236}">
+                <a16:creationId xmlns:a16="http://schemas.microsoft.com/office/drawing/2014/main" id="{903A4EFF-7861-1046-B4A4-B529A141E5D9}"/>
+              </a:ext>
+            </a:extLst>
+          </p:cNvPr>
+          <p:cNvPicPr>
+            <a:picLocks noChangeAspect="1"/>
+          </p:cNvPicPr>
+          <p:nvPr/>
+        </p:nvPicPr>
+        <p:blipFill>
+          <a:blip r:embed="rId3"/>
+          <a:stretch>
+            <a:fillRect/>
+          </a:stretch>
+        </p:blipFill>
+        <p:spPr>
+          <a:xfrm>
+            <a:off x="4314825" y="1243012"/>
+            <a:ext cx="2365645" cy="1064540"/>
+          </a:xfrm>
+          <a:prstGeom prst="rect">
+            <a:avLst/>
+          </a:prstGeom>
+        </p:spPr>
+      </p:pic>
+      <p:pic>
+        <p:nvPicPr>
+          <p:cNvPr id="5" name="Picture 4">
+            <a:extLst>
+              <a:ext uri="{FF2B5EF4-FFF2-40B4-BE49-F238E27FC236}">
+                <a16:creationId xmlns:a16="http://schemas.microsoft.com/office/drawing/2014/main" id="{9B8B13D4-887C-FB40-9A6B-339E8B6A5789}"/>
+              </a:ext>
+            </a:extLst>
+          </p:cNvPr>
+          <p:cNvPicPr>
+            <a:picLocks noChangeAspect="1"/>
+          </p:cNvPicPr>
+          <p:nvPr/>
+        </p:nvPicPr>
+        <p:blipFill>
+          <a:blip r:embed="rId4"/>
+          <a:stretch>
+            <a:fillRect/>
+          </a:stretch>
+        </p:blipFill>
+        <p:spPr>
+          <a:xfrm>
+            <a:off x="4419736" y="2767657"/>
+            <a:ext cx="1993901" cy="608309"/>
+          </a:xfrm>
+          <a:prstGeom prst="rect">
+            <a:avLst/>
+          </a:prstGeom>
+        </p:spPr>
+      </p:pic>
+      <p:sp>
+        <p:nvSpPr>
+          <p:cNvPr id="6" name="TextBox 5">
+            <a:extLst>
+              <a:ext uri="{FF2B5EF4-FFF2-40B4-BE49-F238E27FC236}">
+                <a16:creationId xmlns:a16="http://schemas.microsoft.com/office/drawing/2014/main" id="{6449DC27-BB1C-FC4B-A254-60D486D9134B}"/>
+              </a:ext>
+            </a:extLst>
+          </p:cNvPr>
+          <p:cNvSpPr txBox="1"/>
+          <p:nvPr/>
+        </p:nvSpPr>
+        <p:spPr>
+          <a:xfrm>
+            <a:off x="8280224" y="6543695"/>
+            <a:ext cx="3911776" cy="276999"/>
+          </a:xfrm>
+          <a:prstGeom prst="rect">
+            <a:avLst/>
+          </a:prstGeom>
+          <a:noFill/>
+        </p:spPr>
+        <p:txBody>
+          <a:bodyPr wrap="none" rtlCol="0">
+            <a:spAutoFit/>
+          </a:bodyPr>
+          <a:lstStyle/>
+          <a:p>
+            <a:r>
+              <a:rPr lang="en-GB" sz="1200" dirty="0"/>
+              <a:t>https://</a:t>
+            </a:r>
+            <a:r>
+              <a:rPr lang="en-GB" sz="1200" dirty="0" err="1"/>
+              <a:t>www.onlinemathlearning.com</a:t>
+            </a:r>
+            <a:r>
+              <a:rPr lang="en-GB" sz="1200" dirty="0"/>
+              <a:t>/derivative-</a:t>
+            </a:r>
+            <a:r>
+              <a:rPr lang="en-GB" sz="1200" dirty="0" err="1"/>
+              <a:t>rules.html</a:t>
+            </a:r>
+            <a:endParaRPr lang="en-CH" sz="1200" dirty="0"/>
+          </a:p>
+        </p:txBody>
+      </p:sp>
+    </p:spTree>
+    <p:extLst>
+      <p:ext uri="{BB962C8B-B14F-4D97-AF65-F5344CB8AC3E}">
+        <p14:creationId xmlns:p14="http://schemas.microsoft.com/office/powerpoint/2010/main" val="153573501"/>
+      </p:ext>
+    </p:extLst>
+  </p:cSld>
+  <p:clrMapOvr>
+    <a:masterClrMapping/>
+  </p:clrMapOvr>
+</p:sld>
+</file>
+
+<file path=ppt/slides/slide16.xml><?xml version="1.0" encoding="utf-8"?>
+<p:sld xmlns:a="http://schemas.openxmlformats.org/drawingml/2006/main" xmlns:r="http://schemas.openxmlformats.org/officeDocument/2006/relationships" xmlns:p="http://schemas.openxmlformats.org/presentationml/2006/main">
+  <p:cSld>
+    <p:spTree>
+      <p:nvGrpSpPr>
+        <p:cNvPr id="1" name=""/>
+        <p:cNvGrpSpPr/>
+        <p:nvPr/>
+      </p:nvGrpSpPr>
+      <p:grpSpPr>
+        <a:xfrm>
+          <a:off x="0" y="0"/>
+          <a:ext cx="0" cy="0"/>
+          <a:chOff x="0" y="0"/>
+          <a:chExt cx="0" cy="0"/>
+        </a:xfrm>
+      </p:grpSpPr>
+      <p:pic>
+        <p:nvPicPr>
+          <p:cNvPr id="4" name="Picture 3">
+            <a:extLst>
+              <a:ext uri="{FF2B5EF4-FFF2-40B4-BE49-F238E27FC236}">
+                <a16:creationId xmlns:a16="http://schemas.microsoft.com/office/drawing/2014/main" id="{5AEFBD1C-2E37-604C-A66C-C33713025C9C}"/>
+              </a:ext>
+            </a:extLst>
+          </p:cNvPr>
+          <p:cNvPicPr>
+            <a:picLocks noChangeAspect="1"/>
+          </p:cNvPicPr>
+          <p:nvPr/>
+        </p:nvPicPr>
+        <p:blipFill>
+          <a:blip r:embed="rId2"/>
+          <a:stretch>
+            <a:fillRect/>
+          </a:stretch>
+        </p:blipFill>
+        <p:spPr>
+          <a:xfrm>
+            <a:off x="2538888" y="928377"/>
+            <a:ext cx="6827534" cy="4458601"/>
+          </a:xfrm>
+          <a:prstGeom prst="rect">
+            <a:avLst/>
+          </a:prstGeom>
+        </p:spPr>
+      </p:pic>
+      <p:sp>
+        <p:nvSpPr>
+          <p:cNvPr id="9" name="TextBox 8">
+            <a:extLst>
+              <a:ext uri="{FF2B5EF4-FFF2-40B4-BE49-F238E27FC236}">
+                <a16:creationId xmlns:a16="http://schemas.microsoft.com/office/drawing/2014/main" id="{606741E3-A0B4-7A43-9871-C658108E4F04}"/>
+              </a:ext>
+            </a:extLst>
+          </p:cNvPr>
+          <p:cNvSpPr txBox="1"/>
+          <p:nvPr/>
+        </p:nvSpPr>
+        <p:spPr>
+          <a:xfrm>
+            <a:off x="827903" y="345989"/>
+            <a:ext cx="7176580" cy="369332"/>
+          </a:xfrm>
+          <a:prstGeom prst="rect">
+            <a:avLst/>
+          </a:prstGeom>
+          <a:noFill/>
+        </p:spPr>
+        <p:txBody>
+          <a:bodyPr wrap="none" rtlCol="0">
+            <a:spAutoFit/>
+          </a:bodyPr>
+          <a:lstStyle/>
+          <a:p>
+            <a:r>
+              <a:rPr lang="en-CH" b="1" dirty="0"/>
+              <a:t>Proof that the mean of the Poisson distribution maximises the likelihood:</a:t>
+            </a:r>
+          </a:p>
+        </p:txBody>
+      </p:sp>
+      <p:sp>
+        <p:nvSpPr>
+          <p:cNvPr id="10" name="TextBox 9">
+            <a:extLst>
+              <a:ext uri="{FF2B5EF4-FFF2-40B4-BE49-F238E27FC236}">
+                <a16:creationId xmlns:a16="http://schemas.microsoft.com/office/drawing/2014/main" id="{D921AA62-A811-0F47-922A-0A6292E0C9AE}"/>
+              </a:ext>
+            </a:extLst>
+          </p:cNvPr>
+          <p:cNvSpPr txBox="1"/>
+          <p:nvPr/>
+        </p:nvSpPr>
+        <p:spPr>
+          <a:xfrm>
+            <a:off x="3954162" y="6153665"/>
+            <a:ext cx="5159682" cy="369332"/>
+          </a:xfrm>
+          <a:prstGeom prst="rect">
+            <a:avLst/>
+          </a:prstGeom>
+          <a:noFill/>
+        </p:spPr>
+        <p:txBody>
+          <a:bodyPr wrap="none" rtlCol="0">
+            <a:spAutoFit/>
+          </a:bodyPr>
+          <a:lstStyle/>
+          <a:p>
+            <a:r>
+              <a:rPr lang="en-GB" dirty="0"/>
+              <a:t>…. A</a:t>
+            </a:r>
+            <a:r>
+              <a:rPr lang="en-CH" dirty="0"/>
+              <a:t> more detailed working out is on the next slide….</a:t>
+            </a:r>
+          </a:p>
+        </p:txBody>
+      </p:sp>
+    </p:spTree>
+    <p:extLst>
+      <p:ext uri="{BB962C8B-B14F-4D97-AF65-F5344CB8AC3E}">
+        <p14:creationId xmlns:p14="http://schemas.microsoft.com/office/powerpoint/2010/main" val="3922666418"/>
+      </p:ext>
+    </p:extLst>
+  </p:cSld>
+  <p:clrMapOvr>
+    <a:masterClrMapping/>
+  </p:clrMapOvr>
+</p:sld>
+</file>
+
+<file path=ppt/slides/slide17.xml><?xml version="1.0" encoding="utf-8"?>
+<p:sld xmlns:a="http://schemas.openxmlformats.org/drawingml/2006/main" xmlns:r="http://schemas.openxmlformats.org/officeDocument/2006/relationships" xmlns:p="http://schemas.openxmlformats.org/presentationml/2006/main">
+  <p:cSld>
+    <p:spTree>
+      <p:nvGrpSpPr>
+        <p:cNvPr id="1" name=""/>
+        <p:cNvGrpSpPr/>
+        <p:nvPr/>
+      </p:nvGrpSpPr>
+      <p:grpSpPr>
+        <a:xfrm>
+          <a:off x="0" y="0"/>
+          <a:ext cx="0" cy="0"/>
+          <a:chOff x="0" y="0"/>
+          <a:chExt cx="0" cy="0"/>
+        </a:xfrm>
+      </p:grpSpPr>
+      <p:sp>
+        <p:nvSpPr>
+          <p:cNvPr id="9" name="TextBox 8">
+            <a:extLst>
+              <a:ext uri="{FF2B5EF4-FFF2-40B4-BE49-F238E27FC236}">
+                <a16:creationId xmlns:a16="http://schemas.microsoft.com/office/drawing/2014/main" id="{606741E3-A0B4-7A43-9871-C658108E4F04}"/>
+              </a:ext>
+            </a:extLst>
+          </p:cNvPr>
+          <p:cNvSpPr txBox="1"/>
+          <p:nvPr/>
+        </p:nvSpPr>
+        <p:spPr>
+          <a:xfrm>
+            <a:off x="827903" y="345989"/>
+            <a:ext cx="7176580" cy="369332"/>
+          </a:xfrm>
+          <a:prstGeom prst="rect">
+            <a:avLst/>
+          </a:prstGeom>
+          <a:noFill/>
+        </p:spPr>
+        <p:txBody>
+          <a:bodyPr wrap="none" rtlCol="0">
+            <a:spAutoFit/>
+          </a:bodyPr>
+          <a:lstStyle/>
+          <a:p>
+            <a:r>
+              <a:rPr lang="en-CH" b="1" dirty="0"/>
+              <a:t>Proof that the mean of the Poisson distribution maximises the likelihood:</a:t>
+            </a:r>
+          </a:p>
+        </p:txBody>
+      </p:sp>
+      <p:pic>
+        <p:nvPicPr>
+          <p:cNvPr id="14" name="Picture 13">
+            <a:extLst>
+              <a:ext uri="{FF2B5EF4-FFF2-40B4-BE49-F238E27FC236}">
+                <a16:creationId xmlns:a16="http://schemas.microsoft.com/office/drawing/2014/main" id="{E29A71AF-207C-8247-82EB-1780E86A3D7E}"/>
+              </a:ext>
+            </a:extLst>
+          </p:cNvPr>
+          <p:cNvPicPr>
+            <a:picLocks noChangeAspect="1"/>
+          </p:cNvPicPr>
+          <p:nvPr/>
+        </p:nvPicPr>
+        <p:blipFill>
+          <a:blip r:embed="rId2"/>
+          <a:stretch>
+            <a:fillRect/>
+          </a:stretch>
+        </p:blipFill>
+        <p:spPr>
+          <a:xfrm>
+            <a:off x="827903" y="895865"/>
+            <a:ext cx="4901257" cy="5962135"/>
+          </a:xfrm>
+          <a:prstGeom prst="rect">
+            <a:avLst/>
+          </a:prstGeom>
+        </p:spPr>
+      </p:pic>
+      <p:pic>
+        <p:nvPicPr>
+          <p:cNvPr id="15" name="Picture 14">
+            <a:extLst>
+              <a:ext uri="{FF2B5EF4-FFF2-40B4-BE49-F238E27FC236}">
+                <a16:creationId xmlns:a16="http://schemas.microsoft.com/office/drawing/2014/main" id="{15B0F811-4B40-0441-88E8-7CB6D4AA895B}"/>
+              </a:ext>
+            </a:extLst>
+          </p:cNvPr>
+          <p:cNvPicPr>
+            <a:picLocks noChangeAspect="1"/>
+          </p:cNvPicPr>
+          <p:nvPr/>
+        </p:nvPicPr>
+        <p:blipFill>
+          <a:blip r:embed="rId3"/>
+          <a:stretch>
+            <a:fillRect/>
+          </a:stretch>
+        </p:blipFill>
+        <p:spPr>
+          <a:xfrm>
+            <a:off x="6575600" y="895865"/>
+            <a:ext cx="4924167" cy="4924167"/>
+          </a:xfrm>
+          <a:prstGeom prst="rect">
+            <a:avLst/>
+          </a:prstGeom>
+        </p:spPr>
+      </p:pic>
+    </p:spTree>
+    <p:extLst>
+      <p:ext uri="{BB962C8B-B14F-4D97-AF65-F5344CB8AC3E}">
+        <p14:creationId xmlns:p14="http://schemas.microsoft.com/office/powerpoint/2010/main" val="1134133447"/>
+      </p:ext>
+    </p:extLst>
+  </p:cSld>
+  <p:clrMapOvr>
+    <a:masterClrMapping/>
+  </p:clrMapOvr>
+</p:sld>
+</file>
+
+<file path=ppt/slides/slide18.xml><?xml version="1.0" encoding="utf-8"?>
+<p:sld xmlns:a="http://schemas.openxmlformats.org/drawingml/2006/main" xmlns:r="http://schemas.openxmlformats.org/officeDocument/2006/relationships" xmlns:p="http://schemas.openxmlformats.org/presentationml/2006/main">
+  <p:cSld>
+    <p:spTree>
+      <p:nvGrpSpPr>
+        <p:cNvPr id="1" name=""/>
+        <p:cNvGrpSpPr/>
+        <p:nvPr/>
+      </p:nvGrpSpPr>
+      <p:grpSpPr>
+        <a:xfrm>
+          <a:off x="0" y="0"/>
+          <a:ext cx="0" cy="0"/>
+          <a:chOff x="0" y="0"/>
+          <a:chExt cx="0" cy="0"/>
+        </a:xfrm>
+      </p:grpSpPr>
+      <p:sp>
+        <p:nvSpPr>
+          <p:cNvPr id="4" name="TextBox 3">
+            <a:extLst>
+              <a:ext uri="{FF2B5EF4-FFF2-40B4-BE49-F238E27FC236}">
+                <a16:creationId xmlns:a16="http://schemas.microsoft.com/office/drawing/2014/main" id="{3FD9908E-4E6B-AF4F-98B4-02B686F412D8}"/>
+              </a:ext>
+            </a:extLst>
+          </p:cNvPr>
+          <p:cNvSpPr txBox="1"/>
+          <p:nvPr/>
+        </p:nvSpPr>
+        <p:spPr>
+          <a:xfrm>
+            <a:off x="228600" y="503896"/>
+            <a:ext cx="5185522" cy="461665"/>
+          </a:xfrm>
+          <a:prstGeom prst="rect">
+            <a:avLst/>
+          </a:prstGeom>
+          <a:noFill/>
+        </p:spPr>
+        <p:txBody>
+          <a:bodyPr wrap="none" rtlCol="0">
+            <a:spAutoFit/>
+          </a:bodyPr>
+          <a:lstStyle/>
+          <a:p>
+            <a:r>
+              <a:rPr lang="en-GB" sz="2400" b="1" dirty="0"/>
+              <a:t>Likelihood for the binomial distribution</a:t>
+            </a:r>
+          </a:p>
+        </p:txBody>
+      </p:sp>
+      <p:pic>
+        <p:nvPicPr>
+          <p:cNvPr id="5" name="Picture 4">
+            <a:extLst>
+              <a:ext uri="{FF2B5EF4-FFF2-40B4-BE49-F238E27FC236}">
+                <a16:creationId xmlns:a16="http://schemas.microsoft.com/office/drawing/2014/main" id="{D49DC3DA-D876-CD47-9D1C-FEFD3010B10D}"/>
+              </a:ext>
+            </a:extLst>
+          </p:cNvPr>
+          <p:cNvPicPr>
+            <a:picLocks noChangeAspect="1"/>
+          </p:cNvPicPr>
+          <p:nvPr/>
+        </p:nvPicPr>
+        <p:blipFill rotWithShape="1">
+          <a:blip r:embed="rId2"/>
+          <a:srcRect b="6923"/>
+          <a:stretch/>
+        </p:blipFill>
+        <p:spPr>
+          <a:xfrm>
+            <a:off x="228600" y="1337139"/>
+            <a:ext cx="5575991" cy="2977686"/>
+          </a:xfrm>
+          <a:prstGeom prst="rect">
+            <a:avLst/>
+          </a:prstGeom>
+        </p:spPr>
+      </p:pic>
+      <p:pic>
+        <p:nvPicPr>
+          <p:cNvPr id="8" name="Picture 7">
+            <a:extLst>
+              <a:ext uri="{FF2B5EF4-FFF2-40B4-BE49-F238E27FC236}">
+                <a16:creationId xmlns:a16="http://schemas.microsoft.com/office/drawing/2014/main" id="{6AF61FBF-9221-5741-ACBA-AF0C71159486}"/>
+              </a:ext>
+            </a:extLst>
+          </p:cNvPr>
+          <p:cNvPicPr>
+            <a:picLocks noChangeAspect="1"/>
+          </p:cNvPicPr>
+          <p:nvPr/>
+        </p:nvPicPr>
+        <p:blipFill>
+          <a:blip r:embed="rId3"/>
+          <a:stretch>
+            <a:fillRect/>
+          </a:stretch>
+        </p:blipFill>
+        <p:spPr>
+          <a:xfrm>
+            <a:off x="5918200" y="1225550"/>
+            <a:ext cx="6273800" cy="4406900"/>
+          </a:xfrm>
+          <a:prstGeom prst="rect">
+            <a:avLst/>
+          </a:prstGeom>
+        </p:spPr>
+      </p:pic>
+    </p:spTree>
+    <p:extLst>
+      <p:ext uri="{BB962C8B-B14F-4D97-AF65-F5344CB8AC3E}">
+        <p14:creationId xmlns:p14="http://schemas.microsoft.com/office/powerpoint/2010/main" val="1208430400"/>
+      </p:ext>
+    </p:extLst>
+  </p:cSld>
+  <p:clrMapOvr>
+    <a:masterClrMapping/>
+  </p:clrMapOvr>
+</p:sld>
+</file>
+
+<file path=ppt/slides/slide19.xml><?xml version="1.0" encoding="utf-8"?>
+<p:sld xmlns:a="http://schemas.openxmlformats.org/drawingml/2006/main" xmlns:r="http://schemas.openxmlformats.org/officeDocument/2006/relationships" xmlns:p="http://schemas.openxmlformats.org/presentationml/2006/main">
+  <p:cSld>
+    <p:spTree>
+      <p:nvGrpSpPr>
+        <p:cNvPr id="1" name=""/>
+        <p:cNvGrpSpPr/>
+        <p:nvPr/>
+      </p:nvGrpSpPr>
+      <p:grpSpPr>
+        <a:xfrm>
+          <a:off x="0" y="0"/>
+          <a:ext cx="0" cy="0"/>
+          <a:chOff x="0" y="0"/>
+          <a:chExt cx="0" cy="0"/>
+        </a:xfrm>
+      </p:grpSpPr>
+      <p:pic>
+        <p:nvPicPr>
+          <p:cNvPr id="2" name="Picture 1">
+            <a:extLst>
+              <a:ext uri="{FF2B5EF4-FFF2-40B4-BE49-F238E27FC236}">
+                <a16:creationId xmlns:a16="http://schemas.microsoft.com/office/drawing/2014/main" id="{55C319F2-034C-7547-BFCA-01E1E053B63B}"/>
+              </a:ext>
+            </a:extLst>
+          </p:cNvPr>
+          <p:cNvPicPr>
+            <a:picLocks noChangeAspect="1"/>
+          </p:cNvPicPr>
+          <p:nvPr/>
+        </p:nvPicPr>
+        <p:blipFill>
+          <a:blip r:embed="rId2"/>
+          <a:stretch>
+            <a:fillRect/>
+          </a:stretch>
+        </p:blipFill>
+        <p:spPr>
+          <a:xfrm>
+            <a:off x="548296" y="0"/>
+            <a:ext cx="4951783" cy="6858000"/>
+          </a:xfrm>
+          <a:prstGeom prst="rect">
+            <a:avLst/>
+          </a:prstGeom>
+        </p:spPr>
+      </p:pic>
+      <p:pic>
+        <p:nvPicPr>
+          <p:cNvPr id="3" name="Picture 2">
+            <a:extLst>
+              <a:ext uri="{FF2B5EF4-FFF2-40B4-BE49-F238E27FC236}">
+                <a16:creationId xmlns:a16="http://schemas.microsoft.com/office/drawing/2014/main" id="{FF8B0A11-690A-8A4A-BA11-C35C18C1B2BC}"/>
+              </a:ext>
+            </a:extLst>
+          </p:cNvPr>
+          <p:cNvPicPr>
+            <a:picLocks noChangeAspect="1"/>
+          </p:cNvPicPr>
+          <p:nvPr/>
+        </p:nvPicPr>
+        <p:blipFill>
+          <a:blip r:embed="rId3"/>
+          <a:stretch>
+            <a:fillRect/>
+          </a:stretch>
+        </p:blipFill>
+        <p:spPr>
+          <a:xfrm>
+            <a:off x="6972300" y="122608"/>
+            <a:ext cx="4576764" cy="6735392"/>
+          </a:xfrm>
+          <a:prstGeom prst="rect">
+            <a:avLst/>
+          </a:prstGeom>
+        </p:spPr>
+      </p:pic>
+    </p:spTree>
+    <p:extLst>
+      <p:ext uri="{BB962C8B-B14F-4D97-AF65-F5344CB8AC3E}">
+        <p14:creationId xmlns:p14="http://schemas.microsoft.com/office/powerpoint/2010/main" val="3586656119"/>
+      </p:ext>
+    </p:extLst>
+  </p:cSld>
+  <p:clrMapOvr>
+    <a:masterClrMapping/>
+  </p:clrMapOvr>
+</p:sld>
+</file>
+
+<file path=ppt/slides/slide2.xml><?xml version="1.0" encoding="utf-8"?>
+<p:sld xmlns:a="http://schemas.openxmlformats.org/drawingml/2006/main" xmlns:r="http://schemas.openxmlformats.org/officeDocument/2006/relationships" xmlns:p="http://schemas.openxmlformats.org/presentationml/2006/main">
+  <p:cSld>
+    <p:spTree>
+      <p:nvGrpSpPr>
+        <p:cNvPr id="1" name=""/>
+        <p:cNvGrpSpPr/>
+        <p:nvPr/>
+      </p:nvGrpSpPr>
+      <p:grpSpPr>
+        <a:xfrm>
+          <a:off x="0" y="0"/>
+          <a:ext cx="0" cy="0"/>
+          <a:chOff x="0" y="0"/>
+          <a:chExt cx="0" cy="0"/>
+        </a:xfrm>
+      </p:grpSpPr>
+      <p:pic>
+        <p:nvPicPr>
+          <p:cNvPr id="4" name="Picture 3">
+            <a:extLst>
+              <a:ext uri="{FF2B5EF4-FFF2-40B4-BE49-F238E27FC236}">
+                <a16:creationId xmlns:a16="http://schemas.microsoft.com/office/drawing/2014/main" id="{0F52DE63-6401-A040-88A2-4477261E4878}"/>
+              </a:ext>
+            </a:extLst>
+          </p:cNvPr>
+          <p:cNvPicPr>
+            <a:picLocks noChangeAspect="1"/>
+          </p:cNvPicPr>
+          <p:nvPr/>
+        </p:nvPicPr>
+        <p:blipFill>
+          <a:blip r:embed="rId2"/>
+          <a:stretch>
+            <a:fillRect/>
+          </a:stretch>
+        </p:blipFill>
+        <p:spPr>
+          <a:xfrm>
+            <a:off x="1503334" y="0"/>
+            <a:ext cx="9185332" cy="6858000"/>
+          </a:xfrm>
+          <a:prstGeom prst="rect">
+            <a:avLst/>
+          </a:prstGeom>
+        </p:spPr>
+      </p:pic>
+      <p:sp>
+        <p:nvSpPr>
+          <p:cNvPr id="5" name="TextBox 4">
+            <a:extLst>
+              <a:ext uri="{FF2B5EF4-FFF2-40B4-BE49-F238E27FC236}">
+                <a16:creationId xmlns:a16="http://schemas.microsoft.com/office/drawing/2014/main" id="{F35F50C6-C91E-D542-965D-1543CD82A8E6}"/>
+              </a:ext>
+            </a:extLst>
+          </p:cNvPr>
+          <p:cNvSpPr txBox="1"/>
+          <p:nvPr/>
+        </p:nvSpPr>
+        <p:spPr>
+          <a:xfrm>
+            <a:off x="2764465" y="6488668"/>
+            <a:ext cx="9114418" cy="369332"/>
+          </a:xfrm>
+          <a:prstGeom prst="rect">
+            <a:avLst/>
+          </a:prstGeom>
+          <a:noFill/>
+        </p:spPr>
+        <p:txBody>
+          <a:bodyPr wrap="none" rtlCol="0">
+            <a:spAutoFit/>
+          </a:bodyPr>
+          <a:lstStyle/>
+          <a:p>
+            <a:r>
+              <a:rPr lang="en-CH" dirty="0"/>
+              <a:t>Dr. Nahid Sultana </a:t>
+            </a:r>
+            <a:r>
+              <a:rPr lang="en-GB" dirty="0"/>
+              <a:t>https://</a:t>
+            </a:r>
+            <a:r>
+              <a:rPr lang="en-GB" dirty="0" err="1"/>
+              <a:t>www.slideshare.net</a:t>
+            </a:r>
+            <a:r>
+              <a:rPr lang="en-GB" dirty="0"/>
+              <a:t>/</a:t>
+            </a:r>
+            <a:r>
+              <a:rPr lang="en-GB" dirty="0" err="1"/>
+              <a:t>nszakir</a:t>
+            </a:r>
+            <a:r>
+              <a:rPr lang="en-GB" dirty="0"/>
+              <a:t>/chapter-4-part4-general-probability-rules</a:t>
+            </a:r>
+            <a:endParaRPr lang="en-CH" dirty="0"/>
+          </a:p>
+        </p:txBody>
+      </p:sp>
+    </p:spTree>
+    <p:extLst>
+      <p:ext uri="{BB962C8B-B14F-4D97-AF65-F5344CB8AC3E}">
+        <p14:creationId xmlns:p14="http://schemas.microsoft.com/office/powerpoint/2010/main" val="1346527690"/>
+      </p:ext>
+    </p:extLst>
+  </p:cSld>
+  <p:clrMapOvr>
+    <a:masterClrMapping/>
+  </p:clrMapOvr>
+</p:sld>
+</file>
+
+<file path=ppt/slides/slide20.xml><?xml version="1.0" encoding="utf-8"?>
+<p:sld xmlns:a="http://schemas.openxmlformats.org/drawingml/2006/main" xmlns:r="http://schemas.openxmlformats.org/officeDocument/2006/relationships" xmlns:p="http://schemas.openxmlformats.org/presentationml/2006/main">
+  <p:cSld>
+    <p:spTree>
+      <p:nvGrpSpPr>
+        <p:cNvPr id="1" name=""/>
+        <p:cNvGrpSpPr/>
+        <p:nvPr/>
+      </p:nvGrpSpPr>
+      <p:grpSpPr>
+        <a:xfrm>
+          <a:off x="0" y="0"/>
+          <a:ext cx="0" cy="0"/>
+          <a:chOff x="0" y="0"/>
+          <a:chExt cx="0" cy="0"/>
+        </a:xfrm>
+      </p:grpSpPr>
+      <p:pic>
+        <p:nvPicPr>
+          <p:cNvPr id="2" name="Picture 1">
+            <a:extLst>
+              <a:ext uri="{FF2B5EF4-FFF2-40B4-BE49-F238E27FC236}">
+                <a16:creationId xmlns:a16="http://schemas.microsoft.com/office/drawing/2014/main" id="{A0B036E0-6593-2F4A-AED4-E8C2E3683EBB}"/>
+              </a:ext>
+            </a:extLst>
+          </p:cNvPr>
+          <p:cNvPicPr>
+            <a:picLocks noChangeAspect="1"/>
+          </p:cNvPicPr>
+          <p:nvPr/>
+        </p:nvPicPr>
+        <p:blipFill>
+          <a:blip r:embed="rId2"/>
+          <a:stretch>
+            <a:fillRect/>
+          </a:stretch>
+        </p:blipFill>
+        <p:spPr>
+          <a:xfrm>
+            <a:off x="779249" y="1414462"/>
+            <a:ext cx="6185113" cy="2127250"/>
+          </a:xfrm>
+          <a:prstGeom prst="rect">
+            <a:avLst/>
+          </a:prstGeom>
+        </p:spPr>
+      </p:pic>
+      <p:sp>
+        <p:nvSpPr>
+          <p:cNvPr id="3" name="TextBox 2">
+            <a:extLst>
+              <a:ext uri="{FF2B5EF4-FFF2-40B4-BE49-F238E27FC236}">
+                <a16:creationId xmlns:a16="http://schemas.microsoft.com/office/drawing/2014/main" id="{F54B8AB0-34E8-5B43-97ED-B5DC875D5E67}"/>
+              </a:ext>
+            </a:extLst>
+          </p:cNvPr>
+          <p:cNvSpPr txBox="1"/>
+          <p:nvPr/>
+        </p:nvSpPr>
+        <p:spPr>
+          <a:xfrm>
+            <a:off x="463691" y="372533"/>
+            <a:ext cx="3313343" cy="523220"/>
+          </a:xfrm>
+          <a:prstGeom prst="rect">
+            <a:avLst/>
+          </a:prstGeom>
+          <a:noFill/>
+        </p:spPr>
+        <p:txBody>
+          <a:bodyPr wrap="none" rtlCol="0">
+            <a:spAutoFit/>
+          </a:bodyPr>
+          <a:lstStyle/>
+          <a:p>
+            <a:r>
+              <a:rPr lang="en-CH" sz="2800" b="1" dirty="0"/>
+              <a:t>The beta distribution</a:t>
+            </a:r>
+          </a:p>
+        </p:txBody>
+      </p:sp>
+      <p:sp>
+        <p:nvSpPr>
+          <p:cNvPr id="4" name="TextBox 3">
+            <a:extLst>
+              <a:ext uri="{FF2B5EF4-FFF2-40B4-BE49-F238E27FC236}">
+                <a16:creationId xmlns:a16="http://schemas.microsoft.com/office/drawing/2014/main" id="{EDA621D5-4402-4A4A-98EC-21FB27C8F909}"/>
+              </a:ext>
+            </a:extLst>
+          </p:cNvPr>
+          <p:cNvSpPr txBox="1"/>
+          <p:nvPr/>
+        </p:nvSpPr>
+        <p:spPr>
+          <a:xfrm>
+            <a:off x="763140" y="3915329"/>
+            <a:ext cx="9504870" cy="646331"/>
+          </a:xfrm>
+          <a:prstGeom prst="rect">
+            <a:avLst/>
+          </a:prstGeom>
+          <a:noFill/>
+        </p:spPr>
+        <p:txBody>
+          <a:bodyPr wrap="square" rtlCol="0">
+            <a:spAutoFit/>
+          </a:bodyPr>
+          <a:lstStyle/>
+          <a:p>
+            <a:r>
+              <a:rPr lang="en-CH" dirty="0"/>
+              <a:t>Good for modelling probabilities, because it takes values between 0 and 1</a:t>
+            </a:r>
+          </a:p>
+          <a:p>
+            <a:r>
+              <a:rPr lang="en-CH" dirty="0"/>
+              <a:t>It has two parameters: alpha and beta</a:t>
+            </a:r>
+          </a:p>
+        </p:txBody>
+      </p:sp>
+      <p:pic>
+        <p:nvPicPr>
+          <p:cNvPr id="5" name="Picture 4">
+            <a:extLst>
+              <a:ext uri="{FF2B5EF4-FFF2-40B4-BE49-F238E27FC236}">
+                <a16:creationId xmlns:a16="http://schemas.microsoft.com/office/drawing/2014/main" id="{9FD337F2-4C7C-2D49-9083-1206B8027367}"/>
+              </a:ext>
+            </a:extLst>
+          </p:cNvPr>
+          <p:cNvPicPr>
+            <a:picLocks noChangeAspect="1"/>
+          </p:cNvPicPr>
+          <p:nvPr/>
+        </p:nvPicPr>
+        <p:blipFill>
+          <a:blip r:embed="rId3"/>
+          <a:stretch>
+            <a:fillRect/>
+          </a:stretch>
+        </p:blipFill>
+        <p:spPr>
+          <a:xfrm>
+            <a:off x="8439150" y="372533"/>
+            <a:ext cx="3340100" cy="4622800"/>
+          </a:xfrm>
+          <a:prstGeom prst="rect">
+            <a:avLst/>
+          </a:prstGeom>
+        </p:spPr>
+      </p:pic>
+      <p:pic>
+        <p:nvPicPr>
+          <p:cNvPr id="6" name="Picture 5">
+            <a:extLst>
+              <a:ext uri="{FF2B5EF4-FFF2-40B4-BE49-F238E27FC236}">
+                <a16:creationId xmlns:a16="http://schemas.microsoft.com/office/drawing/2014/main" id="{F60143BC-B8A8-F340-8286-216F4AF30BD7}"/>
+              </a:ext>
+            </a:extLst>
+          </p:cNvPr>
+          <p:cNvPicPr>
+            <a:picLocks noChangeAspect="1"/>
+          </p:cNvPicPr>
+          <p:nvPr/>
+        </p:nvPicPr>
+        <p:blipFill>
+          <a:blip r:embed="rId4"/>
+          <a:stretch>
+            <a:fillRect/>
+          </a:stretch>
+        </p:blipFill>
+        <p:spPr>
+          <a:xfrm>
+            <a:off x="463691" y="4935277"/>
+            <a:ext cx="3251200" cy="1600200"/>
+          </a:xfrm>
+          <a:prstGeom prst="rect">
+            <a:avLst/>
+          </a:prstGeom>
+        </p:spPr>
+      </p:pic>
+      <p:pic>
+        <p:nvPicPr>
+          <p:cNvPr id="7" name="Picture 6">
+            <a:extLst>
+              <a:ext uri="{FF2B5EF4-FFF2-40B4-BE49-F238E27FC236}">
+                <a16:creationId xmlns:a16="http://schemas.microsoft.com/office/drawing/2014/main" id="{0B655375-F9F0-3D44-AFF5-DC697309DBB5}"/>
+              </a:ext>
+            </a:extLst>
+          </p:cNvPr>
+          <p:cNvPicPr>
+            <a:picLocks noChangeAspect="1"/>
+          </p:cNvPicPr>
+          <p:nvPr/>
+        </p:nvPicPr>
+        <p:blipFill>
+          <a:blip r:embed="rId5"/>
+          <a:stretch>
+            <a:fillRect/>
+          </a:stretch>
+        </p:blipFill>
+        <p:spPr>
+          <a:xfrm>
+            <a:off x="4326079" y="4935277"/>
+            <a:ext cx="1727200" cy="317500"/>
+          </a:xfrm>
+          <a:prstGeom prst="rect">
+            <a:avLst/>
+          </a:prstGeom>
+        </p:spPr>
+      </p:pic>
+      <p:pic>
+        <p:nvPicPr>
+          <p:cNvPr id="8" name="Picture 7">
+            <a:extLst>
+              <a:ext uri="{FF2B5EF4-FFF2-40B4-BE49-F238E27FC236}">
+                <a16:creationId xmlns:a16="http://schemas.microsoft.com/office/drawing/2014/main" id="{1181E146-1C2E-D14F-A08B-9915FC430D72}"/>
+              </a:ext>
+            </a:extLst>
+          </p:cNvPr>
+          <p:cNvPicPr>
+            <a:picLocks noChangeAspect="1"/>
+          </p:cNvPicPr>
+          <p:nvPr/>
+        </p:nvPicPr>
+        <p:blipFill>
+          <a:blip r:embed="rId6"/>
+          <a:stretch>
+            <a:fillRect/>
+          </a:stretch>
+        </p:blipFill>
+        <p:spPr>
+          <a:xfrm>
+            <a:off x="4326079" y="5636717"/>
+            <a:ext cx="2273300" cy="444500"/>
+          </a:xfrm>
+          <a:prstGeom prst="rect">
+            <a:avLst/>
+          </a:prstGeom>
+        </p:spPr>
+      </p:pic>
+    </p:spTree>
+    <p:extLst>
+      <p:ext uri="{BB962C8B-B14F-4D97-AF65-F5344CB8AC3E}">
+        <p14:creationId xmlns:p14="http://schemas.microsoft.com/office/powerpoint/2010/main" val="3761949348"/>
+      </p:ext>
+    </p:extLst>
+  </p:cSld>
+  <p:clrMapOvr>
+    <a:masterClrMapping/>
+  </p:clrMapOvr>
+</p:sld>
+</file>
+
+<file path=ppt/slides/slide21.xml><?xml version="1.0" encoding="utf-8"?>
+<p:sld xmlns:a="http://schemas.openxmlformats.org/drawingml/2006/main" xmlns:r="http://schemas.openxmlformats.org/officeDocument/2006/relationships" xmlns:p="http://schemas.openxmlformats.org/presentationml/2006/main">
+  <p:cSld>
+    <p:spTree>
+      <p:nvGrpSpPr>
+        <p:cNvPr id="1" name=""/>
+        <p:cNvGrpSpPr/>
+        <p:nvPr/>
+      </p:nvGrpSpPr>
+      <p:grpSpPr>
+        <a:xfrm>
+          <a:off x="0" y="0"/>
+          <a:ext cx="0" cy="0"/>
+          <a:chOff x="0" y="0"/>
+          <a:chExt cx="0" cy="0"/>
+        </a:xfrm>
+      </p:grpSpPr>
+      <p:sp>
+        <p:nvSpPr>
+          <p:cNvPr id="4" name="TextBox 3">
+            <a:extLst>
+              <a:ext uri="{FF2B5EF4-FFF2-40B4-BE49-F238E27FC236}">
+                <a16:creationId xmlns:a16="http://schemas.microsoft.com/office/drawing/2014/main" id="{AA2F0B63-FAB1-7F44-A83E-D1DE92B30045}"/>
+              </a:ext>
+            </a:extLst>
+          </p:cNvPr>
+          <p:cNvSpPr txBox="1"/>
+          <p:nvPr/>
+        </p:nvSpPr>
+        <p:spPr>
+          <a:xfrm>
+            <a:off x="620574" y="1029942"/>
+            <a:ext cx="1198726" cy="2308324"/>
+          </a:xfrm>
+          <a:prstGeom prst="rect">
+            <a:avLst/>
+          </a:prstGeom>
+          <a:noFill/>
+        </p:spPr>
+        <p:txBody>
+          <a:bodyPr wrap="none" rtlCol="0">
+            <a:spAutoFit/>
+          </a:bodyPr>
+          <a:lstStyle/>
+          <a:p>
+            <a:endParaRPr lang="en-CH" dirty="0"/>
+          </a:p>
+          <a:p>
+            <a:r>
+              <a:rPr lang="en-GB" dirty="0"/>
+              <a:t>R</a:t>
+            </a:r>
+            <a:r>
+              <a:rPr lang="en-CH" dirty="0"/>
+              <a:t>esiduals</a:t>
+            </a:r>
+          </a:p>
+          <a:p>
+            <a:endParaRPr lang="en-CH" dirty="0"/>
+          </a:p>
+          <a:p>
+            <a:r>
+              <a:rPr lang="en-CH" dirty="0"/>
+              <a:t>MLE</a:t>
+            </a:r>
+          </a:p>
+          <a:p>
+            <a:endParaRPr lang="en-CH" dirty="0"/>
+          </a:p>
+          <a:p>
+            <a:r>
+              <a:rPr lang="en-GB" dirty="0"/>
+              <a:t>R</a:t>
+            </a:r>
+            <a:r>
+              <a:rPr lang="en-CH" dirty="0"/>
+              <a:t>egression</a:t>
+            </a:r>
+          </a:p>
+          <a:p>
+            <a:r>
+              <a:rPr lang="en-GB" dirty="0"/>
+              <a:t>R</a:t>
+            </a:r>
+            <a:r>
+              <a:rPr lang="en-CH" dirty="0"/>
+              <a:t>esiduals</a:t>
+            </a:r>
+          </a:p>
+          <a:p>
+            <a:r>
+              <a:rPr lang="en-CH" dirty="0"/>
+              <a:t> </a:t>
+            </a:r>
+          </a:p>
+        </p:txBody>
+      </p:sp>
+    </p:spTree>
+    <p:extLst>
+      <p:ext uri="{BB962C8B-B14F-4D97-AF65-F5344CB8AC3E}">
+        <p14:creationId xmlns:p14="http://schemas.microsoft.com/office/powerpoint/2010/main" val="508457898"/>
+      </p:ext>
+    </p:extLst>
+  </p:cSld>
+  <p:clrMapOvr>
+    <a:masterClrMapping/>
+  </p:clrMapOvr>
+</p:sld>
+</file>
+
+<file path=ppt/slides/slide3.xml><?xml version="1.0" encoding="utf-8"?>
+<p:sld xmlns:a="http://schemas.openxmlformats.org/drawingml/2006/main" xmlns:r="http://schemas.openxmlformats.org/officeDocument/2006/relationships" xmlns:p="http://schemas.openxmlformats.org/presentationml/2006/main">
+  <p:cSld>
+    <p:spTree>
+      <p:nvGrpSpPr>
+        <p:cNvPr id="1" name=""/>
+        <p:cNvGrpSpPr/>
+        <p:nvPr/>
+      </p:nvGrpSpPr>
+      <p:grpSpPr>
+        <a:xfrm>
+          <a:off x="0" y="0"/>
+          <a:ext cx="0" cy="0"/>
+          <a:chOff x="0" y="0"/>
+          <a:chExt cx="0" cy="0"/>
+        </a:xfrm>
+      </p:grpSpPr>
+      <p:sp>
+        <p:nvSpPr>
+          <p:cNvPr id="4" name="TextBox 3">
+            <a:extLst>
+              <a:ext uri="{FF2B5EF4-FFF2-40B4-BE49-F238E27FC236}">
+                <a16:creationId xmlns:a16="http://schemas.microsoft.com/office/drawing/2014/main" id="{FB20D3AF-33AD-644B-B974-E6664EF80748}"/>
+              </a:ext>
+            </a:extLst>
+          </p:cNvPr>
+          <p:cNvSpPr txBox="1"/>
+          <p:nvPr/>
+        </p:nvSpPr>
+        <p:spPr>
+          <a:xfrm>
+            <a:off x="2764465" y="6488668"/>
+            <a:ext cx="9114418" cy="369332"/>
+          </a:xfrm>
+          <a:prstGeom prst="rect">
+            <a:avLst/>
+          </a:prstGeom>
+          <a:noFill/>
+        </p:spPr>
+        <p:txBody>
+          <a:bodyPr wrap="none" rtlCol="0">
+            <a:spAutoFit/>
+          </a:bodyPr>
+          <a:lstStyle/>
+          <a:p>
+            <a:r>
+              <a:rPr lang="en-CH" dirty="0"/>
+              <a:t>Dr. Nahid Sultana </a:t>
+            </a:r>
+            <a:r>
+              <a:rPr lang="en-GB" dirty="0"/>
+              <a:t>https://</a:t>
+            </a:r>
+            <a:r>
+              <a:rPr lang="en-GB" dirty="0" err="1"/>
+              <a:t>www.slideshare.net</a:t>
+            </a:r>
+            <a:r>
+              <a:rPr lang="en-GB" dirty="0"/>
+              <a:t>/</a:t>
+            </a:r>
+            <a:r>
+              <a:rPr lang="en-GB" dirty="0" err="1"/>
+              <a:t>nszakir</a:t>
+            </a:r>
+            <a:r>
+              <a:rPr lang="en-GB" dirty="0"/>
+              <a:t>/chapter-4-part4-general-probability-rules</a:t>
+            </a:r>
+            <a:endParaRPr lang="en-CH" dirty="0"/>
+          </a:p>
+        </p:txBody>
+      </p:sp>
+      <p:pic>
+        <p:nvPicPr>
+          <p:cNvPr id="5" name="Picture 4">
+            <a:extLst>
+              <a:ext uri="{FF2B5EF4-FFF2-40B4-BE49-F238E27FC236}">
+                <a16:creationId xmlns:a16="http://schemas.microsoft.com/office/drawing/2014/main" id="{7D90AD93-49F0-8B46-A2DC-F817F7AE7F33}"/>
+              </a:ext>
+            </a:extLst>
+          </p:cNvPr>
+          <p:cNvPicPr>
+            <a:picLocks noChangeAspect="1"/>
+          </p:cNvPicPr>
+          <p:nvPr/>
+        </p:nvPicPr>
+        <p:blipFill>
+          <a:blip r:embed="rId2"/>
+          <a:stretch>
+            <a:fillRect/>
+          </a:stretch>
+        </p:blipFill>
+        <p:spPr>
+          <a:xfrm>
+            <a:off x="1297172" y="110456"/>
+            <a:ext cx="8653062" cy="6420903"/>
+          </a:xfrm>
+          <a:prstGeom prst="rect">
+            <a:avLst/>
+          </a:prstGeom>
+        </p:spPr>
+      </p:pic>
+    </p:spTree>
+    <p:extLst>
+      <p:ext uri="{BB962C8B-B14F-4D97-AF65-F5344CB8AC3E}">
+        <p14:creationId xmlns:p14="http://schemas.microsoft.com/office/powerpoint/2010/main" val="2864082235"/>
+      </p:ext>
+    </p:extLst>
+  </p:cSld>
+  <p:clrMapOvr>
+    <a:masterClrMapping/>
+  </p:clrMapOvr>
+</p:sld>
+</file>
+
+<file path=ppt/slides/slide4.xml><?xml version="1.0" encoding="utf-8"?>
+<p:sld xmlns:a="http://schemas.openxmlformats.org/drawingml/2006/main" xmlns:r="http://schemas.openxmlformats.org/officeDocument/2006/relationships" xmlns:p="http://schemas.openxmlformats.org/presentationml/2006/main">
+  <p:cSld>
+    <p:spTree>
+      <p:nvGrpSpPr>
+        <p:cNvPr id="1" name=""/>
+        <p:cNvGrpSpPr/>
+        <p:nvPr/>
+      </p:nvGrpSpPr>
+      <p:grpSpPr>
+        <a:xfrm>
+          <a:off x="0" y="0"/>
+          <a:ext cx="0" cy="0"/>
+          <a:chOff x="0" y="0"/>
+          <a:chExt cx="0" cy="0"/>
+        </a:xfrm>
+      </p:grpSpPr>
+      <p:sp>
+        <p:nvSpPr>
+          <p:cNvPr id="4" name="TextBox 3">
+            <a:extLst>
+              <a:ext uri="{FF2B5EF4-FFF2-40B4-BE49-F238E27FC236}">
+                <a16:creationId xmlns:a16="http://schemas.microsoft.com/office/drawing/2014/main" id="{FB20D3AF-33AD-644B-B974-E6664EF80748}"/>
+              </a:ext>
+            </a:extLst>
+          </p:cNvPr>
+          <p:cNvSpPr txBox="1"/>
+          <p:nvPr/>
+        </p:nvSpPr>
+        <p:spPr>
+          <a:xfrm>
+            <a:off x="2764465" y="6488668"/>
+            <a:ext cx="9114418" cy="369332"/>
+          </a:xfrm>
+          <a:prstGeom prst="rect">
+            <a:avLst/>
+          </a:prstGeom>
+          <a:noFill/>
+        </p:spPr>
+        <p:txBody>
+          <a:bodyPr wrap="none" rtlCol="0">
+            <a:spAutoFit/>
+          </a:bodyPr>
+          <a:lstStyle/>
+          <a:p>
+            <a:r>
+              <a:rPr lang="en-CH" dirty="0"/>
+              <a:t>Dr. Nahid Sultana </a:t>
+            </a:r>
+            <a:r>
+              <a:rPr lang="en-GB" dirty="0"/>
+              <a:t>https://</a:t>
+            </a:r>
+            <a:r>
+              <a:rPr lang="en-GB" dirty="0" err="1"/>
+              <a:t>www.slideshare.net</a:t>
+            </a:r>
+            <a:r>
+              <a:rPr lang="en-GB" dirty="0"/>
+              <a:t>/</a:t>
+            </a:r>
+            <a:r>
+              <a:rPr lang="en-GB" dirty="0" err="1"/>
+              <a:t>nszakir</a:t>
+            </a:r>
+            <a:r>
+              <a:rPr lang="en-GB" dirty="0"/>
+              <a:t>/chapter-4-part4-general-probability-rules</a:t>
+            </a:r>
+            <a:endParaRPr lang="en-CH" dirty="0"/>
+          </a:p>
+        </p:txBody>
+      </p:sp>
+      <p:pic>
+        <p:nvPicPr>
+          <p:cNvPr id="2" name="Picture 1">
+            <a:extLst>
+              <a:ext uri="{FF2B5EF4-FFF2-40B4-BE49-F238E27FC236}">
+                <a16:creationId xmlns:a16="http://schemas.microsoft.com/office/drawing/2014/main" id="{022366D9-6AF2-824C-AAEC-505362181BC1}"/>
+              </a:ext>
+            </a:extLst>
+          </p:cNvPr>
+          <p:cNvPicPr>
+            <a:picLocks noChangeAspect="1"/>
+          </p:cNvPicPr>
+          <p:nvPr/>
+        </p:nvPicPr>
+        <p:blipFill>
+          <a:blip r:embed="rId2"/>
+          <a:stretch>
+            <a:fillRect/>
+          </a:stretch>
+        </p:blipFill>
+        <p:spPr>
+          <a:xfrm>
+            <a:off x="1764220" y="52881"/>
+            <a:ext cx="8663559" cy="6435787"/>
+          </a:xfrm>
+          <a:prstGeom prst="rect">
+            <a:avLst/>
+          </a:prstGeom>
+        </p:spPr>
+      </p:pic>
+    </p:spTree>
+    <p:extLst>
+      <p:ext uri="{BB962C8B-B14F-4D97-AF65-F5344CB8AC3E}">
+        <p14:creationId xmlns:p14="http://schemas.microsoft.com/office/powerpoint/2010/main" val="1395341879"/>
       </p:ext>
     </p:extLst>
   </p:cSld>
@@ -4792,12 +6680,912 @@
           <a:chExt cx="0" cy="0"/>
         </a:xfrm>
       </p:grpSpPr>
+      <p:sp>
+        <p:nvSpPr>
+          <p:cNvPr id="4" name="TextBox 3">
+            <a:extLst>
+              <a:ext uri="{FF2B5EF4-FFF2-40B4-BE49-F238E27FC236}">
+                <a16:creationId xmlns:a16="http://schemas.microsoft.com/office/drawing/2014/main" id="{00341B0B-CBD4-A444-A6B8-BA8B46F6263A}"/>
+              </a:ext>
+            </a:extLst>
+          </p:cNvPr>
+          <p:cNvSpPr txBox="1"/>
+          <p:nvPr/>
+        </p:nvSpPr>
+        <p:spPr>
+          <a:xfrm>
+            <a:off x="785813" y="628650"/>
+            <a:ext cx="10629900" cy="1077218"/>
+          </a:xfrm>
+          <a:prstGeom prst="rect">
+            <a:avLst/>
+          </a:prstGeom>
+          <a:noFill/>
+        </p:spPr>
+        <p:txBody>
+          <a:bodyPr wrap="square" rtlCol="0">
+            <a:spAutoFit/>
+          </a:bodyPr>
+          <a:lstStyle/>
+          <a:p>
+            <a:r>
+              <a:rPr lang="en-CH" sz="2800" b="1" dirty="0"/>
+              <a:t>Conditional probability</a:t>
+            </a:r>
+          </a:p>
+          <a:p>
+            <a:endParaRPr lang="en-CH" dirty="0"/>
+          </a:p>
+          <a:p>
+            <a:r>
+              <a:rPr lang="en-CH" dirty="0"/>
+              <a:t>Probability than an event (a) occurs, given that another event (b) has already occurred. It is written as: P(a|b) </a:t>
+            </a:r>
+          </a:p>
+        </p:txBody>
+      </p:sp>
+      <p:grpSp>
+        <p:nvGrpSpPr>
+          <p:cNvPr id="28" name="Group 27">
+            <a:extLst>
+              <a:ext uri="{FF2B5EF4-FFF2-40B4-BE49-F238E27FC236}">
+                <a16:creationId xmlns:a16="http://schemas.microsoft.com/office/drawing/2014/main" id="{46DCEAA4-EB70-7940-A9E5-8262D3F19436}"/>
+              </a:ext>
+            </a:extLst>
+          </p:cNvPr>
+          <p:cNvGrpSpPr/>
+          <p:nvPr/>
+        </p:nvGrpSpPr>
+        <p:grpSpPr>
+          <a:xfrm>
+            <a:off x="428626" y="2883569"/>
+            <a:ext cx="3471836" cy="3470086"/>
+            <a:chOff x="785813" y="1812006"/>
+            <a:chExt cx="3471836" cy="3470086"/>
+          </a:xfrm>
+        </p:grpSpPr>
+        <p:sp>
+          <p:nvSpPr>
+            <p:cNvPr id="6" name="TextBox 5">
+              <a:extLst>
+                <a:ext uri="{FF2B5EF4-FFF2-40B4-BE49-F238E27FC236}">
+                  <a16:creationId xmlns:a16="http://schemas.microsoft.com/office/drawing/2014/main" id="{54EA1E76-4A2B-FB46-8C21-52A28730EB89}"/>
+                </a:ext>
+              </a:extLst>
+            </p:cNvPr>
+            <p:cNvSpPr txBox="1"/>
+            <p:nvPr/>
+          </p:nvSpPr>
+          <p:spPr>
+            <a:xfrm>
+              <a:off x="785813" y="3271838"/>
+              <a:ext cx="965970" cy="369332"/>
+            </a:xfrm>
+            <a:prstGeom prst="rect">
+              <a:avLst/>
+            </a:prstGeom>
+            <a:noFill/>
+          </p:spPr>
+          <p:txBody>
+            <a:bodyPr wrap="none" rtlCol="0">
+              <a:spAutoFit/>
+            </a:bodyPr>
+            <a:lstStyle/>
+            <a:p>
+              <a:r>
+                <a:rPr lang="en-CH" dirty="0"/>
+                <a:t>weather</a:t>
+              </a:r>
+            </a:p>
+          </p:txBody>
+        </p:sp>
+        <p:sp>
+          <p:nvSpPr>
+            <p:cNvPr id="7" name="TextBox 6">
+              <a:extLst>
+                <a:ext uri="{FF2B5EF4-FFF2-40B4-BE49-F238E27FC236}">
+                  <a16:creationId xmlns:a16="http://schemas.microsoft.com/office/drawing/2014/main" id="{49CE0201-2F28-C948-AED2-9C79E1EE7679}"/>
+                </a:ext>
+              </a:extLst>
+            </p:cNvPr>
+            <p:cNvSpPr txBox="1"/>
+            <p:nvPr/>
+          </p:nvSpPr>
+          <p:spPr>
+            <a:xfrm>
+              <a:off x="2224088" y="2452687"/>
+              <a:ext cx="805029" cy="369332"/>
+            </a:xfrm>
+            <a:prstGeom prst="rect">
+              <a:avLst/>
+            </a:prstGeom>
+            <a:noFill/>
+          </p:spPr>
+          <p:txBody>
+            <a:bodyPr wrap="none" rtlCol="0">
+              <a:spAutoFit/>
+            </a:bodyPr>
+            <a:lstStyle/>
+            <a:p>
+              <a:r>
+                <a:rPr lang="en-CH" dirty="0"/>
+                <a:t>cloudy</a:t>
+              </a:r>
+            </a:p>
+          </p:txBody>
+        </p:sp>
+        <p:sp>
+          <p:nvSpPr>
+            <p:cNvPr id="8" name="TextBox 7">
+              <a:extLst>
+                <a:ext uri="{FF2B5EF4-FFF2-40B4-BE49-F238E27FC236}">
+                  <a16:creationId xmlns:a16="http://schemas.microsoft.com/office/drawing/2014/main" id="{A4416CB6-8D26-F949-8600-3230B9337400}"/>
+                </a:ext>
+              </a:extLst>
+            </p:cNvPr>
+            <p:cNvSpPr txBox="1"/>
+            <p:nvPr/>
+          </p:nvSpPr>
+          <p:spPr>
+            <a:xfrm>
+              <a:off x="2195680" y="4162426"/>
+              <a:ext cx="1019831" cy="369332"/>
+            </a:xfrm>
+            <a:prstGeom prst="rect">
+              <a:avLst/>
+            </a:prstGeom>
+            <a:noFill/>
+          </p:spPr>
+          <p:txBody>
+            <a:bodyPr wrap="none" rtlCol="0">
+              <a:spAutoFit/>
+            </a:bodyPr>
+            <a:lstStyle/>
+            <a:p>
+              <a:r>
+                <a:rPr lang="en-CH" dirty="0"/>
+                <a:t>sunshine</a:t>
+              </a:r>
+            </a:p>
+          </p:txBody>
+        </p:sp>
+        <p:sp>
+          <p:nvSpPr>
+            <p:cNvPr id="9" name="TextBox 8">
+              <a:extLst>
+                <a:ext uri="{FF2B5EF4-FFF2-40B4-BE49-F238E27FC236}">
+                  <a16:creationId xmlns:a16="http://schemas.microsoft.com/office/drawing/2014/main" id="{40C3B324-B32F-2B4B-A2BA-453E332301EF}"/>
+                </a:ext>
+              </a:extLst>
+            </p:cNvPr>
+            <p:cNvSpPr txBox="1"/>
+            <p:nvPr/>
+          </p:nvSpPr>
+          <p:spPr>
+            <a:xfrm>
+              <a:off x="3712243" y="3595153"/>
+              <a:ext cx="545406" cy="369332"/>
+            </a:xfrm>
+            <a:prstGeom prst="rect">
+              <a:avLst/>
+            </a:prstGeom>
+            <a:noFill/>
+          </p:spPr>
+          <p:txBody>
+            <a:bodyPr wrap="none" rtlCol="0">
+              <a:spAutoFit/>
+            </a:bodyPr>
+            <a:lstStyle/>
+            <a:p>
+              <a:r>
+                <a:rPr lang="en-CH" dirty="0"/>
+                <a:t>rain</a:t>
+              </a:r>
+            </a:p>
+          </p:txBody>
+        </p:sp>
+        <p:sp>
+          <p:nvSpPr>
+            <p:cNvPr id="10" name="TextBox 9">
+              <a:extLst>
+                <a:ext uri="{FF2B5EF4-FFF2-40B4-BE49-F238E27FC236}">
+                  <a16:creationId xmlns:a16="http://schemas.microsoft.com/office/drawing/2014/main" id="{083534DA-313D-3043-B3B8-47D9980363AB}"/>
+                </a:ext>
+              </a:extLst>
+            </p:cNvPr>
+            <p:cNvSpPr txBox="1"/>
+            <p:nvPr/>
+          </p:nvSpPr>
+          <p:spPr>
+            <a:xfrm>
+              <a:off x="3698517" y="4912760"/>
+              <a:ext cx="491994" cy="369332"/>
+            </a:xfrm>
+            <a:prstGeom prst="rect">
+              <a:avLst/>
+            </a:prstGeom>
+            <a:noFill/>
+          </p:spPr>
+          <p:txBody>
+            <a:bodyPr wrap="none" rtlCol="0">
+              <a:spAutoFit/>
+            </a:bodyPr>
+            <a:lstStyle/>
+            <a:p>
+              <a:r>
+                <a:rPr lang="en-CH" dirty="0"/>
+                <a:t>dry</a:t>
+              </a:r>
+            </a:p>
+          </p:txBody>
+        </p:sp>
+        <p:cxnSp>
+          <p:nvCxnSpPr>
+            <p:cNvPr id="12" name="Straight Arrow Connector 11">
+              <a:extLst>
+                <a:ext uri="{FF2B5EF4-FFF2-40B4-BE49-F238E27FC236}">
+                  <a16:creationId xmlns:a16="http://schemas.microsoft.com/office/drawing/2014/main" id="{D74B9776-94A7-3846-AAA0-71F89AFBFFB0}"/>
+                </a:ext>
+              </a:extLst>
+            </p:cNvPr>
+            <p:cNvCxnSpPr/>
+            <p:nvPr/>
+          </p:nvCxnSpPr>
+          <p:spPr>
+            <a:xfrm>
+              <a:off x="1643063" y="3641170"/>
+              <a:ext cx="552617" cy="521256"/>
+            </a:xfrm>
+            <a:prstGeom prst="straightConnector1">
+              <a:avLst/>
+            </a:prstGeom>
+            <a:ln>
+              <a:tailEnd type="triangle"/>
+            </a:ln>
+          </p:spPr>
+          <p:style>
+            <a:lnRef idx="1">
+              <a:schemeClr val="accent1"/>
+            </a:lnRef>
+            <a:fillRef idx="0">
+              <a:schemeClr val="accent1"/>
+            </a:fillRef>
+            <a:effectRef idx="0">
+              <a:schemeClr val="accent1"/>
+            </a:effectRef>
+            <a:fontRef idx="minor">
+              <a:schemeClr val="tx1"/>
+            </a:fontRef>
+          </p:style>
+        </p:cxnSp>
+        <p:cxnSp>
+          <p:nvCxnSpPr>
+            <p:cNvPr id="13" name="Straight Arrow Connector 12">
+              <a:extLst>
+                <a:ext uri="{FF2B5EF4-FFF2-40B4-BE49-F238E27FC236}">
+                  <a16:creationId xmlns:a16="http://schemas.microsoft.com/office/drawing/2014/main" id="{A96A2777-D14A-234F-9F26-49E983F73CEE}"/>
+                </a:ext>
+              </a:extLst>
+            </p:cNvPr>
+            <p:cNvCxnSpPr/>
+            <p:nvPr/>
+          </p:nvCxnSpPr>
+          <p:spPr>
+            <a:xfrm>
+              <a:off x="3145900" y="4560334"/>
+              <a:ext cx="552617" cy="521256"/>
+            </a:xfrm>
+            <a:prstGeom prst="straightConnector1">
+              <a:avLst/>
+            </a:prstGeom>
+            <a:ln>
+              <a:tailEnd type="triangle"/>
+            </a:ln>
+          </p:spPr>
+          <p:style>
+            <a:lnRef idx="1">
+              <a:schemeClr val="accent1"/>
+            </a:lnRef>
+            <a:fillRef idx="0">
+              <a:schemeClr val="accent1"/>
+            </a:fillRef>
+            <a:effectRef idx="0">
+              <a:schemeClr val="accent1"/>
+            </a:effectRef>
+            <a:fontRef idx="minor">
+              <a:schemeClr val="tx1"/>
+            </a:fontRef>
+          </p:style>
+        </p:cxnSp>
+        <p:cxnSp>
+          <p:nvCxnSpPr>
+            <p:cNvPr id="15" name="Straight Arrow Connector 14">
+              <a:extLst>
+                <a:ext uri="{FF2B5EF4-FFF2-40B4-BE49-F238E27FC236}">
+                  <a16:creationId xmlns:a16="http://schemas.microsoft.com/office/drawing/2014/main" id="{76488CB0-FA1B-4F43-86D5-2DBD862E5B36}"/>
+                </a:ext>
+              </a:extLst>
+            </p:cNvPr>
+            <p:cNvCxnSpPr>
+              <a:cxnSpLocks/>
+            </p:cNvCxnSpPr>
+            <p:nvPr/>
+          </p:nvCxnSpPr>
+          <p:spPr>
+            <a:xfrm flipV="1">
+              <a:off x="1671471" y="2774633"/>
+              <a:ext cx="552617" cy="521256"/>
+            </a:xfrm>
+            <a:prstGeom prst="straightConnector1">
+              <a:avLst/>
+            </a:prstGeom>
+            <a:ln>
+              <a:tailEnd type="triangle"/>
+            </a:ln>
+          </p:spPr>
+          <p:style>
+            <a:lnRef idx="1">
+              <a:schemeClr val="accent1"/>
+            </a:lnRef>
+            <a:fillRef idx="0">
+              <a:schemeClr val="accent1"/>
+            </a:fillRef>
+            <a:effectRef idx="0">
+              <a:schemeClr val="accent1"/>
+            </a:effectRef>
+            <a:fontRef idx="minor">
+              <a:schemeClr val="tx1"/>
+            </a:fontRef>
+          </p:style>
+        </p:cxnSp>
+        <p:cxnSp>
+          <p:nvCxnSpPr>
+            <p:cNvPr id="17" name="Straight Arrow Connector 16">
+              <a:extLst>
+                <a:ext uri="{FF2B5EF4-FFF2-40B4-BE49-F238E27FC236}">
+                  <a16:creationId xmlns:a16="http://schemas.microsoft.com/office/drawing/2014/main" id="{4ECE3B74-0937-E846-9BF1-86F42C928232}"/>
+                </a:ext>
+              </a:extLst>
+            </p:cNvPr>
+            <p:cNvCxnSpPr>
+              <a:cxnSpLocks/>
+            </p:cNvCxnSpPr>
+            <p:nvPr/>
+          </p:nvCxnSpPr>
+          <p:spPr>
+            <a:xfrm flipV="1">
+              <a:off x="3159626" y="3768746"/>
+              <a:ext cx="552617" cy="521256"/>
+            </a:xfrm>
+            <a:prstGeom prst="straightConnector1">
+              <a:avLst/>
+            </a:prstGeom>
+            <a:ln>
+              <a:tailEnd type="triangle"/>
+            </a:ln>
+          </p:spPr>
+          <p:style>
+            <a:lnRef idx="1">
+              <a:schemeClr val="accent1"/>
+            </a:lnRef>
+            <a:fillRef idx="0">
+              <a:schemeClr val="accent1"/>
+            </a:fillRef>
+            <a:effectRef idx="0">
+              <a:schemeClr val="accent1"/>
+            </a:effectRef>
+            <a:fontRef idx="minor">
+              <a:schemeClr val="tx1"/>
+            </a:fontRef>
+          </p:style>
+        </p:cxnSp>
+        <p:sp>
+          <p:nvSpPr>
+            <p:cNvPr id="18" name="TextBox 17">
+              <a:extLst>
+                <a:ext uri="{FF2B5EF4-FFF2-40B4-BE49-F238E27FC236}">
+                  <a16:creationId xmlns:a16="http://schemas.microsoft.com/office/drawing/2014/main" id="{44093DE6-5258-0F4D-888A-47D642AE4911}"/>
+                </a:ext>
+              </a:extLst>
+            </p:cNvPr>
+            <p:cNvSpPr txBox="1"/>
+            <p:nvPr/>
+          </p:nvSpPr>
+          <p:spPr>
+            <a:xfrm>
+              <a:off x="3652584" y="1812006"/>
+              <a:ext cx="545406" cy="369332"/>
+            </a:xfrm>
+            <a:prstGeom prst="rect">
+              <a:avLst/>
+            </a:prstGeom>
+            <a:noFill/>
+          </p:spPr>
+          <p:txBody>
+            <a:bodyPr wrap="none" rtlCol="0">
+              <a:spAutoFit/>
+            </a:bodyPr>
+            <a:lstStyle/>
+            <a:p>
+              <a:r>
+                <a:rPr lang="en-CH" dirty="0"/>
+                <a:t>rain</a:t>
+              </a:r>
+            </a:p>
+          </p:txBody>
+        </p:sp>
+        <p:sp>
+          <p:nvSpPr>
+            <p:cNvPr id="19" name="TextBox 18">
+              <a:extLst>
+                <a:ext uri="{FF2B5EF4-FFF2-40B4-BE49-F238E27FC236}">
+                  <a16:creationId xmlns:a16="http://schemas.microsoft.com/office/drawing/2014/main" id="{CA529D40-44FD-1045-AF26-5BF3A3AC0D79}"/>
+                </a:ext>
+              </a:extLst>
+            </p:cNvPr>
+            <p:cNvSpPr txBox="1"/>
+            <p:nvPr/>
+          </p:nvSpPr>
+          <p:spPr>
+            <a:xfrm>
+              <a:off x="3638858" y="3129613"/>
+              <a:ext cx="491994" cy="369332"/>
+            </a:xfrm>
+            <a:prstGeom prst="rect">
+              <a:avLst/>
+            </a:prstGeom>
+            <a:noFill/>
+          </p:spPr>
+          <p:txBody>
+            <a:bodyPr wrap="none" rtlCol="0">
+              <a:spAutoFit/>
+            </a:bodyPr>
+            <a:lstStyle/>
+            <a:p>
+              <a:r>
+                <a:rPr lang="en-CH" dirty="0"/>
+                <a:t>dry</a:t>
+              </a:r>
+            </a:p>
+          </p:txBody>
+        </p:sp>
+        <p:cxnSp>
+          <p:nvCxnSpPr>
+            <p:cNvPr id="20" name="Straight Arrow Connector 19">
+              <a:extLst>
+                <a:ext uri="{FF2B5EF4-FFF2-40B4-BE49-F238E27FC236}">
+                  <a16:creationId xmlns:a16="http://schemas.microsoft.com/office/drawing/2014/main" id="{CC17154A-6A09-B342-9683-ED960CD8D280}"/>
+                </a:ext>
+              </a:extLst>
+            </p:cNvPr>
+            <p:cNvCxnSpPr/>
+            <p:nvPr/>
+          </p:nvCxnSpPr>
+          <p:spPr>
+            <a:xfrm>
+              <a:off x="3086241" y="2777187"/>
+              <a:ext cx="552617" cy="521256"/>
+            </a:xfrm>
+            <a:prstGeom prst="straightConnector1">
+              <a:avLst/>
+            </a:prstGeom>
+            <a:ln>
+              <a:tailEnd type="triangle"/>
+            </a:ln>
+          </p:spPr>
+          <p:style>
+            <a:lnRef idx="1">
+              <a:schemeClr val="accent1"/>
+            </a:lnRef>
+            <a:fillRef idx="0">
+              <a:schemeClr val="accent1"/>
+            </a:fillRef>
+            <a:effectRef idx="0">
+              <a:schemeClr val="accent1"/>
+            </a:effectRef>
+            <a:fontRef idx="minor">
+              <a:schemeClr val="tx1"/>
+            </a:fontRef>
+          </p:style>
+        </p:cxnSp>
+        <p:cxnSp>
+          <p:nvCxnSpPr>
+            <p:cNvPr id="21" name="Straight Arrow Connector 20">
+              <a:extLst>
+                <a:ext uri="{FF2B5EF4-FFF2-40B4-BE49-F238E27FC236}">
+                  <a16:creationId xmlns:a16="http://schemas.microsoft.com/office/drawing/2014/main" id="{4751B1D8-C109-FF4B-BA7C-7BDB59BE9EA2}"/>
+                </a:ext>
+              </a:extLst>
+            </p:cNvPr>
+            <p:cNvCxnSpPr>
+              <a:cxnSpLocks/>
+            </p:cNvCxnSpPr>
+            <p:nvPr/>
+          </p:nvCxnSpPr>
+          <p:spPr>
+            <a:xfrm flipV="1">
+              <a:off x="3099967" y="1985599"/>
+              <a:ext cx="552617" cy="521256"/>
+            </a:xfrm>
+            <a:prstGeom prst="straightConnector1">
+              <a:avLst/>
+            </a:prstGeom>
+            <a:ln>
+              <a:tailEnd type="triangle"/>
+            </a:ln>
+          </p:spPr>
+          <p:style>
+            <a:lnRef idx="1">
+              <a:schemeClr val="accent1"/>
+            </a:lnRef>
+            <a:fillRef idx="0">
+              <a:schemeClr val="accent1"/>
+            </a:fillRef>
+            <a:effectRef idx="0">
+              <a:schemeClr val="accent1"/>
+            </a:effectRef>
+            <a:fontRef idx="minor">
+              <a:schemeClr val="tx1"/>
+            </a:fontRef>
+          </p:style>
+        </p:cxnSp>
+        <p:sp>
+          <p:nvSpPr>
+            <p:cNvPr id="22" name="TextBox 21">
+              <a:extLst>
+                <a:ext uri="{FF2B5EF4-FFF2-40B4-BE49-F238E27FC236}">
+                  <a16:creationId xmlns:a16="http://schemas.microsoft.com/office/drawing/2014/main" id="{0D7B3ED1-4328-2A48-A6AB-309F22BFD8C1}"/>
+                </a:ext>
+              </a:extLst>
+            </p:cNvPr>
+            <p:cNvSpPr txBox="1"/>
+            <p:nvPr/>
+          </p:nvSpPr>
+          <p:spPr>
+            <a:xfrm>
+              <a:off x="1470339" y="3905759"/>
+              <a:ext cx="476412" cy="369332"/>
+            </a:xfrm>
+            <a:prstGeom prst="rect">
+              <a:avLst/>
+            </a:prstGeom>
+            <a:noFill/>
+          </p:spPr>
+          <p:txBody>
+            <a:bodyPr wrap="none" rtlCol="0">
+              <a:spAutoFit/>
+            </a:bodyPr>
+            <a:lstStyle/>
+            <a:p>
+              <a:r>
+                <a:rPr lang="en-CH" dirty="0"/>
+                <a:t>0.8</a:t>
+              </a:r>
+            </a:p>
+          </p:txBody>
+        </p:sp>
+        <p:sp>
+          <p:nvSpPr>
+            <p:cNvPr id="23" name="TextBox 22">
+              <a:extLst>
+                <a:ext uri="{FF2B5EF4-FFF2-40B4-BE49-F238E27FC236}">
+                  <a16:creationId xmlns:a16="http://schemas.microsoft.com/office/drawing/2014/main" id="{24782629-B192-524F-AF6F-C5A0AD3B5503}"/>
+                </a:ext>
+              </a:extLst>
+            </p:cNvPr>
+            <p:cNvSpPr txBox="1"/>
+            <p:nvPr/>
+          </p:nvSpPr>
+          <p:spPr>
+            <a:xfrm>
+              <a:off x="1496296" y="2683106"/>
+              <a:ext cx="476412" cy="369332"/>
+            </a:xfrm>
+            <a:prstGeom prst="rect">
+              <a:avLst/>
+            </a:prstGeom>
+            <a:noFill/>
+          </p:spPr>
+          <p:txBody>
+            <a:bodyPr wrap="none" rtlCol="0">
+              <a:spAutoFit/>
+            </a:bodyPr>
+            <a:lstStyle/>
+            <a:p>
+              <a:r>
+                <a:rPr lang="en-CH" dirty="0"/>
+                <a:t>0.2</a:t>
+              </a:r>
+            </a:p>
+          </p:txBody>
+        </p:sp>
+        <p:sp>
+          <p:nvSpPr>
+            <p:cNvPr id="24" name="TextBox 23">
+              <a:extLst>
+                <a:ext uri="{FF2B5EF4-FFF2-40B4-BE49-F238E27FC236}">
+                  <a16:creationId xmlns:a16="http://schemas.microsoft.com/office/drawing/2014/main" id="{6A94ACD7-EE40-2445-BA54-61C76564474C}"/>
+                </a:ext>
+              </a:extLst>
+            </p:cNvPr>
+            <p:cNvSpPr txBox="1"/>
+            <p:nvPr/>
+          </p:nvSpPr>
+          <p:spPr>
+            <a:xfrm>
+              <a:off x="2918795" y="1857911"/>
+              <a:ext cx="476412" cy="369332"/>
+            </a:xfrm>
+            <a:prstGeom prst="rect">
+              <a:avLst/>
+            </a:prstGeom>
+            <a:noFill/>
+          </p:spPr>
+          <p:txBody>
+            <a:bodyPr wrap="none" rtlCol="0">
+              <a:spAutoFit/>
+            </a:bodyPr>
+            <a:lstStyle/>
+            <a:p>
+              <a:r>
+                <a:rPr lang="en-CH" dirty="0"/>
+                <a:t>0.7</a:t>
+              </a:r>
+            </a:p>
+          </p:txBody>
+        </p:sp>
+        <p:sp>
+          <p:nvSpPr>
+            <p:cNvPr id="25" name="TextBox 24">
+              <a:extLst>
+                <a:ext uri="{FF2B5EF4-FFF2-40B4-BE49-F238E27FC236}">
+                  <a16:creationId xmlns:a16="http://schemas.microsoft.com/office/drawing/2014/main" id="{AB6797C0-496B-7A41-B16F-1C91EFB7FEF1}"/>
+                </a:ext>
+              </a:extLst>
+            </p:cNvPr>
+            <p:cNvSpPr txBox="1"/>
+            <p:nvPr/>
+          </p:nvSpPr>
+          <p:spPr>
+            <a:xfrm>
+              <a:off x="2901248" y="2977158"/>
+              <a:ext cx="476412" cy="369332"/>
+            </a:xfrm>
+            <a:prstGeom prst="rect">
+              <a:avLst/>
+            </a:prstGeom>
+            <a:noFill/>
+          </p:spPr>
+          <p:txBody>
+            <a:bodyPr wrap="none" rtlCol="0">
+              <a:spAutoFit/>
+            </a:bodyPr>
+            <a:lstStyle/>
+            <a:p>
+              <a:r>
+                <a:rPr lang="en-CH" dirty="0"/>
+                <a:t>0.3</a:t>
+              </a:r>
+            </a:p>
+          </p:txBody>
+        </p:sp>
+        <p:sp>
+          <p:nvSpPr>
+            <p:cNvPr id="26" name="TextBox 25">
+              <a:extLst>
+                <a:ext uri="{FF2B5EF4-FFF2-40B4-BE49-F238E27FC236}">
+                  <a16:creationId xmlns:a16="http://schemas.microsoft.com/office/drawing/2014/main" id="{9350E1CA-AFEC-DF48-B176-E62A4AA2E9DA}"/>
+                </a:ext>
+              </a:extLst>
+            </p:cNvPr>
+            <p:cNvSpPr txBox="1"/>
+            <p:nvPr/>
+          </p:nvSpPr>
+          <p:spPr>
+            <a:xfrm>
+              <a:off x="2945796" y="4678414"/>
+              <a:ext cx="476412" cy="369332"/>
+            </a:xfrm>
+            <a:prstGeom prst="rect">
+              <a:avLst/>
+            </a:prstGeom>
+            <a:noFill/>
+          </p:spPr>
+          <p:txBody>
+            <a:bodyPr wrap="none" rtlCol="0">
+              <a:spAutoFit/>
+            </a:bodyPr>
+            <a:lstStyle/>
+            <a:p>
+              <a:r>
+                <a:rPr lang="en-CH" dirty="0"/>
+                <a:t>0.9</a:t>
+              </a:r>
+            </a:p>
+          </p:txBody>
+        </p:sp>
+        <p:sp>
+          <p:nvSpPr>
+            <p:cNvPr id="27" name="TextBox 26">
+              <a:extLst>
+                <a:ext uri="{FF2B5EF4-FFF2-40B4-BE49-F238E27FC236}">
+                  <a16:creationId xmlns:a16="http://schemas.microsoft.com/office/drawing/2014/main" id="{1275BBE7-1236-064E-B750-22AD7E040AB3}"/>
+                </a:ext>
+              </a:extLst>
+            </p:cNvPr>
+            <p:cNvSpPr txBox="1"/>
+            <p:nvPr/>
+          </p:nvSpPr>
+          <p:spPr>
+            <a:xfrm>
+              <a:off x="2886137" y="3777007"/>
+              <a:ext cx="476412" cy="369332"/>
+            </a:xfrm>
+            <a:prstGeom prst="rect">
+              <a:avLst/>
+            </a:prstGeom>
+            <a:noFill/>
+          </p:spPr>
+          <p:txBody>
+            <a:bodyPr wrap="none" rtlCol="0">
+              <a:spAutoFit/>
+            </a:bodyPr>
+            <a:lstStyle/>
+            <a:p>
+              <a:r>
+                <a:rPr lang="en-CH" dirty="0"/>
+                <a:t>0.1</a:t>
+              </a:r>
+            </a:p>
+          </p:txBody>
+        </p:sp>
+      </p:grpSp>
+      <p:sp>
+        <p:nvSpPr>
+          <p:cNvPr id="29" name="TextBox 28">
+            <a:extLst>
+              <a:ext uri="{FF2B5EF4-FFF2-40B4-BE49-F238E27FC236}">
+                <a16:creationId xmlns:a16="http://schemas.microsoft.com/office/drawing/2014/main" id="{48C1BE20-4E48-1540-994C-48895610B1E4}"/>
+              </a:ext>
+            </a:extLst>
+          </p:cNvPr>
+          <p:cNvSpPr txBox="1"/>
+          <p:nvPr/>
+        </p:nvSpPr>
+        <p:spPr>
+          <a:xfrm>
+            <a:off x="4178031" y="2872496"/>
+            <a:ext cx="2869760" cy="369332"/>
+          </a:xfrm>
+          <a:prstGeom prst="rect">
+            <a:avLst/>
+          </a:prstGeom>
+          <a:noFill/>
+        </p:spPr>
+        <p:txBody>
+          <a:bodyPr wrap="none" rtlCol="0">
+            <a:spAutoFit/>
+          </a:bodyPr>
+          <a:lstStyle/>
+          <a:p>
+            <a:r>
+              <a:rPr lang="en-CH" dirty="0"/>
+              <a:t>P(rain|cloudy)=0.2*0.7=0.14</a:t>
+            </a:r>
+          </a:p>
+        </p:txBody>
+      </p:sp>
+      <p:sp>
+        <p:nvSpPr>
+          <p:cNvPr id="30" name="TextBox 29">
+            <a:extLst>
+              <a:ext uri="{FF2B5EF4-FFF2-40B4-BE49-F238E27FC236}">
+                <a16:creationId xmlns:a16="http://schemas.microsoft.com/office/drawing/2014/main" id="{1AFE0EFA-7244-5F48-A551-A39AB8A3A890}"/>
+              </a:ext>
+            </a:extLst>
+          </p:cNvPr>
+          <p:cNvSpPr txBox="1"/>
+          <p:nvPr/>
+        </p:nvSpPr>
+        <p:spPr>
+          <a:xfrm>
+            <a:off x="4178031" y="4201176"/>
+            <a:ext cx="2816348" cy="369332"/>
+          </a:xfrm>
+          <a:prstGeom prst="rect">
+            <a:avLst/>
+          </a:prstGeom>
+          <a:noFill/>
+        </p:spPr>
+        <p:txBody>
+          <a:bodyPr wrap="none" rtlCol="0">
+            <a:spAutoFit/>
+          </a:bodyPr>
+          <a:lstStyle/>
+          <a:p>
+            <a:r>
+              <a:rPr lang="en-CH" dirty="0"/>
+              <a:t>P(dry|cloudy)=0.2*0.3=0.06</a:t>
+            </a:r>
+          </a:p>
+        </p:txBody>
+      </p:sp>
+      <p:sp>
+        <p:nvSpPr>
+          <p:cNvPr id="31" name="TextBox 30">
+            <a:extLst>
+              <a:ext uri="{FF2B5EF4-FFF2-40B4-BE49-F238E27FC236}">
+                <a16:creationId xmlns:a16="http://schemas.microsoft.com/office/drawing/2014/main" id="{736A23B8-CBF0-CE43-8148-485169FEF00B}"/>
+              </a:ext>
+            </a:extLst>
+          </p:cNvPr>
+          <p:cNvSpPr txBox="1"/>
+          <p:nvPr/>
+        </p:nvSpPr>
+        <p:spPr>
+          <a:xfrm>
+            <a:off x="4178031" y="5984323"/>
+            <a:ext cx="2529410" cy="369332"/>
+          </a:xfrm>
+          <a:prstGeom prst="rect">
+            <a:avLst/>
+          </a:prstGeom>
+          <a:noFill/>
+        </p:spPr>
+        <p:txBody>
+          <a:bodyPr wrap="none" rtlCol="0">
+            <a:spAutoFit/>
+          </a:bodyPr>
+          <a:lstStyle/>
+          <a:p>
+            <a:r>
+              <a:rPr lang="en-CH" dirty="0"/>
+              <a:t>P(dry|sun)=0.8*0.9=0.72</a:t>
+            </a:r>
+          </a:p>
+        </p:txBody>
+      </p:sp>
+      <p:sp>
+        <p:nvSpPr>
+          <p:cNvPr id="32" name="TextBox 31">
+            <a:extLst>
+              <a:ext uri="{FF2B5EF4-FFF2-40B4-BE49-F238E27FC236}">
+                <a16:creationId xmlns:a16="http://schemas.microsoft.com/office/drawing/2014/main" id="{74DEF856-57B7-1443-BED1-B2BFEE46E9CF}"/>
+              </a:ext>
+            </a:extLst>
+          </p:cNvPr>
+          <p:cNvSpPr txBox="1"/>
+          <p:nvPr/>
+        </p:nvSpPr>
+        <p:spPr>
+          <a:xfrm>
+            <a:off x="4178031" y="4653875"/>
+            <a:ext cx="2582823" cy="369332"/>
+          </a:xfrm>
+          <a:prstGeom prst="rect">
+            <a:avLst/>
+          </a:prstGeom>
+          <a:noFill/>
+        </p:spPr>
+        <p:txBody>
+          <a:bodyPr wrap="none" rtlCol="0">
+            <a:spAutoFit/>
+          </a:bodyPr>
+          <a:lstStyle/>
+          <a:p>
+            <a:r>
+              <a:rPr lang="en-CH" dirty="0"/>
+              <a:t>P(rain|sun)=0.8*0.1=0.08</a:t>
+            </a:r>
+          </a:p>
+        </p:txBody>
+      </p:sp>
       <p:pic>
         <p:nvPicPr>
-          <p:cNvPr id="3" name="Picture 2">
-            <a:extLst>
-              <a:ext uri="{FF2B5EF4-FFF2-40B4-BE49-F238E27FC236}">
-                <a16:creationId xmlns:a16="http://schemas.microsoft.com/office/drawing/2014/main" id="{6DCAB62B-6B99-AB4D-99A7-BC250CBFEB26}"/>
+          <p:cNvPr id="33" name="Picture 32">
+            <a:extLst>
+              <a:ext uri="{FF2B5EF4-FFF2-40B4-BE49-F238E27FC236}">
+                <a16:creationId xmlns:a16="http://schemas.microsoft.com/office/drawing/2014/main" id="{984D6EF7-0AD5-E74B-954A-6513D39C0F19}"/>
               </a:ext>
             </a:extLst>
           </p:cNvPr>
@@ -4814,90 +7602,30 @@
         </p:blipFill>
         <p:spPr>
           <a:xfrm>
-            <a:off x="142874" y="1084262"/>
-            <a:ext cx="4171951" cy="5736432"/>
+            <a:off x="7482135" y="3816015"/>
+            <a:ext cx="4709865" cy="1508986"/>
           </a:xfrm>
           <a:prstGeom prst="rect">
             <a:avLst/>
           </a:prstGeom>
         </p:spPr>
       </p:pic>
-      <p:pic>
-        <p:nvPicPr>
-          <p:cNvPr id="4" name="Picture 3">
-            <a:extLst>
-              <a:ext uri="{FF2B5EF4-FFF2-40B4-BE49-F238E27FC236}">
-                <a16:creationId xmlns:a16="http://schemas.microsoft.com/office/drawing/2014/main" id="{903A4EFF-7861-1046-B4A4-B529A141E5D9}"/>
-              </a:ext>
-            </a:extLst>
-          </p:cNvPr>
-          <p:cNvPicPr>
-            <a:picLocks noChangeAspect="1"/>
-          </p:cNvPicPr>
+      <p:sp>
+        <p:nvSpPr>
+          <p:cNvPr id="34" name="TextBox 33">
+            <a:extLst>
+              <a:ext uri="{FF2B5EF4-FFF2-40B4-BE49-F238E27FC236}">
+                <a16:creationId xmlns:a16="http://schemas.microsoft.com/office/drawing/2014/main" id="{8B221146-20CE-CE4B-94F0-36D683AD9AF8}"/>
+              </a:ext>
+            </a:extLst>
+          </p:cNvPr>
+          <p:cNvSpPr txBox="1"/>
           <p:nvPr/>
-        </p:nvPicPr>
-        <p:blipFill>
-          <a:blip r:embed="rId3"/>
-          <a:stretch>
-            <a:fillRect/>
-          </a:stretch>
-        </p:blipFill>
+        </p:nvSpPr>
         <p:spPr>
           <a:xfrm>
-            <a:off x="4314825" y="1243012"/>
-            <a:ext cx="2365645" cy="1064540"/>
-          </a:xfrm>
-          <a:prstGeom prst="rect">
-            <a:avLst/>
-          </a:prstGeom>
-        </p:spPr>
-      </p:pic>
-      <p:pic>
-        <p:nvPicPr>
-          <p:cNvPr id="5" name="Picture 4">
-            <a:extLst>
-              <a:ext uri="{FF2B5EF4-FFF2-40B4-BE49-F238E27FC236}">
-                <a16:creationId xmlns:a16="http://schemas.microsoft.com/office/drawing/2014/main" id="{9B8B13D4-887C-FB40-9A6B-339E8B6A5789}"/>
-              </a:ext>
-            </a:extLst>
-          </p:cNvPr>
-          <p:cNvPicPr>
-            <a:picLocks noChangeAspect="1"/>
-          </p:cNvPicPr>
-          <p:nvPr/>
-        </p:nvPicPr>
-        <p:blipFill>
-          <a:blip r:embed="rId4"/>
-          <a:stretch>
-            <a:fillRect/>
-          </a:stretch>
-        </p:blipFill>
-        <p:spPr>
-          <a:xfrm>
-            <a:off x="4419736" y="2767657"/>
-            <a:ext cx="1993901" cy="608309"/>
-          </a:xfrm>
-          <a:prstGeom prst="rect">
-            <a:avLst/>
-          </a:prstGeom>
-        </p:spPr>
-      </p:pic>
-      <p:sp>
-        <p:nvSpPr>
-          <p:cNvPr id="6" name="TextBox 5">
-            <a:extLst>
-              <a:ext uri="{FF2B5EF4-FFF2-40B4-BE49-F238E27FC236}">
-                <a16:creationId xmlns:a16="http://schemas.microsoft.com/office/drawing/2014/main" id="{6449DC27-BB1C-FC4B-A254-60D486D9134B}"/>
-              </a:ext>
-            </a:extLst>
-          </p:cNvPr>
-          <p:cNvSpPr txBox="1"/>
-          <p:nvPr/>
-        </p:nvSpPr>
-        <p:spPr>
-          <a:xfrm>
-            <a:off x="8280224" y="6543695"/>
-            <a:ext cx="3911776" cy="276999"/>
+            <a:off x="9829041" y="5840841"/>
+            <a:ext cx="2237664" cy="369332"/>
           </a:xfrm>
           <a:prstGeom prst="rect">
             <a:avLst/>
@@ -4911,29 +7639,180 @@
           <a:lstStyle/>
           <a:p>
             <a:r>
-              <a:rPr lang="en-GB" sz="1200" dirty="0"/>
-              <a:t>https://</a:t>
-            </a:r>
-            <a:r>
-              <a:rPr lang="en-GB" sz="1200" dirty="0" err="1"/>
-              <a:t>www.onlinemathlearning.com</a:t>
-            </a:r>
-            <a:r>
-              <a:rPr lang="en-GB" sz="1200" dirty="0"/>
-              <a:t>/derivative-</a:t>
-            </a:r>
-            <a:r>
-              <a:rPr lang="en-GB" sz="1200" dirty="0" err="1"/>
-              <a:t>rules.html</a:t>
-            </a:r>
-            <a:endParaRPr lang="en-CH" sz="1200" dirty="0"/>
-          </a:p>
-        </p:txBody>
-      </p:sp>
+              <a:rPr lang="en-GB" dirty="0"/>
+              <a:t>M</a:t>
+            </a:r>
+            <a:r>
+              <a:rPr lang="en-CH" dirty="0"/>
+              <a:t>arginal probabilities</a:t>
+            </a:r>
+          </a:p>
+        </p:txBody>
+      </p:sp>
+      <p:sp>
+        <p:nvSpPr>
+          <p:cNvPr id="36" name="TextBox 35">
+            <a:extLst>
+              <a:ext uri="{FF2B5EF4-FFF2-40B4-BE49-F238E27FC236}">
+                <a16:creationId xmlns:a16="http://schemas.microsoft.com/office/drawing/2014/main" id="{CC03CA6C-3AB7-9C40-B427-4AA43415419D}"/>
+              </a:ext>
+            </a:extLst>
+          </p:cNvPr>
+          <p:cNvSpPr txBox="1"/>
+          <p:nvPr/>
+        </p:nvSpPr>
+        <p:spPr>
+          <a:xfrm>
+            <a:off x="9609814" y="3154918"/>
+            <a:ext cx="2456891" cy="369332"/>
+          </a:xfrm>
+          <a:prstGeom prst="rect">
+            <a:avLst/>
+          </a:prstGeom>
+          <a:noFill/>
+        </p:spPr>
+        <p:txBody>
+          <a:bodyPr wrap="none" rtlCol="0">
+            <a:spAutoFit/>
+          </a:bodyPr>
+          <a:lstStyle/>
+          <a:p>
+            <a:r>
+              <a:rPr lang="en-GB" dirty="0"/>
+              <a:t>conditional</a:t>
+            </a:r>
+            <a:r>
+              <a:rPr lang="en-CH" dirty="0"/>
+              <a:t> probabilities</a:t>
+            </a:r>
+          </a:p>
+        </p:txBody>
+      </p:sp>
+      <p:cxnSp>
+        <p:nvCxnSpPr>
+          <p:cNvPr id="38" name="Straight Arrow Connector 37">
+            <a:extLst>
+              <a:ext uri="{FF2B5EF4-FFF2-40B4-BE49-F238E27FC236}">
+                <a16:creationId xmlns:a16="http://schemas.microsoft.com/office/drawing/2014/main" id="{50A389A2-57DB-524F-8420-E7165780FF50}"/>
+              </a:ext>
+            </a:extLst>
+          </p:cNvPr>
+          <p:cNvCxnSpPr/>
+          <p:nvPr/>
+        </p:nvCxnSpPr>
+        <p:spPr>
+          <a:xfrm flipH="1">
+            <a:off x="10015870" y="3524250"/>
+            <a:ext cx="425302" cy="861592"/>
+          </a:xfrm>
+          <a:prstGeom prst="straightConnector1">
+            <a:avLst/>
+          </a:prstGeom>
+          <a:ln>
+            <a:tailEnd type="triangle"/>
+          </a:ln>
+        </p:spPr>
+        <p:style>
+          <a:lnRef idx="1">
+            <a:schemeClr val="accent1"/>
+          </a:lnRef>
+          <a:fillRef idx="0">
+            <a:schemeClr val="accent1"/>
+          </a:fillRef>
+          <a:effectRef idx="0">
+            <a:schemeClr val="accent1"/>
+          </a:effectRef>
+          <a:fontRef idx="minor">
+            <a:schemeClr val="tx1"/>
+          </a:fontRef>
+        </p:style>
+      </p:cxnSp>
+      <p:cxnSp>
+        <p:nvCxnSpPr>
+          <p:cNvPr id="39" name="Straight Arrow Connector 38">
+            <a:extLst>
+              <a:ext uri="{FF2B5EF4-FFF2-40B4-BE49-F238E27FC236}">
+                <a16:creationId xmlns:a16="http://schemas.microsoft.com/office/drawing/2014/main" id="{0C41DAFD-4091-CB4C-BC4F-AADC30281EEA}"/>
+              </a:ext>
+            </a:extLst>
+          </p:cNvPr>
+          <p:cNvCxnSpPr>
+            <a:cxnSpLocks/>
+          </p:cNvCxnSpPr>
+          <p:nvPr/>
+        </p:nvCxnSpPr>
+        <p:spPr>
+          <a:xfrm flipH="1" flipV="1">
+            <a:off x="10168271" y="5555402"/>
+            <a:ext cx="272901" cy="337123"/>
+          </a:xfrm>
+          <a:prstGeom prst="straightConnector1">
+            <a:avLst/>
+          </a:prstGeom>
+          <a:ln>
+            <a:tailEnd type="triangle"/>
+          </a:ln>
+        </p:spPr>
+        <p:style>
+          <a:lnRef idx="1">
+            <a:schemeClr val="accent1"/>
+          </a:lnRef>
+          <a:fillRef idx="0">
+            <a:schemeClr val="accent1"/>
+          </a:fillRef>
+          <a:effectRef idx="0">
+            <a:schemeClr val="accent1"/>
+          </a:effectRef>
+          <a:fontRef idx="minor">
+            <a:schemeClr val="tx1"/>
+          </a:fontRef>
+        </p:style>
+      </p:cxnSp>
+      <p:cxnSp>
+        <p:nvCxnSpPr>
+          <p:cNvPr id="42" name="Straight Arrow Connector 41">
+            <a:extLst>
+              <a:ext uri="{FF2B5EF4-FFF2-40B4-BE49-F238E27FC236}">
+                <a16:creationId xmlns:a16="http://schemas.microsoft.com/office/drawing/2014/main" id="{389FFB0D-EC92-F74E-A9A1-5B9E26769E2E}"/>
+              </a:ext>
+            </a:extLst>
+          </p:cNvPr>
+          <p:cNvCxnSpPr>
+            <a:cxnSpLocks/>
+          </p:cNvCxnSpPr>
+          <p:nvPr/>
+        </p:nvCxnSpPr>
+        <p:spPr>
+          <a:xfrm flipV="1">
+            <a:off x="10947873" y="5040036"/>
+            <a:ext cx="523915" cy="800805"/>
+          </a:xfrm>
+          <a:prstGeom prst="straightConnector1">
+            <a:avLst/>
+          </a:prstGeom>
+          <a:ln>
+            <a:tailEnd type="triangle"/>
+          </a:ln>
+        </p:spPr>
+        <p:style>
+          <a:lnRef idx="1">
+            <a:schemeClr val="accent1"/>
+          </a:lnRef>
+          <a:fillRef idx="0">
+            <a:schemeClr val="accent1"/>
+          </a:fillRef>
+          <a:effectRef idx="0">
+            <a:schemeClr val="accent1"/>
+          </a:effectRef>
+          <a:fontRef idx="minor">
+            <a:schemeClr val="tx1"/>
+          </a:fontRef>
+        </p:style>
+      </p:cxnSp>
     </p:spTree>
     <p:extLst>
       <p:ext uri="{BB962C8B-B14F-4D97-AF65-F5344CB8AC3E}">
-        <p14:creationId xmlns:p14="http://schemas.microsoft.com/office/powerpoint/2010/main" val="153573501"/>
+        <p14:creationId xmlns:p14="http://schemas.microsoft.com/office/powerpoint/2010/main" val="2200755576"/>
       </p:ext>
     </p:extLst>
   </p:cSld>
@@ -4960,12 +7839,68 @@
           <a:chExt cx="0" cy="0"/>
         </a:xfrm>
       </p:grpSpPr>
+      <p:sp>
+        <p:nvSpPr>
+          <p:cNvPr id="4" name="TextBox 3">
+            <a:extLst>
+              <a:ext uri="{FF2B5EF4-FFF2-40B4-BE49-F238E27FC236}">
+                <a16:creationId xmlns:a16="http://schemas.microsoft.com/office/drawing/2014/main" id="{FB20D3AF-33AD-644B-B974-E6664EF80748}"/>
+              </a:ext>
+            </a:extLst>
+          </p:cNvPr>
+          <p:cNvSpPr txBox="1"/>
+          <p:nvPr/>
+        </p:nvSpPr>
+        <p:spPr>
+          <a:xfrm>
+            <a:off x="2764465" y="6488668"/>
+            <a:ext cx="9114418" cy="369332"/>
+          </a:xfrm>
+          <a:prstGeom prst="rect">
+            <a:avLst/>
+          </a:prstGeom>
+          <a:noFill/>
+        </p:spPr>
+        <p:txBody>
+          <a:bodyPr wrap="none" rtlCol="0">
+            <a:spAutoFit/>
+          </a:bodyPr>
+          <a:lstStyle/>
+          <a:p>
+            <a:r>
+              <a:rPr lang="en-CH" dirty="0"/>
+              <a:t>Dr. Nahid Sultana </a:t>
+            </a:r>
+            <a:r>
+              <a:rPr lang="en-GB" dirty="0"/>
+              <a:t>https://</a:t>
+            </a:r>
+            <a:r>
+              <a:rPr lang="en-GB" dirty="0" err="1"/>
+              <a:t>www.slideshare.net</a:t>
+            </a:r>
+            <a:r>
+              <a:rPr lang="en-GB" dirty="0"/>
+              <a:t>/</a:t>
+            </a:r>
+            <a:r>
+              <a:rPr lang="en-GB" dirty="0" err="1"/>
+              <a:t>nszakir</a:t>
+            </a:r>
+            <a:r>
+              <a:rPr lang="en-GB" dirty="0"/>
+              <a:t>/chapter-4-part4-general-probability-rules</a:t>
+            </a:r>
+            <a:endParaRPr lang="en-CH" dirty="0"/>
+          </a:p>
+        </p:txBody>
+      </p:sp>
       <p:pic>
         <p:nvPicPr>
-          <p:cNvPr id="4" name="Picture 3">
-            <a:extLst>
-              <a:ext uri="{FF2B5EF4-FFF2-40B4-BE49-F238E27FC236}">
-                <a16:creationId xmlns:a16="http://schemas.microsoft.com/office/drawing/2014/main" id="{5AEFBD1C-2E37-604C-A66C-C33713025C9C}"/>
+          <p:cNvPr id="3" name="Picture 2">
+            <a:extLst>
+              <a:ext uri="{FF2B5EF4-FFF2-40B4-BE49-F238E27FC236}">
+                <a16:creationId xmlns:a16="http://schemas.microsoft.com/office/drawing/2014/main" id="{1DBDBE56-B2FA-6A45-A332-33E88E57C6D6}"/>
               </a:ext>
             </a:extLst>
           </p:cNvPr>
@@ -4982,92 +7917,18 @@
         </p:blipFill>
         <p:spPr>
           <a:xfrm>
-            <a:off x="2538888" y="928377"/>
-            <a:ext cx="6827534" cy="4458601"/>
+            <a:off x="1382233" y="18771"/>
+            <a:ext cx="8676167" cy="6355154"/>
           </a:xfrm>
           <a:prstGeom prst="rect">
             <a:avLst/>
           </a:prstGeom>
         </p:spPr>
       </p:pic>
-      <p:sp>
-        <p:nvSpPr>
-          <p:cNvPr id="9" name="TextBox 8">
-            <a:extLst>
-              <a:ext uri="{FF2B5EF4-FFF2-40B4-BE49-F238E27FC236}">
-                <a16:creationId xmlns:a16="http://schemas.microsoft.com/office/drawing/2014/main" id="{606741E3-A0B4-7A43-9871-C658108E4F04}"/>
-              </a:ext>
-            </a:extLst>
-          </p:cNvPr>
-          <p:cNvSpPr txBox="1"/>
-          <p:nvPr/>
-        </p:nvSpPr>
-        <p:spPr>
-          <a:xfrm>
-            <a:off x="827903" y="345989"/>
-            <a:ext cx="7176580" cy="369332"/>
-          </a:xfrm>
-          <a:prstGeom prst="rect">
-            <a:avLst/>
-          </a:prstGeom>
-          <a:noFill/>
-        </p:spPr>
-        <p:txBody>
-          <a:bodyPr wrap="none" rtlCol="0">
-            <a:spAutoFit/>
-          </a:bodyPr>
-          <a:lstStyle/>
-          <a:p>
-            <a:r>
-              <a:rPr lang="en-CH" b="1" dirty="0"/>
-              <a:t>Proof that the mean of the Poisson distribution maximises the likelihood:</a:t>
-            </a:r>
-          </a:p>
-        </p:txBody>
-      </p:sp>
-      <p:sp>
-        <p:nvSpPr>
-          <p:cNvPr id="10" name="TextBox 9">
-            <a:extLst>
-              <a:ext uri="{FF2B5EF4-FFF2-40B4-BE49-F238E27FC236}">
-                <a16:creationId xmlns:a16="http://schemas.microsoft.com/office/drawing/2014/main" id="{D921AA62-A811-0F47-922A-0A6292E0C9AE}"/>
-              </a:ext>
-            </a:extLst>
-          </p:cNvPr>
-          <p:cNvSpPr txBox="1"/>
-          <p:nvPr/>
-        </p:nvSpPr>
-        <p:spPr>
-          <a:xfrm>
-            <a:off x="3954162" y="6153665"/>
-            <a:ext cx="5159682" cy="369332"/>
-          </a:xfrm>
-          <a:prstGeom prst="rect">
-            <a:avLst/>
-          </a:prstGeom>
-          <a:noFill/>
-        </p:spPr>
-        <p:txBody>
-          <a:bodyPr wrap="none" rtlCol="0">
-            <a:spAutoFit/>
-          </a:bodyPr>
-          <a:lstStyle/>
-          <a:p>
-            <a:r>
-              <a:rPr lang="en-GB" dirty="0"/>
-              <a:t>…. A</a:t>
-            </a:r>
-            <a:r>
-              <a:rPr lang="en-CH" dirty="0"/>
-              <a:t> more detailed working out is on the next slide….</a:t>
-            </a:r>
-          </a:p>
-        </p:txBody>
-      </p:sp>
     </p:spTree>
     <p:extLst>
       <p:ext uri="{BB962C8B-B14F-4D97-AF65-F5344CB8AC3E}">
-        <p14:creationId xmlns:p14="http://schemas.microsoft.com/office/powerpoint/2010/main" val="3922666418"/>
+        <p14:creationId xmlns:p14="http://schemas.microsoft.com/office/powerpoint/2010/main" val="86549846"/>
       </p:ext>
     </p:extLst>
   </p:cSld>
@@ -5094,47 +7955,12 @@
           <a:chExt cx="0" cy="0"/>
         </a:xfrm>
       </p:grpSpPr>
-      <p:sp>
-        <p:nvSpPr>
-          <p:cNvPr id="9" name="TextBox 8">
-            <a:extLst>
-              <a:ext uri="{FF2B5EF4-FFF2-40B4-BE49-F238E27FC236}">
-                <a16:creationId xmlns:a16="http://schemas.microsoft.com/office/drawing/2014/main" id="{606741E3-A0B4-7A43-9871-C658108E4F04}"/>
-              </a:ext>
-            </a:extLst>
-          </p:cNvPr>
-          <p:cNvSpPr txBox="1"/>
-          <p:nvPr/>
-        </p:nvSpPr>
-        <p:spPr>
-          <a:xfrm>
-            <a:off x="827903" y="345989"/>
-            <a:ext cx="7176580" cy="369332"/>
-          </a:xfrm>
-          <a:prstGeom prst="rect">
-            <a:avLst/>
-          </a:prstGeom>
-          <a:noFill/>
-        </p:spPr>
-        <p:txBody>
-          <a:bodyPr wrap="none" rtlCol="0">
-            <a:spAutoFit/>
-          </a:bodyPr>
-          <a:lstStyle/>
-          <a:p>
-            <a:r>
-              <a:rPr lang="en-CH" b="1" dirty="0"/>
-              <a:t>Proof that the mean of the Poisson distribution maximises the likelihood:</a:t>
-            </a:r>
-          </a:p>
-        </p:txBody>
-      </p:sp>
       <p:pic>
         <p:nvPicPr>
-          <p:cNvPr id="14" name="Picture 13">
-            <a:extLst>
-              <a:ext uri="{FF2B5EF4-FFF2-40B4-BE49-F238E27FC236}">
-                <a16:creationId xmlns:a16="http://schemas.microsoft.com/office/drawing/2014/main" id="{E29A71AF-207C-8247-82EB-1780E86A3D7E}"/>
+          <p:cNvPr id="4" name="Picture 3">
+            <a:extLst>
+              <a:ext uri="{FF2B5EF4-FFF2-40B4-BE49-F238E27FC236}">
+                <a16:creationId xmlns:a16="http://schemas.microsoft.com/office/drawing/2014/main" id="{3E2A4E6F-E73B-364B-AD67-B498BB59145E}"/>
               </a:ext>
             </a:extLst>
           </p:cNvPr>
@@ -5151,48 +7977,1175 @@
         </p:blipFill>
         <p:spPr>
           <a:xfrm>
-            <a:off x="827903" y="895865"/>
-            <a:ext cx="4901257" cy="5962135"/>
+            <a:off x="2858324" y="233438"/>
+            <a:ext cx="8652623" cy="2119719"/>
           </a:xfrm>
           <a:prstGeom prst="rect">
             <a:avLst/>
           </a:prstGeom>
         </p:spPr>
       </p:pic>
-      <p:pic>
-        <p:nvPicPr>
-          <p:cNvPr id="15" name="Picture 14">
-            <a:extLst>
-              <a:ext uri="{FF2B5EF4-FFF2-40B4-BE49-F238E27FC236}">
-                <a16:creationId xmlns:a16="http://schemas.microsoft.com/office/drawing/2014/main" id="{15B0F811-4B40-0441-88E8-7CB6D4AA895B}"/>
-              </a:ext>
-            </a:extLst>
-          </p:cNvPr>
-          <p:cNvPicPr>
-            <a:picLocks noChangeAspect="1"/>
-          </p:cNvPicPr>
+      <p:sp>
+        <p:nvSpPr>
+          <p:cNvPr id="5" name="TextBox 4">
+            <a:extLst>
+              <a:ext uri="{FF2B5EF4-FFF2-40B4-BE49-F238E27FC236}">
+                <a16:creationId xmlns:a16="http://schemas.microsoft.com/office/drawing/2014/main" id="{941BF540-953A-0844-944E-953D820EFB76}"/>
+              </a:ext>
+            </a:extLst>
+          </p:cNvPr>
+          <p:cNvSpPr txBox="1"/>
           <p:nvPr/>
-        </p:nvPicPr>
-        <p:blipFill>
-          <a:blip r:embed="rId3"/>
-          <a:stretch>
-            <a:fillRect/>
-          </a:stretch>
-        </p:blipFill>
+        </p:nvSpPr>
         <p:spPr>
           <a:xfrm>
-            <a:off x="6575600" y="895865"/>
-            <a:ext cx="4924167" cy="4924167"/>
+            <a:off x="712003" y="382772"/>
+            <a:ext cx="1719445" cy="523220"/>
           </a:xfrm>
           <a:prstGeom prst="rect">
             <a:avLst/>
           </a:prstGeom>
+          <a:noFill/>
         </p:spPr>
-      </p:pic>
+        <p:txBody>
+          <a:bodyPr wrap="none" rtlCol="0">
+            <a:spAutoFit/>
+          </a:bodyPr>
+          <a:lstStyle/>
+          <a:p>
+            <a:r>
+              <a:rPr lang="en-CH" sz="2800" b="1" dirty="0"/>
+              <a:t>Bayes rule</a:t>
+            </a:r>
+          </a:p>
+        </p:txBody>
+      </p:sp>
+      <p:grpSp>
+        <p:nvGrpSpPr>
+          <p:cNvPr id="6" name="Group 5">
+            <a:extLst>
+              <a:ext uri="{FF2B5EF4-FFF2-40B4-BE49-F238E27FC236}">
+                <a16:creationId xmlns:a16="http://schemas.microsoft.com/office/drawing/2014/main" id="{78B9975F-1083-6D4D-81AE-B49D2BD74EEF}"/>
+              </a:ext>
+            </a:extLst>
+          </p:cNvPr>
+          <p:cNvGrpSpPr/>
+          <p:nvPr/>
+        </p:nvGrpSpPr>
+        <p:grpSpPr>
+          <a:xfrm>
+            <a:off x="428626" y="2883569"/>
+            <a:ext cx="3471836" cy="3470086"/>
+            <a:chOff x="785813" y="1812006"/>
+            <a:chExt cx="3471836" cy="3470086"/>
+          </a:xfrm>
+        </p:grpSpPr>
+        <p:sp>
+          <p:nvSpPr>
+            <p:cNvPr id="7" name="TextBox 6">
+              <a:extLst>
+                <a:ext uri="{FF2B5EF4-FFF2-40B4-BE49-F238E27FC236}">
+                  <a16:creationId xmlns:a16="http://schemas.microsoft.com/office/drawing/2014/main" id="{71B21014-6131-574A-9D95-31D6D94B58AB}"/>
+                </a:ext>
+              </a:extLst>
+            </p:cNvPr>
+            <p:cNvSpPr txBox="1"/>
+            <p:nvPr/>
+          </p:nvSpPr>
+          <p:spPr>
+            <a:xfrm>
+              <a:off x="785813" y="3271838"/>
+              <a:ext cx="965970" cy="369332"/>
+            </a:xfrm>
+            <a:prstGeom prst="rect">
+              <a:avLst/>
+            </a:prstGeom>
+            <a:noFill/>
+          </p:spPr>
+          <p:txBody>
+            <a:bodyPr wrap="none" rtlCol="0">
+              <a:spAutoFit/>
+            </a:bodyPr>
+            <a:lstStyle/>
+            <a:p>
+              <a:r>
+                <a:rPr lang="en-CH" dirty="0"/>
+                <a:t>weather</a:t>
+              </a:r>
+            </a:p>
+          </p:txBody>
+        </p:sp>
+        <p:sp>
+          <p:nvSpPr>
+            <p:cNvPr id="8" name="TextBox 7">
+              <a:extLst>
+                <a:ext uri="{FF2B5EF4-FFF2-40B4-BE49-F238E27FC236}">
+                  <a16:creationId xmlns:a16="http://schemas.microsoft.com/office/drawing/2014/main" id="{DE1EE4A5-E125-F44E-813B-AE0F6B38399A}"/>
+                </a:ext>
+              </a:extLst>
+            </p:cNvPr>
+            <p:cNvSpPr txBox="1"/>
+            <p:nvPr/>
+          </p:nvSpPr>
+          <p:spPr>
+            <a:xfrm>
+              <a:off x="2224088" y="2452687"/>
+              <a:ext cx="805029" cy="369332"/>
+            </a:xfrm>
+            <a:prstGeom prst="rect">
+              <a:avLst/>
+            </a:prstGeom>
+            <a:noFill/>
+          </p:spPr>
+          <p:txBody>
+            <a:bodyPr wrap="none" rtlCol="0">
+              <a:spAutoFit/>
+            </a:bodyPr>
+            <a:lstStyle/>
+            <a:p>
+              <a:r>
+                <a:rPr lang="en-CH" dirty="0"/>
+                <a:t>cloudy</a:t>
+              </a:r>
+            </a:p>
+          </p:txBody>
+        </p:sp>
+        <p:sp>
+          <p:nvSpPr>
+            <p:cNvPr id="9" name="TextBox 8">
+              <a:extLst>
+                <a:ext uri="{FF2B5EF4-FFF2-40B4-BE49-F238E27FC236}">
+                  <a16:creationId xmlns:a16="http://schemas.microsoft.com/office/drawing/2014/main" id="{3D20EBCE-3CB5-FA4B-852C-86F8CC8C9DA2}"/>
+                </a:ext>
+              </a:extLst>
+            </p:cNvPr>
+            <p:cNvSpPr txBox="1"/>
+            <p:nvPr/>
+          </p:nvSpPr>
+          <p:spPr>
+            <a:xfrm>
+              <a:off x="2195680" y="4162426"/>
+              <a:ext cx="1019831" cy="369332"/>
+            </a:xfrm>
+            <a:prstGeom prst="rect">
+              <a:avLst/>
+            </a:prstGeom>
+            <a:noFill/>
+          </p:spPr>
+          <p:txBody>
+            <a:bodyPr wrap="none" rtlCol="0">
+              <a:spAutoFit/>
+            </a:bodyPr>
+            <a:lstStyle/>
+            <a:p>
+              <a:r>
+                <a:rPr lang="en-CH" dirty="0"/>
+                <a:t>sunshine</a:t>
+              </a:r>
+            </a:p>
+          </p:txBody>
+        </p:sp>
+        <p:sp>
+          <p:nvSpPr>
+            <p:cNvPr id="10" name="TextBox 9">
+              <a:extLst>
+                <a:ext uri="{FF2B5EF4-FFF2-40B4-BE49-F238E27FC236}">
+                  <a16:creationId xmlns:a16="http://schemas.microsoft.com/office/drawing/2014/main" id="{7EB24890-1E4D-ED44-BE9D-14C048320039}"/>
+                </a:ext>
+              </a:extLst>
+            </p:cNvPr>
+            <p:cNvSpPr txBox="1"/>
+            <p:nvPr/>
+          </p:nvSpPr>
+          <p:spPr>
+            <a:xfrm>
+              <a:off x="3712243" y="3595153"/>
+              <a:ext cx="545406" cy="369332"/>
+            </a:xfrm>
+            <a:prstGeom prst="rect">
+              <a:avLst/>
+            </a:prstGeom>
+            <a:noFill/>
+          </p:spPr>
+          <p:txBody>
+            <a:bodyPr wrap="none" rtlCol="0">
+              <a:spAutoFit/>
+            </a:bodyPr>
+            <a:lstStyle/>
+            <a:p>
+              <a:r>
+                <a:rPr lang="en-CH" dirty="0"/>
+                <a:t>rain</a:t>
+              </a:r>
+            </a:p>
+          </p:txBody>
+        </p:sp>
+        <p:sp>
+          <p:nvSpPr>
+            <p:cNvPr id="11" name="TextBox 10">
+              <a:extLst>
+                <a:ext uri="{FF2B5EF4-FFF2-40B4-BE49-F238E27FC236}">
+                  <a16:creationId xmlns:a16="http://schemas.microsoft.com/office/drawing/2014/main" id="{5D515934-C772-DA4B-A65F-922C6E3294F3}"/>
+                </a:ext>
+              </a:extLst>
+            </p:cNvPr>
+            <p:cNvSpPr txBox="1"/>
+            <p:nvPr/>
+          </p:nvSpPr>
+          <p:spPr>
+            <a:xfrm>
+              <a:off x="3698517" y="4912760"/>
+              <a:ext cx="491994" cy="369332"/>
+            </a:xfrm>
+            <a:prstGeom prst="rect">
+              <a:avLst/>
+            </a:prstGeom>
+            <a:noFill/>
+          </p:spPr>
+          <p:txBody>
+            <a:bodyPr wrap="none" rtlCol="0">
+              <a:spAutoFit/>
+            </a:bodyPr>
+            <a:lstStyle/>
+            <a:p>
+              <a:r>
+                <a:rPr lang="en-CH" dirty="0"/>
+                <a:t>dry</a:t>
+              </a:r>
+            </a:p>
+          </p:txBody>
+        </p:sp>
+        <p:cxnSp>
+          <p:nvCxnSpPr>
+            <p:cNvPr id="12" name="Straight Arrow Connector 11">
+              <a:extLst>
+                <a:ext uri="{FF2B5EF4-FFF2-40B4-BE49-F238E27FC236}">
+                  <a16:creationId xmlns:a16="http://schemas.microsoft.com/office/drawing/2014/main" id="{5C1BC095-8E09-0F49-A1E3-BC485B4FFA5E}"/>
+                </a:ext>
+              </a:extLst>
+            </p:cNvPr>
+            <p:cNvCxnSpPr/>
+            <p:nvPr/>
+          </p:nvCxnSpPr>
+          <p:spPr>
+            <a:xfrm>
+              <a:off x="1643063" y="3641170"/>
+              <a:ext cx="552617" cy="521256"/>
+            </a:xfrm>
+            <a:prstGeom prst="straightConnector1">
+              <a:avLst/>
+            </a:prstGeom>
+            <a:ln>
+              <a:tailEnd type="triangle"/>
+            </a:ln>
+          </p:spPr>
+          <p:style>
+            <a:lnRef idx="1">
+              <a:schemeClr val="accent1"/>
+            </a:lnRef>
+            <a:fillRef idx="0">
+              <a:schemeClr val="accent1"/>
+            </a:fillRef>
+            <a:effectRef idx="0">
+              <a:schemeClr val="accent1"/>
+            </a:effectRef>
+            <a:fontRef idx="minor">
+              <a:schemeClr val="tx1"/>
+            </a:fontRef>
+          </p:style>
+        </p:cxnSp>
+        <p:cxnSp>
+          <p:nvCxnSpPr>
+            <p:cNvPr id="13" name="Straight Arrow Connector 12">
+              <a:extLst>
+                <a:ext uri="{FF2B5EF4-FFF2-40B4-BE49-F238E27FC236}">
+                  <a16:creationId xmlns:a16="http://schemas.microsoft.com/office/drawing/2014/main" id="{1E71E13C-997D-5841-8216-4271EC6B7F33}"/>
+                </a:ext>
+              </a:extLst>
+            </p:cNvPr>
+            <p:cNvCxnSpPr/>
+            <p:nvPr/>
+          </p:nvCxnSpPr>
+          <p:spPr>
+            <a:xfrm>
+              <a:off x="3145900" y="4560334"/>
+              <a:ext cx="552617" cy="521256"/>
+            </a:xfrm>
+            <a:prstGeom prst="straightConnector1">
+              <a:avLst/>
+            </a:prstGeom>
+            <a:ln>
+              <a:tailEnd type="triangle"/>
+            </a:ln>
+          </p:spPr>
+          <p:style>
+            <a:lnRef idx="1">
+              <a:schemeClr val="accent1"/>
+            </a:lnRef>
+            <a:fillRef idx="0">
+              <a:schemeClr val="accent1"/>
+            </a:fillRef>
+            <a:effectRef idx="0">
+              <a:schemeClr val="accent1"/>
+            </a:effectRef>
+            <a:fontRef idx="minor">
+              <a:schemeClr val="tx1"/>
+            </a:fontRef>
+          </p:style>
+        </p:cxnSp>
+        <p:cxnSp>
+          <p:nvCxnSpPr>
+            <p:cNvPr id="14" name="Straight Arrow Connector 13">
+              <a:extLst>
+                <a:ext uri="{FF2B5EF4-FFF2-40B4-BE49-F238E27FC236}">
+                  <a16:creationId xmlns:a16="http://schemas.microsoft.com/office/drawing/2014/main" id="{361C1314-E30B-E641-BBA2-F57BA4DFB744}"/>
+                </a:ext>
+              </a:extLst>
+            </p:cNvPr>
+            <p:cNvCxnSpPr>
+              <a:cxnSpLocks/>
+            </p:cNvCxnSpPr>
+            <p:nvPr/>
+          </p:nvCxnSpPr>
+          <p:spPr>
+            <a:xfrm flipV="1">
+              <a:off x="1671471" y="2774633"/>
+              <a:ext cx="552617" cy="521256"/>
+            </a:xfrm>
+            <a:prstGeom prst="straightConnector1">
+              <a:avLst/>
+            </a:prstGeom>
+            <a:ln>
+              <a:tailEnd type="triangle"/>
+            </a:ln>
+          </p:spPr>
+          <p:style>
+            <a:lnRef idx="1">
+              <a:schemeClr val="accent1"/>
+            </a:lnRef>
+            <a:fillRef idx="0">
+              <a:schemeClr val="accent1"/>
+            </a:fillRef>
+            <a:effectRef idx="0">
+              <a:schemeClr val="accent1"/>
+            </a:effectRef>
+            <a:fontRef idx="minor">
+              <a:schemeClr val="tx1"/>
+            </a:fontRef>
+          </p:style>
+        </p:cxnSp>
+        <p:cxnSp>
+          <p:nvCxnSpPr>
+            <p:cNvPr id="15" name="Straight Arrow Connector 14">
+              <a:extLst>
+                <a:ext uri="{FF2B5EF4-FFF2-40B4-BE49-F238E27FC236}">
+                  <a16:creationId xmlns:a16="http://schemas.microsoft.com/office/drawing/2014/main" id="{07C762CA-4C4B-584E-95B3-DE8A559EFE70}"/>
+                </a:ext>
+              </a:extLst>
+            </p:cNvPr>
+            <p:cNvCxnSpPr>
+              <a:cxnSpLocks/>
+            </p:cNvCxnSpPr>
+            <p:nvPr/>
+          </p:nvCxnSpPr>
+          <p:spPr>
+            <a:xfrm flipV="1">
+              <a:off x="3159626" y="3768746"/>
+              <a:ext cx="552617" cy="521256"/>
+            </a:xfrm>
+            <a:prstGeom prst="straightConnector1">
+              <a:avLst/>
+            </a:prstGeom>
+            <a:ln>
+              <a:tailEnd type="triangle"/>
+            </a:ln>
+          </p:spPr>
+          <p:style>
+            <a:lnRef idx="1">
+              <a:schemeClr val="accent1"/>
+            </a:lnRef>
+            <a:fillRef idx="0">
+              <a:schemeClr val="accent1"/>
+            </a:fillRef>
+            <a:effectRef idx="0">
+              <a:schemeClr val="accent1"/>
+            </a:effectRef>
+            <a:fontRef idx="minor">
+              <a:schemeClr val="tx1"/>
+            </a:fontRef>
+          </p:style>
+        </p:cxnSp>
+        <p:sp>
+          <p:nvSpPr>
+            <p:cNvPr id="16" name="TextBox 15">
+              <a:extLst>
+                <a:ext uri="{FF2B5EF4-FFF2-40B4-BE49-F238E27FC236}">
+                  <a16:creationId xmlns:a16="http://schemas.microsoft.com/office/drawing/2014/main" id="{34AF735C-5906-C948-8135-1B6707B490FF}"/>
+                </a:ext>
+              </a:extLst>
+            </p:cNvPr>
+            <p:cNvSpPr txBox="1"/>
+            <p:nvPr/>
+          </p:nvSpPr>
+          <p:spPr>
+            <a:xfrm>
+              <a:off x="3652584" y="1812006"/>
+              <a:ext cx="545406" cy="369332"/>
+            </a:xfrm>
+            <a:prstGeom prst="rect">
+              <a:avLst/>
+            </a:prstGeom>
+            <a:noFill/>
+          </p:spPr>
+          <p:txBody>
+            <a:bodyPr wrap="none" rtlCol="0">
+              <a:spAutoFit/>
+            </a:bodyPr>
+            <a:lstStyle/>
+            <a:p>
+              <a:r>
+                <a:rPr lang="en-CH" dirty="0"/>
+                <a:t>rain</a:t>
+              </a:r>
+            </a:p>
+          </p:txBody>
+        </p:sp>
+        <p:sp>
+          <p:nvSpPr>
+            <p:cNvPr id="17" name="TextBox 16">
+              <a:extLst>
+                <a:ext uri="{FF2B5EF4-FFF2-40B4-BE49-F238E27FC236}">
+                  <a16:creationId xmlns:a16="http://schemas.microsoft.com/office/drawing/2014/main" id="{E79DC420-9D2D-1043-B2CD-812BDFC13E34}"/>
+                </a:ext>
+              </a:extLst>
+            </p:cNvPr>
+            <p:cNvSpPr txBox="1"/>
+            <p:nvPr/>
+          </p:nvSpPr>
+          <p:spPr>
+            <a:xfrm>
+              <a:off x="3638858" y="3129613"/>
+              <a:ext cx="491994" cy="369332"/>
+            </a:xfrm>
+            <a:prstGeom prst="rect">
+              <a:avLst/>
+            </a:prstGeom>
+            <a:noFill/>
+          </p:spPr>
+          <p:txBody>
+            <a:bodyPr wrap="none" rtlCol="0">
+              <a:spAutoFit/>
+            </a:bodyPr>
+            <a:lstStyle/>
+            <a:p>
+              <a:r>
+                <a:rPr lang="en-CH" dirty="0"/>
+                <a:t>dry</a:t>
+              </a:r>
+            </a:p>
+          </p:txBody>
+        </p:sp>
+        <p:cxnSp>
+          <p:nvCxnSpPr>
+            <p:cNvPr id="18" name="Straight Arrow Connector 17">
+              <a:extLst>
+                <a:ext uri="{FF2B5EF4-FFF2-40B4-BE49-F238E27FC236}">
+                  <a16:creationId xmlns:a16="http://schemas.microsoft.com/office/drawing/2014/main" id="{F7D3EDC7-F655-DF48-A3A2-7C2D139B4111}"/>
+                </a:ext>
+              </a:extLst>
+            </p:cNvPr>
+            <p:cNvCxnSpPr/>
+            <p:nvPr/>
+          </p:nvCxnSpPr>
+          <p:spPr>
+            <a:xfrm>
+              <a:off x="3086241" y="2777187"/>
+              <a:ext cx="552617" cy="521256"/>
+            </a:xfrm>
+            <a:prstGeom prst="straightConnector1">
+              <a:avLst/>
+            </a:prstGeom>
+            <a:ln>
+              <a:tailEnd type="triangle"/>
+            </a:ln>
+          </p:spPr>
+          <p:style>
+            <a:lnRef idx="1">
+              <a:schemeClr val="accent1"/>
+            </a:lnRef>
+            <a:fillRef idx="0">
+              <a:schemeClr val="accent1"/>
+            </a:fillRef>
+            <a:effectRef idx="0">
+              <a:schemeClr val="accent1"/>
+            </a:effectRef>
+            <a:fontRef idx="minor">
+              <a:schemeClr val="tx1"/>
+            </a:fontRef>
+          </p:style>
+        </p:cxnSp>
+        <p:cxnSp>
+          <p:nvCxnSpPr>
+            <p:cNvPr id="19" name="Straight Arrow Connector 18">
+              <a:extLst>
+                <a:ext uri="{FF2B5EF4-FFF2-40B4-BE49-F238E27FC236}">
+                  <a16:creationId xmlns:a16="http://schemas.microsoft.com/office/drawing/2014/main" id="{630966A4-36F3-0F4D-9DCF-CBF390A2FCAE}"/>
+                </a:ext>
+              </a:extLst>
+            </p:cNvPr>
+            <p:cNvCxnSpPr>
+              <a:cxnSpLocks/>
+            </p:cNvCxnSpPr>
+            <p:nvPr/>
+          </p:nvCxnSpPr>
+          <p:spPr>
+            <a:xfrm flipV="1">
+              <a:off x="3099967" y="1985599"/>
+              <a:ext cx="552617" cy="521256"/>
+            </a:xfrm>
+            <a:prstGeom prst="straightConnector1">
+              <a:avLst/>
+            </a:prstGeom>
+            <a:ln>
+              <a:tailEnd type="triangle"/>
+            </a:ln>
+          </p:spPr>
+          <p:style>
+            <a:lnRef idx="1">
+              <a:schemeClr val="accent1"/>
+            </a:lnRef>
+            <a:fillRef idx="0">
+              <a:schemeClr val="accent1"/>
+            </a:fillRef>
+            <a:effectRef idx="0">
+              <a:schemeClr val="accent1"/>
+            </a:effectRef>
+            <a:fontRef idx="minor">
+              <a:schemeClr val="tx1"/>
+            </a:fontRef>
+          </p:style>
+        </p:cxnSp>
+        <p:sp>
+          <p:nvSpPr>
+            <p:cNvPr id="20" name="TextBox 19">
+              <a:extLst>
+                <a:ext uri="{FF2B5EF4-FFF2-40B4-BE49-F238E27FC236}">
+                  <a16:creationId xmlns:a16="http://schemas.microsoft.com/office/drawing/2014/main" id="{C9A0195F-AA72-7D42-AB3C-046D71F1BCA1}"/>
+                </a:ext>
+              </a:extLst>
+            </p:cNvPr>
+            <p:cNvSpPr txBox="1"/>
+            <p:nvPr/>
+          </p:nvSpPr>
+          <p:spPr>
+            <a:xfrm>
+              <a:off x="1470339" y="3905759"/>
+              <a:ext cx="476412" cy="369332"/>
+            </a:xfrm>
+            <a:prstGeom prst="rect">
+              <a:avLst/>
+            </a:prstGeom>
+            <a:noFill/>
+          </p:spPr>
+          <p:txBody>
+            <a:bodyPr wrap="none" rtlCol="0">
+              <a:spAutoFit/>
+            </a:bodyPr>
+            <a:lstStyle/>
+            <a:p>
+              <a:r>
+                <a:rPr lang="en-CH" dirty="0"/>
+                <a:t>0.8</a:t>
+              </a:r>
+            </a:p>
+          </p:txBody>
+        </p:sp>
+        <p:sp>
+          <p:nvSpPr>
+            <p:cNvPr id="21" name="TextBox 20">
+              <a:extLst>
+                <a:ext uri="{FF2B5EF4-FFF2-40B4-BE49-F238E27FC236}">
+                  <a16:creationId xmlns:a16="http://schemas.microsoft.com/office/drawing/2014/main" id="{BB2CF52D-C993-FC43-A16B-04A676E231C2}"/>
+                </a:ext>
+              </a:extLst>
+            </p:cNvPr>
+            <p:cNvSpPr txBox="1"/>
+            <p:nvPr/>
+          </p:nvSpPr>
+          <p:spPr>
+            <a:xfrm>
+              <a:off x="1496296" y="2683106"/>
+              <a:ext cx="476412" cy="369332"/>
+            </a:xfrm>
+            <a:prstGeom prst="rect">
+              <a:avLst/>
+            </a:prstGeom>
+            <a:noFill/>
+          </p:spPr>
+          <p:txBody>
+            <a:bodyPr wrap="none" rtlCol="0">
+              <a:spAutoFit/>
+            </a:bodyPr>
+            <a:lstStyle/>
+            <a:p>
+              <a:r>
+                <a:rPr lang="en-CH" dirty="0"/>
+                <a:t>0.2</a:t>
+              </a:r>
+            </a:p>
+          </p:txBody>
+        </p:sp>
+        <p:sp>
+          <p:nvSpPr>
+            <p:cNvPr id="22" name="TextBox 21">
+              <a:extLst>
+                <a:ext uri="{FF2B5EF4-FFF2-40B4-BE49-F238E27FC236}">
+                  <a16:creationId xmlns:a16="http://schemas.microsoft.com/office/drawing/2014/main" id="{357E8929-470F-9546-B973-5AE4BA117656}"/>
+                </a:ext>
+              </a:extLst>
+            </p:cNvPr>
+            <p:cNvSpPr txBox="1"/>
+            <p:nvPr/>
+          </p:nvSpPr>
+          <p:spPr>
+            <a:xfrm>
+              <a:off x="2918795" y="1857911"/>
+              <a:ext cx="476412" cy="369332"/>
+            </a:xfrm>
+            <a:prstGeom prst="rect">
+              <a:avLst/>
+            </a:prstGeom>
+            <a:noFill/>
+          </p:spPr>
+          <p:txBody>
+            <a:bodyPr wrap="none" rtlCol="0">
+              <a:spAutoFit/>
+            </a:bodyPr>
+            <a:lstStyle/>
+            <a:p>
+              <a:r>
+                <a:rPr lang="en-CH" dirty="0"/>
+                <a:t>0.7</a:t>
+              </a:r>
+            </a:p>
+          </p:txBody>
+        </p:sp>
+        <p:sp>
+          <p:nvSpPr>
+            <p:cNvPr id="23" name="TextBox 22">
+              <a:extLst>
+                <a:ext uri="{FF2B5EF4-FFF2-40B4-BE49-F238E27FC236}">
+                  <a16:creationId xmlns:a16="http://schemas.microsoft.com/office/drawing/2014/main" id="{C0CA75CB-B28C-954E-8B2E-0D41DC4FF118}"/>
+                </a:ext>
+              </a:extLst>
+            </p:cNvPr>
+            <p:cNvSpPr txBox="1"/>
+            <p:nvPr/>
+          </p:nvSpPr>
+          <p:spPr>
+            <a:xfrm>
+              <a:off x="2901248" y="2977158"/>
+              <a:ext cx="476412" cy="369332"/>
+            </a:xfrm>
+            <a:prstGeom prst="rect">
+              <a:avLst/>
+            </a:prstGeom>
+            <a:noFill/>
+          </p:spPr>
+          <p:txBody>
+            <a:bodyPr wrap="none" rtlCol="0">
+              <a:spAutoFit/>
+            </a:bodyPr>
+            <a:lstStyle/>
+            <a:p>
+              <a:r>
+                <a:rPr lang="en-CH" dirty="0"/>
+                <a:t>0.3</a:t>
+              </a:r>
+            </a:p>
+          </p:txBody>
+        </p:sp>
+        <p:sp>
+          <p:nvSpPr>
+            <p:cNvPr id="24" name="TextBox 23">
+              <a:extLst>
+                <a:ext uri="{FF2B5EF4-FFF2-40B4-BE49-F238E27FC236}">
+                  <a16:creationId xmlns:a16="http://schemas.microsoft.com/office/drawing/2014/main" id="{BD502327-47E1-BB48-990F-716948130A8D}"/>
+                </a:ext>
+              </a:extLst>
+            </p:cNvPr>
+            <p:cNvSpPr txBox="1"/>
+            <p:nvPr/>
+          </p:nvSpPr>
+          <p:spPr>
+            <a:xfrm>
+              <a:off x="2945796" y="4678414"/>
+              <a:ext cx="476412" cy="369332"/>
+            </a:xfrm>
+            <a:prstGeom prst="rect">
+              <a:avLst/>
+            </a:prstGeom>
+            <a:noFill/>
+          </p:spPr>
+          <p:txBody>
+            <a:bodyPr wrap="none" rtlCol="0">
+              <a:spAutoFit/>
+            </a:bodyPr>
+            <a:lstStyle/>
+            <a:p>
+              <a:r>
+                <a:rPr lang="en-CH" dirty="0"/>
+                <a:t>0.9</a:t>
+              </a:r>
+            </a:p>
+          </p:txBody>
+        </p:sp>
+        <p:sp>
+          <p:nvSpPr>
+            <p:cNvPr id="25" name="TextBox 24">
+              <a:extLst>
+                <a:ext uri="{FF2B5EF4-FFF2-40B4-BE49-F238E27FC236}">
+                  <a16:creationId xmlns:a16="http://schemas.microsoft.com/office/drawing/2014/main" id="{AE9E1E5E-BA47-6242-BCF3-FF0E1AF699F0}"/>
+                </a:ext>
+              </a:extLst>
+            </p:cNvPr>
+            <p:cNvSpPr txBox="1"/>
+            <p:nvPr/>
+          </p:nvSpPr>
+          <p:spPr>
+            <a:xfrm>
+              <a:off x="2886137" y="3777007"/>
+              <a:ext cx="476412" cy="369332"/>
+            </a:xfrm>
+            <a:prstGeom prst="rect">
+              <a:avLst/>
+            </a:prstGeom>
+            <a:noFill/>
+          </p:spPr>
+          <p:txBody>
+            <a:bodyPr wrap="none" rtlCol="0">
+              <a:spAutoFit/>
+            </a:bodyPr>
+            <a:lstStyle/>
+            <a:p>
+              <a:r>
+                <a:rPr lang="en-CH" dirty="0"/>
+                <a:t>0.1</a:t>
+              </a:r>
+            </a:p>
+          </p:txBody>
+        </p:sp>
+      </p:grpSp>
+      <p:sp>
+        <p:nvSpPr>
+          <p:cNvPr id="26" name="TextBox 25">
+            <a:extLst>
+              <a:ext uri="{FF2B5EF4-FFF2-40B4-BE49-F238E27FC236}">
+                <a16:creationId xmlns:a16="http://schemas.microsoft.com/office/drawing/2014/main" id="{255F6E69-B912-C24C-A66E-19C6BFDDAAD2}"/>
+              </a:ext>
+            </a:extLst>
+          </p:cNvPr>
+          <p:cNvSpPr txBox="1"/>
+          <p:nvPr/>
+        </p:nvSpPr>
+        <p:spPr>
+          <a:xfrm>
+            <a:off x="4178031" y="2872496"/>
+            <a:ext cx="2869760" cy="369332"/>
+          </a:xfrm>
+          <a:prstGeom prst="rect">
+            <a:avLst/>
+          </a:prstGeom>
+          <a:noFill/>
+        </p:spPr>
+        <p:txBody>
+          <a:bodyPr wrap="none" rtlCol="0">
+            <a:spAutoFit/>
+          </a:bodyPr>
+          <a:lstStyle/>
+          <a:p>
+            <a:r>
+              <a:rPr lang="en-CH" dirty="0"/>
+              <a:t>P(rain|cloudy)=0.2*0.7=0.14</a:t>
+            </a:r>
+          </a:p>
+        </p:txBody>
+      </p:sp>
+      <p:sp>
+        <p:nvSpPr>
+          <p:cNvPr id="27" name="TextBox 26">
+            <a:extLst>
+              <a:ext uri="{FF2B5EF4-FFF2-40B4-BE49-F238E27FC236}">
+                <a16:creationId xmlns:a16="http://schemas.microsoft.com/office/drawing/2014/main" id="{48D01729-981F-3349-BBFF-F03D73B9BE9B}"/>
+              </a:ext>
+            </a:extLst>
+          </p:cNvPr>
+          <p:cNvSpPr txBox="1"/>
+          <p:nvPr/>
+        </p:nvSpPr>
+        <p:spPr>
+          <a:xfrm>
+            <a:off x="4178031" y="4201176"/>
+            <a:ext cx="2816348" cy="369332"/>
+          </a:xfrm>
+          <a:prstGeom prst="rect">
+            <a:avLst/>
+          </a:prstGeom>
+          <a:noFill/>
+        </p:spPr>
+        <p:txBody>
+          <a:bodyPr wrap="none" rtlCol="0">
+            <a:spAutoFit/>
+          </a:bodyPr>
+          <a:lstStyle/>
+          <a:p>
+            <a:r>
+              <a:rPr lang="en-CH" dirty="0"/>
+              <a:t>P(dry|cloudy)=0.2*0.3=0.06</a:t>
+            </a:r>
+          </a:p>
+        </p:txBody>
+      </p:sp>
+      <p:sp>
+        <p:nvSpPr>
+          <p:cNvPr id="28" name="TextBox 27">
+            <a:extLst>
+              <a:ext uri="{FF2B5EF4-FFF2-40B4-BE49-F238E27FC236}">
+                <a16:creationId xmlns:a16="http://schemas.microsoft.com/office/drawing/2014/main" id="{AA015443-8A06-4841-91C5-58ED9DEC23BB}"/>
+              </a:ext>
+            </a:extLst>
+          </p:cNvPr>
+          <p:cNvSpPr txBox="1"/>
+          <p:nvPr/>
+        </p:nvSpPr>
+        <p:spPr>
+          <a:xfrm>
+            <a:off x="4178031" y="5984323"/>
+            <a:ext cx="2529410" cy="369332"/>
+          </a:xfrm>
+          <a:prstGeom prst="rect">
+            <a:avLst/>
+          </a:prstGeom>
+          <a:noFill/>
+        </p:spPr>
+        <p:txBody>
+          <a:bodyPr wrap="none" rtlCol="0">
+            <a:spAutoFit/>
+          </a:bodyPr>
+          <a:lstStyle/>
+          <a:p>
+            <a:r>
+              <a:rPr lang="en-CH" dirty="0"/>
+              <a:t>P(dry|sun)=0.8*0.9=0.72</a:t>
+            </a:r>
+          </a:p>
+        </p:txBody>
+      </p:sp>
+      <p:sp>
+        <p:nvSpPr>
+          <p:cNvPr id="29" name="TextBox 28">
+            <a:extLst>
+              <a:ext uri="{FF2B5EF4-FFF2-40B4-BE49-F238E27FC236}">
+                <a16:creationId xmlns:a16="http://schemas.microsoft.com/office/drawing/2014/main" id="{2972203B-AB2F-574B-A7CF-D1FAD46925AC}"/>
+              </a:ext>
+            </a:extLst>
+          </p:cNvPr>
+          <p:cNvSpPr txBox="1"/>
+          <p:nvPr/>
+        </p:nvSpPr>
+        <p:spPr>
+          <a:xfrm>
+            <a:off x="4178031" y="4653875"/>
+            <a:ext cx="2582823" cy="369332"/>
+          </a:xfrm>
+          <a:prstGeom prst="rect">
+            <a:avLst/>
+          </a:prstGeom>
+          <a:noFill/>
+        </p:spPr>
+        <p:txBody>
+          <a:bodyPr wrap="none" rtlCol="0">
+            <a:spAutoFit/>
+          </a:bodyPr>
+          <a:lstStyle/>
+          <a:p>
+            <a:r>
+              <a:rPr lang="en-CH" dirty="0"/>
+              <a:t>P(rain|sun)=0.8*0.1=0.08</a:t>
+            </a:r>
+          </a:p>
+        </p:txBody>
+      </p:sp>
+      <mc:AlternateContent xmlns:mc="http://schemas.openxmlformats.org/markup-compatibility/2006">
+        <mc:Choice xmlns:a14="http://schemas.microsoft.com/office/drawing/2010/main" Requires="a14">
+          <p:sp>
+            <p:nvSpPr>
+              <p:cNvPr id="30" name="TextBox 29">
+                <a:extLst>
+                  <a:ext uri="{FF2B5EF4-FFF2-40B4-BE49-F238E27FC236}">
+                    <a16:creationId xmlns:a16="http://schemas.microsoft.com/office/drawing/2014/main" id="{CD7B7D5B-C9B9-CB4C-A43C-6879FF321EE4}"/>
+                  </a:ext>
+                </a:extLst>
+              </p:cNvPr>
+              <p:cNvSpPr txBox="1"/>
+              <p:nvPr/>
+            </p:nvSpPr>
+            <p:spPr>
+              <a:xfrm>
+                <a:off x="7385020" y="2754825"/>
+                <a:ext cx="4544710" cy="1404680"/>
+              </a:xfrm>
+              <a:prstGeom prst="rect">
+                <a:avLst/>
+              </a:prstGeom>
+              <a:noFill/>
+            </p:spPr>
+            <p:txBody>
+              <a:bodyPr wrap="square" rtlCol="0">
+                <a:spAutoFit/>
+              </a:bodyPr>
+              <a:lstStyle/>
+              <a:p>
+                <a:r>
+                  <a:rPr lang="en-CH" i="0" dirty="0">
+                    <a:latin typeface="+mj-lt"/>
+                  </a:rPr>
+                  <a:t>If we know that it rained, what</a:t>
+                </a:r>
+                <a:endParaRPr lang="en-CH" dirty="0"/>
+              </a:p>
+              <a:p>
+                <a:r>
+                  <a:rPr lang="en-GB" i="0" dirty="0">
+                    <a:latin typeface="+mj-lt"/>
+                  </a:rPr>
+                  <a:t>I</a:t>
+                </a:r>
+                <a:r>
+                  <a:rPr lang="en-CH" i="0" dirty="0">
+                    <a:latin typeface="+mj-lt"/>
+                  </a:rPr>
+                  <a:t>s the probability that the forecast</a:t>
+                </a:r>
+                <a:endParaRPr lang="en-CH" dirty="0"/>
+              </a:p>
+              <a:p>
+                <a:r>
+                  <a:rPr lang="en-GB" i="0" dirty="0">
+                    <a:latin typeface="+mj-lt"/>
+                  </a:rPr>
+                  <a:t>was sunshine??</a:t>
+                </a:r>
+                <a:endParaRPr lang="en-GB" dirty="0"/>
+              </a:p>
+              <a:p>
+                <a:r>
+                  <a:rPr lang="en-GB" dirty="0"/>
+                  <a:t>P(sun|</a:t>
+                </a:r>
+                <a14:m>
+                  <m:oMath xmlns:m="http://schemas.openxmlformats.org/officeDocument/2006/math">
+                    <m:r>
+                      <a:rPr lang="de-CH" b="0" i="1" smtClean="0">
+                        <a:latin typeface="Cambria Math" panose="02040503050406030204" pitchFamily="18" charset="0"/>
+                      </a:rPr>
+                      <m:t>𝑟𝑎𝑖𝑛</m:t>
+                    </m:r>
+                    <m:r>
+                      <a:rPr lang="de-CH" b="0" i="1" smtClean="0">
+                        <a:latin typeface="Cambria Math" panose="02040503050406030204" pitchFamily="18" charset="0"/>
+                      </a:rPr>
+                      <m:t>)= </m:t>
+                    </m:r>
+                    <m:f>
+                      <m:fPr>
+                        <m:ctrlPr>
+                          <a:rPr lang="de-CH" b="0" i="1" smtClean="0">
+                            <a:latin typeface="Cambria Math" panose="02040503050406030204" pitchFamily="18" charset="0"/>
+                          </a:rPr>
+                        </m:ctrlPr>
+                      </m:fPr>
+                      <m:num>
+                        <m:r>
+                          <a:rPr lang="de-CH" b="0" i="1" smtClean="0">
+                            <a:latin typeface="Cambria Math" panose="02040503050406030204" pitchFamily="18" charset="0"/>
+                          </a:rPr>
+                          <m:t>𝑃</m:t>
+                        </m:r>
+                        <m:d>
+                          <m:dPr>
+                            <m:ctrlPr>
+                              <a:rPr lang="de-CH" b="0" i="1" smtClean="0">
+                                <a:latin typeface="Cambria Math" panose="02040503050406030204" pitchFamily="18" charset="0"/>
+                              </a:rPr>
+                            </m:ctrlPr>
+                          </m:dPr>
+                          <m:e>
+                            <m:r>
+                              <a:rPr lang="de-CH" b="0" i="1" smtClean="0">
+                                <a:latin typeface="Cambria Math" panose="02040503050406030204" pitchFamily="18" charset="0"/>
+                              </a:rPr>
+                              <m:t>𝑟𝑎𝑖𝑛</m:t>
+                            </m:r>
+                          </m:e>
+                          <m:e>
+                            <m:r>
+                              <a:rPr lang="de-CH" b="0" i="1" smtClean="0">
+                                <a:latin typeface="Cambria Math" panose="02040503050406030204" pitchFamily="18" charset="0"/>
+                              </a:rPr>
+                              <m:t>𝑠𝑢𝑛</m:t>
+                            </m:r>
+                          </m:e>
+                        </m:d>
+                        <m:r>
+                          <a:rPr lang="de-CH" b="0" i="1" smtClean="0">
+                            <a:latin typeface="Cambria Math" panose="02040503050406030204" pitchFamily="18" charset="0"/>
+                          </a:rPr>
+                          <m:t>∗</m:t>
+                        </m:r>
+                        <m:r>
+                          <a:rPr lang="de-CH" b="0" i="1" smtClean="0">
+                            <a:latin typeface="Cambria Math" panose="02040503050406030204" pitchFamily="18" charset="0"/>
+                          </a:rPr>
+                          <m:t>𝑃</m:t>
+                        </m:r>
+                        <m:r>
+                          <a:rPr lang="de-CH" b="0" i="1" smtClean="0">
+                            <a:latin typeface="Cambria Math" panose="02040503050406030204" pitchFamily="18" charset="0"/>
+                          </a:rPr>
+                          <m:t>(</m:t>
+                        </m:r>
+                        <m:r>
+                          <a:rPr lang="de-CH" b="0" i="1" smtClean="0">
+                            <a:latin typeface="Cambria Math" panose="02040503050406030204" pitchFamily="18" charset="0"/>
+                          </a:rPr>
+                          <m:t>𝑠𝑢𝑛</m:t>
+                        </m:r>
+                        <m:r>
+                          <a:rPr lang="de-CH" b="0" i="1" smtClean="0">
+                            <a:latin typeface="Cambria Math" panose="02040503050406030204" pitchFamily="18" charset="0"/>
+                          </a:rPr>
+                          <m:t>)</m:t>
+                        </m:r>
+                      </m:num>
+                      <m:den>
+                        <m:r>
+                          <a:rPr lang="de-CH" b="0" i="1" smtClean="0">
+                            <a:latin typeface="Cambria Math" panose="02040503050406030204" pitchFamily="18" charset="0"/>
+                          </a:rPr>
+                          <m:t>𝑃</m:t>
+                        </m:r>
+                        <m:r>
+                          <a:rPr lang="de-CH" b="0" i="1" smtClean="0">
+                            <a:latin typeface="Cambria Math" panose="02040503050406030204" pitchFamily="18" charset="0"/>
+                          </a:rPr>
+                          <m:t>(</m:t>
+                        </m:r>
+                        <m:r>
+                          <a:rPr lang="de-CH" b="0" i="1" smtClean="0">
+                            <a:latin typeface="Cambria Math" panose="02040503050406030204" pitchFamily="18" charset="0"/>
+                          </a:rPr>
+                          <m:t>𝑟𝑎𝑖𝑛</m:t>
+                        </m:r>
+                        <m:r>
+                          <a:rPr lang="de-CH" b="0" i="1" smtClean="0">
+                            <a:latin typeface="Cambria Math" panose="02040503050406030204" pitchFamily="18" charset="0"/>
+                          </a:rPr>
+                          <m:t>)</m:t>
+                        </m:r>
+                      </m:den>
+                    </m:f>
+                  </m:oMath>
+                </a14:m>
+                <a:endParaRPr lang="en-CH" dirty="0"/>
+              </a:p>
+            </p:txBody>
+          </p:sp>
+        </mc:Choice>
+        <mc:Fallback>
+          <p:sp>
+            <p:nvSpPr>
+              <p:cNvPr id="30" name="TextBox 29">
+                <a:extLst>
+                  <a:ext uri="{FF2B5EF4-FFF2-40B4-BE49-F238E27FC236}">
+                    <a16:creationId xmlns:a16="http://schemas.microsoft.com/office/drawing/2014/main" id="{CD7B7D5B-C9B9-CB4C-A43C-6879FF321EE4}"/>
+                  </a:ext>
+                </a:extLst>
+              </p:cNvPr>
+              <p:cNvSpPr txBox="1">
+                <a:spLocks noRot="1" noChangeAspect="1" noMove="1" noResize="1" noEditPoints="1" noAdjustHandles="1" noChangeArrowheads="1" noChangeShapeType="1" noTextEdit="1"/>
+              </p:cNvSpPr>
+              <p:nvPr/>
+            </p:nvSpPr>
+            <p:spPr>
+              <a:xfrm>
+                <a:off x="7385020" y="2754825"/>
+                <a:ext cx="4544710" cy="1404680"/>
+              </a:xfrm>
+              <a:prstGeom prst="rect">
+                <a:avLst/>
+              </a:prstGeom>
+              <a:blipFill>
+                <a:blip r:embed="rId3"/>
+                <a:stretch>
+                  <a:fillRect l="-836" t="-1786"/>
+                </a:stretch>
+              </a:blipFill>
+            </p:spPr>
+            <p:txBody>
+              <a:bodyPr/>
+              <a:lstStyle/>
+              <a:p>
+                <a:r>
+                  <a:rPr lang="en-CH">
+                    <a:noFill/>
+                  </a:rPr>
+                  <a:t> </a:t>
+                </a:r>
+              </a:p>
+            </p:txBody>
+          </p:sp>
+        </mc:Fallback>
+      </mc:AlternateContent>
+      <p:sp>
+        <p:nvSpPr>
+          <p:cNvPr id="31" name="TextBox 30">
+            <a:extLst>
+              <a:ext uri="{FF2B5EF4-FFF2-40B4-BE49-F238E27FC236}">
+                <a16:creationId xmlns:a16="http://schemas.microsoft.com/office/drawing/2014/main" id="{59D0CE40-8689-D24B-BE86-77502E8FBD98}"/>
+              </a:ext>
+            </a:extLst>
+          </p:cNvPr>
+          <p:cNvSpPr txBox="1"/>
+          <p:nvPr/>
+        </p:nvSpPr>
+        <p:spPr>
+          <a:xfrm>
+            <a:off x="8357191" y="4570508"/>
+            <a:ext cx="2909771" cy="369332"/>
+          </a:xfrm>
+          <a:prstGeom prst="rect">
+            <a:avLst/>
+          </a:prstGeom>
+          <a:noFill/>
+        </p:spPr>
+        <p:txBody>
+          <a:bodyPr wrap="none" rtlCol="0">
+            <a:spAutoFit/>
+          </a:bodyPr>
+          <a:lstStyle/>
+          <a:p>
+            <a:r>
+              <a:rPr lang="en-CH" dirty="0"/>
+              <a:t>= 0.08*0.8/(0.14+0.08)= 0.29</a:t>
+            </a:r>
+          </a:p>
+        </p:txBody>
+      </p:sp>
     </p:spTree>
     <p:extLst>
       <p:ext uri="{BB962C8B-B14F-4D97-AF65-F5344CB8AC3E}">
-        <p14:creationId xmlns:p14="http://schemas.microsoft.com/office/powerpoint/2010/main" val="1134133447"/>
+        <p14:creationId xmlns:p14="http://schemas.microsoft.com/office/powerpoint/2010/main" val="2562220278"/>
       </p:ext>
     </p:extLst>
   </p:cSld>
@@ -5224,7 +9177,7 @@
           <p:cNvPr id="4" name="TextBox 3">
             <a:extLst>
               <a:ext uri="{FF2B5EF4-FFF2-40B4-BE49-F238E27FC236}">
-                <a16:creationId xmlns:a16="http://schemas.microsoft.com/office/drawing/2014/main" id="{3FD9908E-4E6B-AF4F-98B4-02B686F412D8}"/>
+                <a16:creationId xmlns:a16="http://schemas.microsoft.com/office/drawing/2014/main" id="{F2F446F1-3BA3-B542-BFF8-7A41B19D972F}"/>
               </a:ext>
             </a:extLst>
           </p:cNvPr>
@@ -5233,8 +9186,8 @@
         </p:nvSpPr>
         <p:spPr>
           <a:xfrm>
-            <a:off x="228600" y="503896"/>
-            <a:ext cx="5185522" cy="461665"/>
+            <a:off x="864403" y="301257"/>
+            <a:ext cx="2984791" cy="523220"/>
           </a:xfrm>
           <a:prstGeom prst="rect">
             <a:avLst/>
@@ -5248,47 +9201,98 @@
           <a:lstStyle/>
           <a:p>
             <a:r>
-              <a:rPr lang="en-GB" sz="2400" b="1" dirty="0"/>
-              <a:t>Likelihood for the binomial distribution</a:t>
-            </a:r>
-          </a:p>
-        </p:txBody>
-      </p:sp>
-      <p:pic>
-        <p:nvPicPr>
-          <p:cNvPr id="5" name="Picture 4">
-            <a:extLst>
-              <a:ext uri="{FF2B5EF4-FFF2-40B4-BE49-F238E27FC236}">
-                <a16:creationId xmlns:a16="http://schemas.microsoft.com/office/drawing/2014/main" id="{D49DC3DA-D876-CD47-9D1C-FEFD3010B10D}"/>
-              </a:ext>
-            </a:extLst>
-          </p:cNvPr>
-          <p:cNvPicPr>
-            <a:picLocks noChangeAspect="1"/>
-          </p:cNvPicPr>
+              <a:rPr lang="en-CH" sz="2800" b="1" dirty="0"/>
+              <a:t>Bayesian inference</a:t>
+            </a:r>
+          </a:p>
+        </p:txBody>
+      </p:sp>
+      <p:sp>
+        <p:nvSpPr>
+          <p:cNvPr id="5" name="TextBox 4">
+            <a:extLst>
+              <a:ext uri="{FF2B5EF4-FFF2-40B4-BE49-F238E27FC236}">
+                <a16:creationId xmlns:a16="http://schemas.microsoft.com/office/drawing/2014/main" id="{E9655818-8438-0849-B68D-7BE1BC2FE8E1}"/>
+              </a:ext>
+            </a:extLst>
+          </p:cNvPr>
+          <p:cNvSpPr txBox="1"/>
           <p:nvPr/>
-        </p:nvPicPr>
-        <p:blipFill rotWithShape="1">
-          <a:blip r:embed="rId2"/>
-          <a:srcRect b="6923"/>
-          <a:stretch/>
-        </p:blipFill>
+        </p:nvSpPr>
         <p:spPr>
           <a:xfrm>
-            <a:off x="228600" y="1337139"/>
-            <a:ext cx="5575991" cy="2977686"/>
+            <a:off x="1162493" y="921291"/>
+            <a:ext cx="9867014" cy="646331"/>
           </a:xfrm>
           <a:prstGeom prst="rect">
             <a:avLst/>
           </a:prstGeom>
+          <a:noFill/>
         </p:spPr>
-      </p:pic>
+        <p:txBody>
+          <a:bodyPr wrap="square" rtlCol="0">
+            <a:spAutoFit/>
+          </a:bodyPr>
+          <a:lstStyle/>
+          <a:p>
+            <a:r>
+              <a:rPr lang="en-GB" dirty="0"/>
+              <a:t>is a method of </a:t>
+            </a:r>
+            <a:r>
+              <a:rPr lang="en-GB" dirty="0">
+                <a:hlinkClick r:id="rId2" tooltip="Statistical inference"/>
+              </a:rPr>
+              <a:t>statistical inference</a:t>
+            </a:r>
+            <a:r>
+              <a:rPr lang="en-GB" dirty="0"/>
+              <a:t> in which </a:t>
+            </a:r>
+            <a:r>
+              <a:rPr lang="en-GB" dirty="0">
+                <a:hlinkClick r:id="rId3" tooltip="Bayes' theorem"/>
+              </a:rPr>
+              <a:t>Bayes' theorem</a:t>
+            </a:r>
+            <a:r>
+              <a:rPr lang="en-GB" dirty="0"/>
+              <a:t> is used to update the probability for a hypothesis as more </a:t>
+            </a:r>
+            <a:r>
+              <a:rPr lang="en-GB" dirty="0">
+                <a:hlinkClick r:id="rId4" tooltip="Evidence"/>
+              </a:rPr>
+              <a:t>evidence</a:t>
+            </a:r>
+            <a:r>
+              <a:rPr lang="en-GB" dirty="0"/>
+              <a:t> or </a:t>
+            </a:r>
+            <a:r>
+              <a:rPr lang="en-GB" dirty="0" err="1">
+                <a:hlinkClick r:id="rId5" tooltip="Information"/>
+              </a:rPr>
+              <a:t>information</a:t>
+            </a:r>
+            <a:r>
+              <a:rPr lang="en-GB" dirty="0" err="1"/>
+              <a:t>becomes</a:t>
+            </a:r>
+            <a:r>
+              <a:rPr lang="en-GB" dirty="0"/>
+              <a:t> available</a:t>
+            </a:r>
+            <a:endParaRPr lang="en-CH" dirty="0"/>
+          </a:p>
+        </p:txBody>
+      </p:sp>
       <p:pic>
         <p:nvPicPr>
-          <p:cNvPr id="8" name="Picture 7">
-            <a:extLst>
-              <a:ext uri="{FF2B5EF4-FFF2-40B4-BE49-F238E27FC236}">
-                <a16:creationId xmlns:a16="http://schemas.microsoft.com/office/drawing/2014/main" id="{6AF61FBF-9221-5741-ACBA-AF0C71159486}"/>
+          <p:cNvPr id="7" name="Picture 6">
+            <a:extLst>
+              <a:ext uri="{FF2B5EF4-FFF2-40B4-BE49-F238E27FC236}">
+                <a16:creationId xmlns:a16="http://schemas.microsoft.com/office/drawing/2014/main" id="{E2C0A508-8000-154E-AE3E-2DD299FD888D}"/>
               </a:ext>
             </a:extLst>
           </p:cNvPr>
@@ -5298,25 +9302,737 @@
           <p:nvPr/>
         </p:nvPicPr>
         <p:blipFill>
-          <a:blip r:embed="rId3"/>
+          <a:blip r:embed="rId6"/>
           <a:stretch>
             <a:fillRect/>
           </a:stretch>
         </p:blipFill>
         <p:spPr>
           <a:xfrm>
-            <a:off x="5918200" y="1225550"/>
-            <a:ext cx="6273800" cy="4406900"/>
+            <a:off x="103574" y="2248663"/>
+            <a:ext cx="11984852" cy="4375422"/>
           </a:xfrm>
           <a:prstGeom prst="rect">
             <a:avLst/>
           </a:prstGeom>
         </p:spPr>
       </p:pic>
+      <p:sp>
+        <p:nvSpPr>
+          <p:cNvPr id="8" name="TextBox 7">
+            <a:extLst>
+              <a:ext uri="{FF2B5EF4-FFF2-40B4-BE49-F238E27FC236}">
+                <a16:creationId xmlns:a16="http://schemas.microsoft.com/office/drawing/2014/main" id="{EF2AB9E1-773B-7945-A461-0FE5124B6F31}"/>
+              </a:ext>
+            </a:extLst>
+          </p:cNvPr>
+          <p:cNvSpPr txBox="1"/>
+          <p:nvPr/>
+        </p:nvSpPr>
+        <p:spPr>
+          <a:xfrm>
+            <a:off x="2604635" y="1936954"/>
+            <a:ext cx="1190839" cy="369332"/>
+          </a:xfrm>
+          <a:prstGeom prst="rect">
+            <a:avLst/>
+          </a:prstGeom>
+          <a:noFill/>
+        </p:spPr>
+        <p:txBody>
+          <a:bodyPr wrap="none" rtlCol="0">
+            <a:spAutoFit/>
+          </a:bodyPr>
+          <a:lstStyle/>
+          <a:p>
+            <a:r>
+              <a:rPr lang="en-GB" dirty="0">
+                <a:solidFill>
+                  <a:srgbClr val="00B050"/>
+                </a:solidFill>
+              </a:rPr>
+              <a:t>P</a:t>
+            </a:r>
+            <a:r>
+              <a:rPr lang="en-CH" dirty="0">
+                <a:solidFill>
+                  <a:srgbClr val="00B050"/>
+                </a:solidFill>
+              </a:rPr>
+              <a:t>rior prob.</a:t>
+            </a:r>
+          </a:p>
+        </p:txBody>
+      </p:sp>
+      <p:sp>
+        <p:nvSpPr>
+          <p:cNvPr id="9" name="TextBox 8">
+            <a:extLst>
+              <a:ext uri="{FF2B5EF4-FFF2-40B4-BE49-F238E27FC236}">
+                <a16:creationId xmlns:a16="http://schemas.microsoft.com/office/drawing/2014/main" id="{17BE8341-6DAE-2441-A34B-F2223E1A7462}"/>
+              </a:ext>
+            </a:extLst>
+          </p:cNvPr>
+          <p:cNvSpPr txBox="1"/>
+          <p:nvPr/>
+        </p:nvSpPr>
+        <p:spPr>
+          <a:xfrm>
+            <a:off x="1442613" y="1879331"/>
+            <a:ext cx="1095749" cy="369332"/>
+          </a:xfrm>
+          <a:prstGeom prst="rect">
+            <a:avLst/>
+          </a:prstGeom>
+          <a:noFill/>
+        </p:spPr>
+        <p:txBody>
+          <a:bodyPr wrap="none" rtlCol="0">
+            <a:spAutoFit/>
+          </a:bodyPr>
+          <a:lstStyle/>
+          <a:p>
+            <a:r>
+              <a:rPr lang="de-CH" dirty="0" err="1">
+                <a:solidFill>
+                  <a:srgbClr val="00B050"/>
+                </a:solidFill>
+              </a:rPr>
+              <a:t>likelihood</a:t>
+            </a:r>
+            <a:endParaRPr lang="en-CH" dirty="0">
+              <a:solidFill>
+                <a:srgbClr val="00B050"/>
+              </a:solidFill>
+            </a:endParaRPr>
+          </a:p>
+        </p:txBody>
+      </p:sp>
+      <p:sp>
+        <p:nvSpPr>
+          <p:cNvPr id="10" name="TextBox 9">
+            <a:extLst>
+              <a:ext uri="{FF2B5EF4-FFF2-40B4-BE49-F238E27FC236}">
+                <a16:creationId xmlns:a16="http://schemas.microsoft.com/office/drawing/2014/main" id="{BFBB3B43-8B72-9643-9387-F5D6FB27A84A}"/>
+              </a:ext>
+            </a:extLst>
+          </p:cNvPr>
+          <p:cNvSpPr txBox="1"/>
+          <p:nvPr/>
+        </p:nvSpPr>
+        <p:spPr>
+          <a:xfrm>
+            <a:off x="1990487" y="2825753"/>
+            <a:ext cx="1980670" cy="369332"/>
+          </a:xfrm>
+          <a:prstGeom prst="rect">
+            <a:avLst/>
+          </a:prstGeom>
+          <a:noFill/>
+        </p:spPr>
+        <p:txBody>
+          <a:bodyPr wrap="none" rtlCol="0">
+            <a:spAutoFit/>
+          </a:bodyPr>
+          <a:lstStyle/>
+          <a:p>
+            <a:r>
+              <a:rPr lang="de-CH" dirty="0">
+                <a:solidFill>
+                  <a:srgbClr val="00B050"/>
+                </a:solidFill>
+              </a:rPr>
+              <a:t>Marginal </a:t>
+            </a:r>
+            <a:r>
+              <a:rPr lang="de-CH" dirty="0" err="1">
+                <a:solidFill>
+                  <a:srgbClr val="00B050"/>
+                </a:solidFill>
+              </a:rPr>
+              <a:t>likelihood</a:t>
+            </a:r>
+            <a:endParaRPr lang="en-CH" dirty="0">
+              <a:solidFill>
+                <a:srgbClr val="00B050"/>
+              </a:solidFill>
+            </a:endParaRPr>
+          </a:p>
+        </p:txBody>
+      </p:sp>
+      <p:sp>
+        <p:nvSpPr>
+          <p:cNvPr id="11" name="TextBox 10">
+            <a:extLst>
+              <a:ext uri="{FF2B5EF4-FFF2-40B4-BE49-F238E27FC236}">
+                <a16:creationId xmlns:a16="http://schemas.microsoft.com/office/drawing/2014/main" id="{F0AF3D8A-3952-4342-A87F-DC86FE2D73E5}"/>
+              </a:ext>
+            </a:extLst>
+          </p:cNvPr>
+          <p:cNvSpPr txBox="1"/>
+          <p:nvPr/>
+        </p:nvSpPr>
+        <p:spPr>
+          <a:xfrm>
+            <a:off x="321658" y="1879331"/>
+            <a:ext cx="1085490" cy="646331"/>
+          </a:xfrm>
+          <a:prstGeom prst="rect">
+            <a:avLst/>
+          </a:prstGeom>
+          <a:noFill/>
+        </p:spPr>
+        <p:txBody>
+          <a:bodyPr wrap="none" rtlCol="0">
+            <a:spAutoFit/>
+          </a:bodyPr>
+          <a:lstStyle/>
+          <a:p>
+            <a:r>
+              <a:rPr lang="de-CH" dirty="0" err="1">
+                <a:solidFill>
+                  <a:srgbClr val="00B050"/>
+                </a:solidFill>
+              </a:rPr>
+              <a:t>Posterior</a:t>
+            </a:r>
+            <a:r>
+              <a:rPr lang="de-CH" dirty="0">
+                <a:solidFill>
+                  <a:srgbClr val="00B050"/>
+                </a:solidFill>
+              </a:rPr>
+              <a:t> </a:t>
+            </a:r>
+          </a:p>
+          <a:p>
+            <a:r>
+              <a:rPr lang="de-CH" dirty="0">
+                <a:solidFill>
+                  <a:srgbClr val="00B050"/>
+                </a:solidFill>
+              </a:rPr>
+              <a:t>prob.</a:t>
+            </a:r>
+            <a:endParaRPr lang="en-CH" dirty="0">
+              <a:solidFill>
+                <a:srgbClr val="00B050"/>
+              </a:solidFill>
+            </a:endParaRPr>
+          </a:p>
+        </p:txBody>
+      </p:sp>
+      <p:sp>
+        <p:nvSpPr>
+          <p:cNvPr id="12" name="TextBox 11">
+            <a:extLst>
+              <a:ext uri="{FF2B5EF4-FFF2-40B4-BE49-F238E27FC236}">
+                <a16:creationId xmlns:a16="http://schemas.microsoft.com/office/drawing/2014/main" id="{B16B754F-98CE-CC4B-8854-ECE7030CF40D}"/>
+              </a:ext>
+            </a:extLst>
+          </p:cNvPr>
+          <p:cNvSpPr txBox="1"/>
+          <p:nvPr/>
+        </p:nvSpPr>
+        <p:spPr>
+          <a:xfrm>
+            <a:off x="5040439" y="1664436"/>
+            <a:ext cx="6763133" cy="1477328"/>
+          </a:xfrm>
+          <a:prstGeom prst="rect">
+            <a:avLst/>
+          </a:prstGeom>
+          <a:noFill/>
+        </p:spPr>
+        <p:txBody>
+          <a:bodyPr wrap="none" rtlCol="0">
+            <a:spAutoFit/>
+          </a:bodyPr>
+          <a:lstStyle/>
+          <a:p>
+            <a:r>
+              <a:rPr lang="de-CH" dirty="0">
+                <a:solidFill>
+                  <a:srgbClr val="00B050"/>
+                </a:solidFill>
+              </a:rPr>
+              <a:t>E=</a:t>
+            </a:r>
+            <a:r>
+              <a:rPr lang="de-CH" dirty="0" err="1">
+                <a:solidFill>
+                  <a:srgbClr val="00B050"/>
+                </a:solidFill>
+              </a:rPr>
+              <a:t>evidence</a:t>
+            </a:r>
+            <a:endParaRPr lang="de-CH" dirty="0">
+              <a:solidFill>
+                <a:srgbClr val="00B050"/>
+              </a:solidFill>
+            </a:endParaRPr>
+          </a:p>
+          <a:p>
+            <a:r>
+              <a:rPr lang="de-CH" dirty="0">
+                <a:solidFill>
+                  <a:srgbClr val="00B050"/>
+                </a:solidFill>
+              </a:rPr>
+              <a:t>H=</a:t>
+            </a:r>
+            <a:r>
+              <a:rPr lang="de-CH" dirty="0" err="1">
+                <a:solidFill>
+                  <a:srgbClr val="00B050"/>
+                </a:solidFill>
+              </a:rPr>
+              <a:t>hypothesis</a:t>
+            </a:r>
+            <a:endParaRPr lang="de-CH" dirty="0">
+              <a:solidFill>
+                <a:srgbClr val="00B050"/>
+              </a:solidFill>
+            </a:endParaRPr>
+          </a:p>
+          <a:p>
+            <a:r>
+              <a:rPr lang="de-CH" dirty="0" err="1">
+                <a:solidFill>
+                  <a:srgbClr val="00B050"/>
+                </a:solidFill>
+              </a:rPr>
+              <a:t>What</a:t>
+            </a:r>
+            <a:r>
+              <a:rPr lang="de-CH" dirty="0">
+                <a:solidFill>
+                  <a:srgbClr val="00B050"/>
+                </a:solidFill>
+              </a:rPr>
+              <a:t> </a:t>
+            </a:r>
+            <a:r>
+              <a:rPr lang="de-CH" dirty="0" err="1">
+                <a:solidFill>
+                  <a:srgbClr val="00B050"/>
+                </a:solidFill>
+              </a:rPr>
+              <a:t>is</a:t>
+            </a:r>
+            <a:r>
+              <a:rPr lang="de-CH" dirty="0">
+                <a:solidFill>
+                  <a:srgbClr val="00B050"/>
+                </a:solidFill>
+              </a:rPr>
+              <a:t> </a:t>
+            </a:r>
+            <a:r>
+              <a:rPr lang="de-CH" dirty="0" err="1">
+                <a:solidFill>
+                  <a:srgbClr val="00B050"/>
+                </a:solidFill>
+              </a:rPr>
+              <a:t>the</a:t>
+            </a:r>
+            <a:r>
+              <a:rPr lang="de-CH" dirty="0">
+                <a:solidFill>
+                  <a:srgbClr val="00B050"/>
+                </a:solidFill>
+              </a:rPr>
+              <a:t> </a:t>
+            </a:r>
+            <a:r>
+              <a:rPr lang="de-CH" dirty="0" err="1">
+                <a:solidFill>
+                  <a:srgbClr val="00B050"/>
+                </a:solidFill>
+              </a:rPr>
+              <a:t>probability</a:t>
+            </a:r>
+            <a:r>
+              <a:rPr lang="de-CH" dirty="0">
+                <a:solidFill>
+                  <a:srgbClr val="00B050"/>
+                </a:solidFill>
+              </a:rPr>
+              <a:t> </a:t>
+            </a:r>
+            <a:r>
+              <a:rPr lang="de-CH" dirty="0" err="1">
+                <a:solidFill>
+                  <a:srgbClr val="00B050"/>
+                </a:solidFill>
+              </a:rPr>
+              <a:t>of</a:t>
+            </a:r>
+            <a:r>
+              <a:rPr lang="de-CH" dirty="0">
+                <a:solidFill>
+                  <a:srgbClr val="00B050"/>
+                </a:solidFill>
+              </a:rPr>
+              <a:t> </a:t>
+            </a:r>
+            <a:r>
+              <a:rPr lang="de-CH" dirty="0" err="1">
+                <a:solidFill>
+                  <a:srgbClr val="00B050"/>
+                </a:solidFill>
+              </a:rPr>
+              <a:t>our</a:t>
+            </a:r>
+            <a:r>
+              <a:rPr lang="de-CH" dirty="0">
+                <a:solidFill>
+                  <a:srgbClr val="00B050"/>
+                </a:solidFill>
+              </a:rPr>
+              <a:t> </a:t>
+            </a:r>
+            <a:r>
+              <a:rPr lang="de-CH" dirty="0" err="1">
+                <a:solidFill>
+                  <a:srgbClr val="00B050"/>
+                </a:solidFill>
+              </a:rPr>
+              <a:t>hypothesis</a:t>
+            </a:r>
+            <a:r>
+              <a:rPr lang="de-CH" dirty="0">
+                <a:solidFill>
+                  <a:srgbClr val="00B050"/>
+                </a:solidFill>
+              </a:rPr>
+              <a:t> </a:t>
+            </a:r>
+            <a:r>
+              <a:rPr lang="de-CH" dirty="0" err="1">
+                <a:solidFill>
+                  <a:srgbClr val="00B050"/>
+                </a:solidFill>
+              </a:rPr>
+              <a:t>given</a:t>
+            </a:r>
+            <a:r>
+              <a:rPr lang="de-CH" dirty="0">
+                <a:solidFill>
+                  <a:srgbClr val="00B050"/>
+                </a:solidFill>
+              </a:rPr>
+              <a:t> </a:t>
+            </a:r>
+            <a:r>
+              <a:rPr lang="de-CH" dirty="0" err="1">
+                <a:solidFill>
+                  <a:srgbClr val="00B050"/>
+                </a:solidFill>
+              </a:rPr>
+              <a:t>the</a:t>
+            </a:r>
+            <a:r>
+              <a:rPr lang="de-CH" dirty="0">
+                <a:solidFill>
+                  <a:srgbClr val="00B050"/>
+                </a:solidFill>
+              </a:rPr>
+              <a:t> </a:t>
+            </a:r>
+            <a:r>
+              <a:rPr lang="de-CH" dirty="0" err="1">
+                <a:solidFill>
+                  <a:srgbClr val="00B050"/>
+                </a:solidFill>
+              </a:rPr>
+              <a:t>evidence</a:t>
+            </a:r>
+            <a:r>
+              <a:rPr lang="de-CH" dirty="0">
+                <a:solidFill>
+                  <a:srgbClr val="00B050"/>
+                </a:solidFill>
+              </a:rPr>
+              <a:t>?</a:t>
+            </a:r>
+          </a:p>
+          <a:p>
+            <a:r>
+              <a:rPr lang="de-CH" dirty="0">
+                <a:solidFill>
+                  <a:srgbClr val="00B050"/>
+                </a:solidFill>
+              </a:rPr>
+              <a:t>e.g. </a:t>
+            </a:r>
+            <a:r>
+              <a:rPr lang="de-CH" dirty="0" err="1">
+                <a:solidFill>
+                  <a:srgbClr val="00B050"/>
+                </a:solidFill>
+              </a:rPr>
+              <a:t>what</a:t>
+            </a:r>
+            <a:r>
+              <a:rPr lang="de-CH" dirty="0">
+                <a:solidFill>
+                  <a:srgbClr val="00B050"/>
+                </a:solidFill>
+              </a:rPr>
+              <a:t> </a:t>
+            </a:r>
+            <a:r>
+              <a:rPr lang="de-CH" dirty="0" err="1">
+                <a:solidFill>
+                  <a:srgbClr val="00B050"/>
+                </a:solidFill>
+              </a:rPr>
+              <a:t>is</a:t>
+            </a:r>
+            <a:r>
+              <a:rPr lang="de-CH" dirty="0">
+                <a:solidFill>
+                  <a:srgbClr val="00B050"/>
+                </a:solidFill>
+              </a:rPr>
+              <a:t> </a:t>
+            </a:r>
+            <a:r>
+              <a:rPr lang="de-CH" dirty="0" err="1">
+                <a:solidFill>
+                  <a:srgbClr val="00B050"/>
+                </a:solidFill>
+              </a:rPr>
+              <a:t>the</a:t>
+            </a:r>
+            <a:r>
+              <a:rPr lang="de-CH" dirty="0">
+                <a:solidFill>
+                  <a:srgbClr val="00B050"/>
+                </a:solidFill>
+              </a:rPr>
+              <a:t> </a:t>
+            </a:r>
+            <a:r>
+              <a:rPr lang="de-CH" dirty="0" err="1">
+                <a:solidFill>
+                  <a:srgbClr val="00B050"/>
+                </a:solidFill>
+              </a:rPr>
+              <a:t>probability</a:t>
+            </a:r>
+            <a:r>
+              <a:rPr lang="de-CH" dirty="0">
+                <a:solidFill>
+                  <a:srgbClr val="00B050"/>
+                </a:solidFill>
+              </a:rPr>
+              <a:t> </a:t>
+            </a:r>
+            <a:r>
+              <a:rPr lang="de-CH" dirty="0" err="1">
+                <a:solidFill>
+                  <a:srgbClr val="00B050"/>
+                </a:solidFill>
+              </a:rPr>
+              <a:t>our</a:t>
+            </a:r>
+            <a:r>
+              <a:rPr lang="de-CH" dirty="0">
+                <a:solidFill>
+                  <a:srgbClr val="00B050"/>
+                </a:solidFill>
+              </a:rPr>
+              <a:t> </a:t>
+            </a:r>
+            <a:r>
+              <a:rPr lang="de-CH" dirty="0" err="1">
+                <a:solidFill>
+                  <a:srgbClr val="00B050"/>
+                </a:solidFill>
+              </a:rPr>
+              <a:t>data</a:t>
+            </a:r>
+            <a:r>
+              <a:rPr lang="de-CH" dirty="0">
+                <a:solidFill>
+                  <a:srgbClr val="00B050"/>
+                </a:solidFill>
+              </a:rPr>
+              <a:t> </a:t>
+            </a:r>
+            <a:r>
+              <a:rPr lang="de-CH" dirty="0" err="1">
+                <a:solidFill>
+                  <a:srgbClr val="00B050"/>
+                </a:solidFill>
+              </a:rPr>
+              <a:t>comes</a:t>
+            </a:r>
+            <a:r>
+              <a:rPr lang="de-CH" dirty="0">
+                <a:solidFill>
+                  <a:srgbClr val="00B050"/>
+                </a:solidFill>
+              </a:rPr>
+              <a:t> </a:t>
+            </a:r>
+            <a:r>
+              <a:rPr lang="de-CH" dirty="0" err="1">
+                <a:solidFill>
+                  <a:srgbClr val="00B050"/>
+                </a:solidFill>
+              </a:rPr>
+              <a:t>from</a:t>
+            </a:r>
+            <a:r>
+              <a:rPr lang="de-CH" dirty="0">
+                <a:solidFill>
+                  <a:srgbClr val="00B050"/>
+                </a:solidFill>
+              </a:rPr>
+              <a:t> a </a:t>
+            </a:r>
+            <a:r>
+              <a:rPr lang="de-CH" dirty="0" err="1">
+                <a:solidFill>
+                  <a:srgbClr val="00B050"/>
+                </a:solidFill>
+              </a:rPr>
+              <a:t>Poisson</a:t>
+            </a:r>
+            <a:r>
+              <a:rPr lang="de-CH" dirty="0">
+                <a:solidFill>
+                  <a:srgbClr val="00B050"/>
+                </a:solidFill>
+              </a:rPr>
+              <a:t> </a:t>
+            </a:r>
+            <a:r>
+              <a:rPr lang="de-CH" dirty="0" err="1">
+                <a:solidFill>
+                  <a:srgbClr val="00B050"/>
+                </a:solidFill>
+              </a:rPr>
+              <a:t>distribution</a:t>
+            </a:r>
+            <a:endParaRPr lang="de-CH" dirty="0">
+              <a:solidFill>
+                <a:srgbClr val="00B050"/>
+              </a:solidFill>
+            </a:endParaRPr>
+          </a:p>
+          <a:p>
+            <a:r>
+              <a:rPr lang="de-CH" dirty="0" err="1">
+                <a:solidFill>
+                  <a:srgbClr val="00B050"/>
+                </a:solidFill>
+              </a:rPr>
+              <a:t>given</a:t>
+            </a:r>
+            <a:r>
+              <a:rPr lang="de-CH" dirty="0">
+                <a:solidFill>
+                  <a:srgbClr val="00B050"/>
+                </a:solidFill>
+              </a:rPr>
+              <a:t> </a:t>
+            </a:r>
+            <a:r>
+              <a:rPr lang="de-CH" dirty="0" err="1">
+                <a:solidFill>
+                  <a:srgbClr val="00B050"/>
+                </a:solidFill>
+              </a:rPr>
+              <a:t>the</a:t>
+            </a:r>
+            <a:r>
+              <a:rPr lang="de-CH" dirty="0">
+                <a:solidFill>
+                  <a:srgbClr val="00B050"/>
+                </a:solidFill>
+              </a:rPr>
+              <a:t> </a:t>
+            </a:r>
+            <a:r>
+              <a:rPr lang="de-CH" dirty="0" err="1">
+                <a:solidFill>
+                  <a:srgbClr val="00B050"/>
+                </a:solidFill>
+              </a:rPr>
+              <a:t>distribution</a:t>
+            </a:r>
+            <a:r>
+              <a:rPr lang="de-CH" dirty="0">
+                <a:solidFill>
+                  <a:srgbClr val="00B050"/>
+                </a:solidFill>
+              </a:rPr>
+              <a:t> </a:t>
+            </a:r>
+            <a:r>
+              <a:rPr lang="de-CH" dirty="0" err="1">
+                <a:solidFill>
+                  <a:srgbClr val="00B050"/>
+                </a:solidFill>
+              </a:rPr>
+              <a:t>of</a:t>
+            </a:r>
+            <a:r>
+              <a:rPr lang="de-CH" dirty="0">
+                <a:solidFill>
+                  <a:srgbClr val="00B050"/>
+                </a:solidFill>
+              </a:rPr>
+              <a:t> </a:t>
+            </a:r>
+            <a:r>
+              <a:rPr lang="de-CH" dirty="0" err="1">
+                <a:solidFill>
+                  <a:srgbClr val="00B050"/>
+                </a:solidFill>
+              </a:rPr>
+              <a:t>our</a:t>
+            </a:r>
+            <a:r>
+              <a:rPr lang="de-CH" dirty="0">
+                <a:solidFill>
+                  <a:srgbClr val="00B050"/>
+                </a:solidFill>
+              </a:rPr>
+              <a:t> </a:t>
+            </a:r>
+            <a:r>
+              <a:rPr lang="de-CH" dirty="0" err="1">
+                <a:solidFill>
+                  <a:srgbClr val="00B050"/>
+                </a:solidFill>
+              </a:rPr>
+              <a:t>data</a:t>
+            </a:r>
+            <a:r>
+              <a:rPr lang="de-CH" dirty="0">
+                <a:solidFill>
+                  <a:srgbClr val="00B050"/>
+                </a:solidFill>
+              </a:rPr>
+              <a:t>?</a:t>
+            </a:r>
+            <a:endParaRPr lang="en-CH" dirty="0">
+              <a:solidFill>
+                <a:srgbClr val="00B050"/>
+              </a:solidFill>
+            </a:endParaRPr>
+          </a:p>
+        </p:txBody>
+      </p:sp>
     </p:spTree>
     <p:extLst>
       <p:ext uri="{BB962C8B-B14F-4D97-AF65-F5344CB8AC3E}">
-        <p14:creationId xmlns:p14="http://schemas.microsoft.com/office/powerpoint/2010/main" val="1208430400"/>
+        <p14:creationId xmlns:p14="http://schemas.microsoft.com/office/powerpoint/2010/main" val="2252950365"/>
       </p:ext>
     </p:extLst>
   </p:cSld>
@@ -5343,70 +10059,167 @@
           <a:chExt cx="0" cy="0"/>
         </a:xfrm>
       </p:grpSpPr>
-      <p:pic>
-        <p:nvPicPr>
-          <p:cNvPr id="2" name="Picture 1">
-            <a:extLst>
-              <a:ext uri="{FF2B5EF4-FFF2-40B4-BE49-F238E27FC236}">
-                <a16:creationId xmlns:a16="http://schemas.microsoft.com/office/drawing/2014/main" id="{55C319F2-034C-7547-BFCA-01E1E053B63B}"/>
-              </a:ext>
-            </a:extLst>
-          </p:cNvPr>
-          <p:cNvPicPr>
-            <a:picLocks noChangeAspect="1"/>
-          </p:cNvPicPr>
-          <p:nvPr/>
-        </p:nvPicPr>
-        <p:blipFill>
-          <a:blip r:embed="rId2"/>
-          <a:stretch>
-            <a:fillRect/>
-          </a:stretch>
-        </p:blipFill>
-        <p:spPr>
-          <a:xfrm>
-            <a:off x="548296" y="0"/>
-            <a:ext cx="4951783" cy="6858000"/>
-          </a:xfrm>
-          <a:prstGeom prst="rect">
-            <a:avLst/>
-          </a:prstGeom>
-        </p:spPr>
-      </p:pic>
-      <p:pic>
-        <p:nvPicPr>
-          <p:cNvPr id="3" name="Picture 2">
-            <a:extLst>
-              <a:ext uri="{FF2B5EF4-FFF2-40B4-BE49-F238E27FC236}">
-                <a16:creationId xmlns:a16="http://schemas.microsoft.com/office/drawing/2014/main" id="{FF8B0A11-690A-8A4A-BA11-C35C18C1B2BC}"/>
-              </a:ext>
-            </a:extLst>
-          </p:cNvPr>
-          <p:cNvPicPr>
-            <a:picLocks noChangeAspect="1"/>
-          </p:cNvPicPr>
-          <p:nvPr/>
-        </p:nvPicPr>
-        <p:blipFill>
-          <a:blip r:embed="rId3"/>
-          <a:stretch>
-            <a:fillRect/>
-          </a:stretch>
-        </p:blipFill>
-        <p:spPr>
-          <a:xfrm>
-            <a:off x="6972300" y="122608"/>
-            <a:ext cx="4576764" cy="6735392"/>
-          </a:xfrm>
-          <a:prstGeom prst="rect">
-            <a:avLst/>
-          </a:prstGeom>
-        </p:spPr>
-      </p:pic>
+      <mc:AlternateContent xmlns:mc="http://schemas.openxmlformats.org/markup-compatibility/2006">
+        <mc:Choice xmlns:a14="http://schemas.microsoft.com/office/drawing/2010/main" Requires="a14">
+          <p:sp>
+            <p:nvSpPr>
+              <p:cNvPr id="4" name="TextBox 3">
+                <a:extLst>
+                  <a:ext uri="{FF2B5EF4-FFF2-40B4-BE49-F238E27FC236}">
+                    <a16:creationId xmlns:a16="http://schemas.microsoft.com/office/drawing/2014/main" id="{2FE85753-004A-3B49-9EB4-2D73AEC2BEA6}"/>
+                  </a:ext>
+                </a:extLst>
+              </p:cNvPr>
+              <p:cNvSpPr txBox="1"/>
+              <p:nvPr/>
+            </p:nvSpPr>
+            <p:spPr>
+              <a:xfrm>
+                <a:off x="928577" y="765545"/>
+                <a:ext cx="10334846" cy="2431435"/>
+              </a:xfrm>
+              <a:prstGeom prst="rect">
+                <a:avLst/>
+              </a:prstGeom>
+              <a:noFill/>
+            </p:spPr>
+            <p:txBody>
+              <a:bodyPr wrap="square" rtlCol="0">
+                <a:spAutoFit/>
+              </a:bodyPr>
+              <a:lstStyle/>
+              <a:p>
+                <a:r>
+                  <a:rPr lang="en-CH" sz="2800" b="1" dirty="0"/>
+                  <a:t>Some statistics conventions:</a:t>
+                </a:r>
+              </a:p>
+              <a:p>
+                <a:endParaRPr lang="en-CH" sz="2400" dirty="0"/>
+              </a:p>
+              <a:p>
+                <a:r>
+                  <a:rPr lang="en-GB" sz="2000" dirty="0"/>
+                  <a:t>A</a:t>
+                </a:r>
+                <a:r>
+                  <a:rPr lang="en-CH" sz="2000" dirty="0"/>
+                  <a:t> variable with a </a:t>
+                </a:r>
+                <a:r>
+                  <a:rPr lang="en-CH" sz="2000" b="1" dirty="0"/>
+                  <a:t>line</a:t>
+                </a:r>
+                <a:r>
+                  <a:rPr lang="en-CH" sz="2000" dirty="0"/>
+                  <a:t> on top of it often indicates the mean of the distribution.  </a:t>
+                </a:r>
+                <a14:m>
+                  <m:oMath xmlns:m="http://schemas.openxmlformats.org/officeDocument/2006/math">
+                    <m:acc>
+                      <m:accPr>
+                        <m:chr m:val="̅"/>
+                        <m:ctrlPr>
+                          <a:rPr lang="en-CH" sz="2000" i="1" smtClean="0">
+                            <a:latin typeface="Cambria Math" panose="02040503050406030204" pitchFamily="18" charset="0"/>
+                          </a:rPr>
+                        </m:ctrlPr>
+                      </m:accPr>
+                      <m:e>
+                        <m:r>
+                          <a:rPr lang="de-CH" sz="2000" b="0" i="1" smtClean="0">
+                            <a:latin typeface="Cambria Math" panose="02040503050406030204" pitchFamily="18" charset="0"/>
+                          </a:rPr>
+                          <m:t>𝑥</m:t>
+                        </m:r>
+                      </m:e>
+                    </m:acc>
+                  </m:oMath>
+                </a14:m>
+                <a:endParaRPr lang="de-CH" sz="2000" dirty="0"/>
+              </a:p>
+              <a:p>
+                <a:endParaRPr lang="en-CH" sz="2000" dirty="0"/>
+              </a:p>
+              <a:p>
+                <a:r>
+                  <a:rPr lang="en-GB" sz="2000" dirty="0"/>
+                  <a:t>A</a:t>
+                </a:r>
+                <a:r>
+                  <a:rPr lang="en-CH" sz="2000" dirty="0"/>
+                  <a:t> variable with a </a:t>
+                </a:r>
+                <a:r>
+                  <a:rPr lang="en-CH" sz="2000" b="1" dirty="0"/>
+                  <a:t>hat</a:t>
+                </a:r>
+                <a:r>
+                  <a:rPr lang="en-CH" sz="2000" dirty="0"/>
+                  <a:t> line on top of it often indicates the estimation of a parameter of the distribution </a:t>
+                </a:r>
+                <a:r>
+                  <a:rPr lang="en-GB" sz="2000" b="1" dirty="0"/>
+                  <a:t>x̂</a:t>
+                </a:r>
+                <a:r>
+                  <a:rPr lang="en-GB" sz="2000" dirty="0"/>
+                  <a:t> . This reminds us that this is not (necessarily) the underlying true value, but an estimate we make from the data.</a:t>
+                </a:r>
+                <a:endParaRPr lang="en-CH" sz="2000" dirty="0"/>
+              </a:p>
+            </p:txBody>
+          </p:sp>
+        </mc:Choice>
+        <mc:Fallback>
+          <p:sp>
+            <p:nvSpPr>
+              <p:cNvPr id="4" name="TextBox 3">
+                <a:extLst>
+                  <a:ext uri="{FF2B5EF4-FFF2-40B4-BE49-F238E27FC236}">
+                    <a16:creationId xmlns:a16="http://schemas.microsoft.com/office/drawing/2014/main" id="{2FE85753-004A-3B49-9EB4-2D73AEC2BEA6}"/>
+                  </a:ext>
+                </a:extLst>
+              </p:cNvPr>
+              <p:cNvSpPr txBox="1">
+                <a:spLocks noRot="1" noChangeAspect="1" noMove="1" noResize="1" noEditPoints="1" noAdjustHandles="1" noChangeArrowheads="1" noChangeShapeType="1" noTextEdit="1"/>
+              </p:cNvSpPr>
+              <p:nvPr/>
+            </p:nvSpPr>
+            <p:spPr>
+              <a:xfrm>
+                <a:off x="928577" y="765545"/>
+                <a:ext cx="10334846" cy="2431435"/>
+              </a:xfrm>
+              <a:prstGeom prst="rect">
+                <a:avLst/>
+              </a:prstGeom>
+              <a:blipFill>
+                <a:blip r:embed="rId2"/>
+                <a:stretch>
+                  <a:fillRect l="-1227" t="-2604" b="-3125"/>
+                </a:stretch>
+              </a:blipFill>
+            </p:spPr>
+            <p:txBody>
+              <a:bodyPr/>
+              <a:lstStyle/>
+              <a:p>
+                <a:r>
+                  <a:rPr lang="en-CH">
+                    <a:noFill/>
+                  </a:rPr>
+                  <a:t> </a:t>
+                </a:r>
+              </a:p>
+            </p:txBody>
+          </p:sp>
+        </mc:Fallback>
+      </mc:AlternateContent>
     </p:spTree>
     <p:extLst>
       <p:ext uri="{BB962C8B-B14F-4D97-AF65-F5344CB8AC3E}">
-        <p14:creationId xmlns:p14="http://schemas.microsoft.com/office/powerpoint/2010/main" val="3586656119"/>
+        <p14:creationId xmlns:p14="http://schemas.microsoft.com/office/powerpoint/2010/main" val="3287283766"/>
       </p:ext>
     </p:extLst>
   </p:cSld>
